--- a/THESIS/DACN_UD_Hoc_KHo_CTK37_BaoCao_D2.pptx
+++ b/THESIS/DACN_UD_Hoc_KHo_CTK37_BaoCao_D2.pptx
@@ -5,36 +5,27 @@
     <p:sldMasterId id="2147483648" r:id="rId1"/>
   </p:sldMasterIdLst>
   <p:notesMasterIdLst>
-    <p:notesMasterId r:id="rId29"/>
+    <p:notesMasterId r:id="rId20"/>
   </p:notesMasterIdLst>
   <p:sldIdLst>
     <p:sldId id="256" r:id="rId2"/>
     <p:sldId id="290" r:id="rId3"/>
     <p:sldId id="291" r:id="rId4"/>
-    <p:sldId id="293" r:id="rId5"/>
-    <p:sldId id="294" r:id="rId6"/>
-    <p:sldId id="296" r:id="rId7"/>
-    <p:sldId id="297" r:id="rId8"/>
-    <p:sldId id="299" r:id="rId9"/>
-    <p:sldId id="300" r:id="rId10"/>
-    <p:sldId id="302" r:id="rId11"/>
-    <p:sldId id="303" r:id="rId12"/>
-    <p:sldId id="304" r:id="rId13"/>
-    <p:sldId id="305" r:id="rId14"/>
-    <p:sldId id="306" r:id="rId15"/>
-    <p:sldId id="307" r:id="rId16"/>
-    <p:sldId id="322" r:id="rId17"/>
-    <p:sldId id="309" r:id="rId18"/>
-    <p:sldId id="310" r:id="rId19"/>
-    <p:sldId id="323" r:id="rId20"/>
-    <p:sldId id="311" r:id="rId21"/>
-    <p:sldId id="316" r:id="rId22"/>
-    <p:sldId id="327" r:id="rId23"/>
-    <p:sldId id="324" r:id="rId24"/>
-    <p:sldId id="325" r:id="rId25"/>
-    <p:sldId id="312" r:id="rId26"/>
-    <p:sldId id="326" r:id="rId27"/>
-    <p:sldId id="320" r:id="rId28"/>
+    <p:sldId id="328" r:id="rId5"/>
+    <p:sldId id="327" r:id="rId6"/>
+    <p:sldId id="329" r:id="rId7"/>
+    <p:sldId id="330" r:id="rId8"/>
+    <p:sldId id="331" r:id="rId9"/>
+    <p:sldId id="332" r:id="rId10"/>
+    <p:sldId id="333" r:id="rId11"/>
+    <p:sldId id="309" r:id="rId12"/>
+    <p:sldId id="310" r:id="rId13"/>
+    <p:sldId id="323" r:id="rId14"/>
+    <p:sldId id="311" r:id="rId15"/>
+    <p:sldId id="316" r:id="rId16"/>
+    <p:sldId id="312" r:id="rId17"/>
+    <p:sldId id="326" r:id="rId18"/>
+    <p:sldId id="320" r:id="rId19"/>
   </p:sldIdLst>
   <p:sldSz cx="9144000" cy="6858000" type="screen4x3"/>
   <p:notesSz cx="6858000" cy="9144000"/>
@@ -238,7 +229,7 @@
           <a:p>
             <a:fld id="{5F3C816B-6264-4CFF-B007-776089C8006A}" type="datetimeFigureOut">
               <a:rPr lang="en-US" smtClean="0"/>
-              <a:t>11/7/2017</a:t>
+              <a:t>11/10/2017</a:t>
             </a:fld>
             <a:endParaRPr lang="en-US"/>
           </a:p>
@@ -4068,6 +4059,38 @@
       </p:grpSpPr>
       <p:sp>
         <p:nvSpPr>
+          <p:cNvPr id="8" name="Subtitle 7"/>
+          <p:cNvSpPr>
+            <a:spLocks noGrp="1"/>
+          </p:cNvSpPr>
+          <p:nvPr>
+            <p:ph type="subTitle" idx="1"/>
+          </p:nvPr>
+        </p:nvSpPr>
+        <p:spPr>
+          <a:xfrm>
+            <a:off x="609600" y="1295400"/>
+            <a:ext cx="8077200" cy="4343400"/>
+          </a:xfrm>
+        </p:spPr>
+        <p:txBody>
+          <a:bodyPr>
+            <a:noAutofit/>
+          </a:bodyPr>
+          <a:lstStyle/>
+          <a:p>
+            <a:endParaRPr lang="en-US" sz="2400" b="1" dirty="0" smtClean="0">
+              <a:solidFill>
+                <a:schemeClr val="tx1"/>
+              </a:solidFill>
+              <a:latin typeface="Arial" panose="020B0604020202020204" pitchFamily="34" charset="0"/>
+              <a:cs typeface="Arial" panose="020B0604020202020204" pitchFamily="34" charset="0"/>
+            </a:endParaRPr>
+          </a:p>
+        </p:txBody>
+      </p:sp>
+      <p:sp>
+        <p:nvSpPr>
           <p:cNvPr id="3" name="Date Placeholder 2"/>
           <p:cNvSpPr>
             <a:spLocks noGrp="1"/>
@@ -4140,8 +4163,8 @@
         </p:nvSpPr>
         <p:spPr>
           <a:xfrm>
-            <a:off x="457200" y="990600"/>
-            <a:ext cx="8229600" cy="1934368"/>
+            <a:off x="609600" y="1295400"/>
+            <a:ext cx="8077200" cy="4495800"/>
           </a:xfrm>
           <a:prstGeom prst="rect">
             <a:avLst/>
@@ -4149,7 +4172,7 @@
         </p:spPr>
         <p:txBody>
           <a:bodyPr vert="horz" lIns="91440" tIns="45720" rIns="91440" bIns="45720" rtlCol="0" anchor="ctr">
-            <a:noAutofit/>
+            <a:normAutofit/>
           </a:bodyPr>
           <a:lstStyle>
             <a:lvl1pPr algn="l" defTabSz="914400" rtl="0" eaLnBrk="1" latinLnBrk="0" hangingPunct="1">
@@ -4168,168 +4191,32 @@
             </a:lvl1pPr>
           </a:lstStyle>
           <a:p>
-            <a:pPr marL="360363" lvl="0" indent="-342900">
+            <a:pPr marL="342900" indent="-342900" algn="just">
+              <a:spcBef>
+                <a:spcPts val="1200"/>
+              </a:spcBef>
+              <a:buClr>
+                <a:schemeClr val="tx1"/>
+              </a:buClr>
               <a:buFont typeface="Wingdings" panose="05000000000000000000" pitchFamily="2" charset="2"/>
               <a:buChar char="Ø"/>
             </a:pPr>
-            <a:r>
-              <a:rPr lang="en-US" sz="2200" b="1">
-                <a:solidFill>
-                  <a:schemeClr val="tx1"/>
-                </a:solidFill>
-                <a:latin typeface="Arial" panose="020B0604020202020204" pitchFamily="34" charset="0"/>
-                <a:cs typeface="Arial" panose="020B0604020202020204" pitchFamily="34" charset="0"/>
-              </a:rPr>
-              <a:t>English </a:t>
-            </a:r>
-            <a:r>
-              <a:rPr lang="en-US" sz="2200" b="1" dirty="0">
-                <a:solidFill>
-                  <a:schemeClr val="tx1"/>
-                </a:solidFill>
-                <a:latin typeface="Arial" panose="020B0604020202020204" pitchFamily="34" charset="0"/>
-                <a:cs typeface="Arial" panose="020B0604020202020204" pitchFamily="34" charset="0"/>
-              </a:rPr>
-              <a:t>Study Pro 2012:</a:t>
-            </a:r>
-          </a:p>
-          <a:p>
-            <a:pPr marL="860425" indent="-342900">
-              <a:buFont typeface="Arial" panose="020B0604020202020204" pitchFamily="34" charset="0"/>
-              <a:buChar char="•"/>
-            </a:pPr>
-            <a:r>
-              <a:rPr lang="en-US" sz="2200" dirty="0">
-                <a:solidFill>
-                  <a:schemeClr val="tx1"/>
-                </a:solidFill>
-                <a:latin typeface="Arial" panose="020B0604020202020204" pitchFamily="34" charset="0"/>
-                <a:cs typeface="Arial" panose="020B0604020202020204" pitchFamily="34" charset="0"/>
-              </a:rPr>
-              <a:t>Ưu điểm:</a:t>
-            </a:r>
-          </a:p>
-          <a:p>
-            <a:pPr marL="517525"/>
-            <a:r>
-              <a:rPr lang="en-US" sz="2200">
-                <a:solidFill>
-                  <a:schemeClr val="tx1"/>
-                </a:solidFill>
-                <a:latin typeface="Arial" panose="020B0604020202020204" pitchFamily="34" charset="0"/>
-                <a:cs typeface="Arial" panose="020B0604020202020204" pitchFamily="34" charset="0"/>
-              </a:rPr>
-              <a:t> 		Thuận </a:t>
-            </a:r>
-            <a:r>
-              <a:rPr lang="en-US" sz="2200" dirty="0">
-                <a:solidFill>
-                  <a:schemeClr val="tx1"/>
-                </a:solidFill>
-                <a:latin typeface="Arial" panose="020B0604020202020204" pitchFamily="34" charset="0"/>
-                <a:cs typeface="Arial" panose="020B0604020202020204" pitchFamily="34" charset="0"/>
-              </a:rPr>
-              <a:t>tiện cho người sử dụng.</a:t>
-            </a:r>
-          </a:p>
-          <a:p>
-            <a:pPr marL="860425" indent="-342900">
-              <a:buFont typeface="Arial" panose="020B0604020202020204" pitchFamily="34" charset="0"/>
-              <a:buChar char="•"/>
-            </a:pPr>
-            <a:r>
-              <a:rPr lang="en-US" sz="2200" dirty="0">
-                <a:solidFill>
-                  <a:schemeClr val="tx1"/>
-                </a:solidFill>
-                <a:latin typeface="Arial" panose="020B0604020202020204" pitchFamily="34" charset="0"/>
-                <a:cs typeface="Arial" panose="020B0604020202020204" pitchFamily="34" charset="0"/>
-              </a:rPr>
-              <a:t>Nhược điểm:</a:t>
-            </a:r>
-          </a:p>
-          <a:p>
-            <a:pPr marL="517525"/>
-            <a:r>
-              <a:rPr lang="en-US" sz="2200">
-                <a:solidFill>
-                  <a:schemeClr val="tx1"/>
-                </a:solidFill>
-                <a:latin typeface="Arial" panose="020B0604020202020204" pitchFamily="34" charset="0"/>
-                <a:cs typeface="Arial" panose="020B0604020202020204" pitchFamily="34" charset="0"/>
-              </a:rPr>
-              <a:t> 		Không </a:t>
-            </a:r>
-            <a:r>
-              <a:rPr lang="en-US" sz="2200" dirty="0">
-                <a:solidFill>
-                  <a:schemeClr val="tx1"/>
-                </a:solidFill>
-                <a:latin typeface="Arial" panose="020B0604020202020204" pitchFamily="34" charset="0"/>
-                <a:cs typeface="Arial" panose="020B0604020202020204" pitchFamily="34" charset="0"/>
-              </a:rPr>
-              <a:t>hỗ trợ smartphone.</a:t>
-            </a:r>
-          </a:p>
-          <a:p>
-            <a:pPr marL="517525"/>
-            <a:r>
-              <a:rPr lang="en-US" sz="2200">
-                <a:solidFill>
-                  <a:schemeClr val="tx1"/>
-                </a:solidFill>
-                <a:latin typeface="Arial" panose="020B0604020202020204" pitchFamily="34" charset="0"/>
-                <a:cs typeface="Arial" panose="020B0604020202020204" pitchFamily="34" charset="0"/>
-              </a:rPr>
-              <a:t> 		Không </a:t>
-            </a:r>
-            <a:r>
-              <a:rPr lang="en-US" sz="2200" dirty="0">
-                <a:solidFill>
-                  <a:schemeClr val="tx1"/>
-                </a:solidFill>
-                <a:latin typeface="Arial" panose="020B0604020202020204" pitchFamily="34" charset="0"/>
-                <a:cs typeface="Arial" panose="020B0604020202020204" pitchFamily="34" charset="0"/>
-              </a:rPr>
-              <a:t>hỗ trợ dạng học theo bài.</a:t>
-            </a:r>
-          </a:p>
-        </p:txBody>
-      </p:sp>
-      <p:pic>
-        <p:nvPicPr>
-          <p:cNvPr id="7" name="Picture 6"/>
-          <p:cNvPicPr/>
-          <p:nvPr/>
-        </p:nvPicPr>
-        <p:blipFill>
-          <a:blip r:embed="rId2">
-            <a:extLst>
-              <a:ext uri="{28A0092B-C50C-407E-A947-70E740481C1C}">
-                <a14:useLocalDpi xmlns:a14="http://schemas.microsoft.com/office/drawing/2010/main" val="0"/>
-              </a:ext>
-            </a:extLst>
-          </a:blip>
-          <a:stretch>
-            <a:fillRect/>
-          </a:stretch>
-        </p:blipFill>
-        <p:spPr>
-          <a:xfrm>
-            <a:off x="1676400" y="2985983"/>
-            <a:ext cx="5791200" cy="3414817"/>
-          </a:xfrm>
-          <a:prstGeom prst="rect">
-            <a:avLst/>
-          </a:prstGeom>
-        </p:spPr>
-      </p:pic>
-      <p:sp>
-        <p:nvSpPr>
-          <p:cNvPr id="8" name="Title 1">
+            <a:endParaRPr lang="en-US" sz="2400" dirty="0">
+              <a:solidFill>
+                <a:schemeClr val="tx1"/>
+              </a:solidFill>
+              <a:latin typeface="Arial" panose="020B0604020202020204" pitchFamily="34" charset="0"/>
+              <a:cs typeface="Arial" panose="020B0604020202020204" pitchFamily="34" charset="0"/>
+            </a:endParaRPr>
+          </a:p>
+        </p:txBody>
+      </p:sp>
+      <p:sp>
+        <p:nvSpPr>
+          <p:cNvPr id="7" name="Title 1">
             <a:extLst>
               <a:ext uri="{FF2B5EF4-FFF2-40B4-BE49-F238E27FC236}">
-                <a16:creationId xmlns="" xmlns:a16="http://schemas.microsoft.com/office/drawing/2014/main" id="{C1FDB4AA-11EA-4480-B168-DF04D9432BE3}"/>
+                <a16:creationId xmlns="" xmlns:a16="http://schemas.microsoft.com/office/drawing/2014/main" id="{A26F03AE-A5EF-4A37-AD0A-4A124D961228}"/>
               </a:ext>
             </a:extLst>
           </p:cNvPr>
@@ -4375,7 +4262,7 @@
           <a:p>
             <a:pPr algn="ctr"/>
             <a:r>
-              <a:rPr lang="en-US" sz="3400">
+              <a:rPr lang="en-US" sz="3600" dirty="0">
                 <a:ln w="3175">
                   <a:solidFill>
                     <a:schemeClr val="accent6">
@@ -4391,31 +4278,53 @@
                 <a:latin typeface="Arial" panose="020B0604020202020204" pitchFamily="34" charset="0"/>
                 <a:cs typeface="Arial" panose="020B0604020202020204" pitchFamily="34" charset="0"/>
               </a:rPr>
-              <a:t>3. Tổng quan về các ứng dụng học ngôn ngữ</a:t>
-            </a:r>
-            <a:endParaRPr lang="en-US" sz="3400" dirty="0">
-              <a:ln w="3175">
+              <a:t>2</a:t>
+            </a:r>
+            <a:r>
+              <a:rPr lang="en-US" sz="3600" dirty="0" smtClean="0">
+                <a:ln w="3175">
+                  <a:solidFill>
+                    <a:schemeClr val="accent6">
+                      <a:lumMod val="75000"/>
+                    </a:schemeClr>
+                  </a:solidFill>
+                </a:ln>
                 <a:solidFill>
                   <a:schemeClr val="accent6">
                     <a:lumMod val="75000"/>
                   </a:schemeClr>
                 </a:solidFill>
-              </a:ln>
-              <a:solidFill>
-                <a:schemeClr val="accent6">
-                  <a:lumMod val="75000"/>
-                </a:schemeClr>
-              </a:solidFill>
-              <a:latin typeface="Arial" panose="020B0604020202020204" pitchFamily="34" charset="0"/>
-              <a:cs typeface="Arial" panose="020B0604020202020204" pitchFamily="34" charset="0"/>
-            </a:endParaRPr>
+                <a:latin typeface="Arial" panose="020B0604020202020204" pitchFamily="34" charset="0"/>
+                <a:cs typeface="Arial" panose="020B0604020202020204" pitchFamily="34" charset="0"/>
+              </a:rPr>
+              <a:t>. </a:t>
+            </a:r>
+            <a:r>
+              <a:rPr lang="en-US" sz="3600" dirty="0">
+                <a:ln w="3175">
+                  <a:solidFill>
+                    <a:schemeClr val="accent6">
+                      <a:lumMod val="75000"/>
+                    </a:schemeClr>
+                  </a:solidFill>
+                </a:ln>
+                <a:solidFill>
+                  <a:schemeClr val="accent6">
+                    <a:lumMod val="75000"/>
+                  </a:schemeClr>
+                </a:solidFill>
+                <a:latin typeface="Arial" panose="020B0604020202020204" pitchFamily="34" charset="0"/>
+                <a:cs typeface="Arial" panose="020B0604020202020204" pitchFamily="34" charset="0"/>
+              </a:rPr>
+              <a:t>Phương pháp xây dựng chương trình</a:t>
+            </a:r>
           </a:p>
         </p:txBody>
       </p:sp>
     </p:spTree>
     <p:extLst>
       <p:ext uri="{BB962C8B-B14F-4D97-AF65-F5344CB8AC3E}">
-        <p14:creationId xmlns:p14="http://schemas.microsoft.com/office/powerpoint/2010/main" val="3734996558"/>
+        <p14:creationId xmlns:p14="http://schemas.microsoft.com/office/powerpoint/2010/main" val="3691618027"/>
       </p:ext>
     </p:extLst>
   </p:cSld>
@@ -4515,198 +4424,49 @@
       </p:sp>
       <p:sp>
         <p:nvSpPr>
-          <p:cNvPr id="6" name="Title 1"/>
-          <p:cNvSpPr txBox="1">
-            <a:spLocks/>
-          </p:cNvSpPr>
+          <p:cNvPr id="9" name="TextBox 8"/>
+          <p:cNvSpPr txBox="1"/>
           <p:nvPr/>
         </p:nvSpPr>
         <p:spPr>
           <a:xfrm>
-            <a:off x="453886" y="884238"/>
-            <a:ext cx="8690114" cy="2040730"/>
+            <a:off x="632791" y="1154232"/>
+            <a:ext cx="5562600" cy="430887"/>
           </a:xfrm>
           <a:prstGeom prst="rect">
             <a:avLst/>
           </a:prstGeom>
+          <a:noFill/>
         </p:spPr>
         <p:txBody>
-          <a:bodyPr vert="horz" lIns="91440" tIns="45720" rIns="91440" bIns="45720" rtlCol="0" anchor="ctr">
-            <a:noAutofit/>
+          <a:bodyPr wrap="square" rtlCol="0">
+            <a:spAutoFit/>
           </a:bodyPr>
-          <a:lstStyle>
-            <a:lvl1pPr algn="l" defTabSz="914400" rtl="0" eaLnBrk="1" latinLnBrk="0" hangingPunct="1">
+          <a:lstStyle/>
+          <a:p>
+            <a:pPr marL="342900" indent="-342900">
               <a:spcBef>
-                <a:spcPct val="0"/>
+                <a:spcPts val="1200"/>
               </a:spcBef>
-              <a:buNone/>
-              <a:defRPr sz="4400" kern="1200">
-                <a:solidFill>
-                  <a:schemeClr val="bg1"/>
-                </a:solidFill>
-                <a:latin typeface="Segoe UI Semilight" pitchFamily="34" charset="0"/>
-                <a:ea typeface="+mj-ea"/>
-                <a:cs typeface="Segoe UI Semilight" pitchFamily="34" charset="0"/>
-              </a:defRPr>
-            </a:lvl1pPr>
-          </a:lstStyle>
-          <a:p>
-            <a:pPr marL="360363" lvl="0" indent="-342900">
               <a:buFont typeface="Wingdings" panose="05000000000000000000" pitchFamily="2" charset="2"/>
               <a:buChar char="Ø"/>
             </a:pPr>
             <a:r>
-              <a:rPr lang="en-US" sz="2200" b="1">
-                <a:solidFill>
-                  <a:schemeClr val="tx1"/>
-                </a:solidFill>
+              <a:rPr lang="en-US" sz="2200" dirty="0">
                 <a:latin typeface="Arial" panose="020B0604020202020204" pitchFamily="34" charset="0"/>
                 <a:cs typeface="Arial" panose="020B0604020202020204" pitchFamily="34" charset="0"/>
               </a:rPr>
-              <a:t>English Grammar</a:t>
-            </a:r>
-            <a:r>
-              <a:rPr lang="en-US" sz="2200" b="1" dirty="0">
-                <a:solidFill>
-                  <a:schemeClr val="tx1"/>
-                </a:solidFill>
-                <a:latin typeface="Arial" panose="020B0604020202020204" pitchFamily="34" charset="0"/>
-                <a:cs typeface="Arial" panose="020B0604020202020204" pitchFamily="34" charset="0"/>
-              </a:rPr>
-              <a:t>:</a:t>
-            </a:r>
-          </a:p>
-          <a:p>
-            <a:pPr marL="860425" indent="-342900">
-              <a:buFont typeface="Arial" panose="020B0604020202020204" pitchFamily="34" charset="0"/>
-              <a:buChar char="•"/>
-            </a:pPr>
-            <a:r>
-              <a:rPr lang="en-US" sz="2200" dirty="0">
-                <a:solidFill>
-                  <a:schemeClr val="tx1"/>
-                </a:solidFill>
-                <a:latin typeface="Arial" panose="020B0604020202020204" pitchFamily="34" charset="0"/>
-                <a:cs typeface="Arial" panose="020B0604020202020204" pitchFamily="34" charset="0"/>
-              </a:rPr>
-              <a:t>Ưu điểm:</a:t>
-            </a:r>
-          </a:p>
-          <a:p>
-            <a:pPr marL="517525"/>
-            <a:r>
-              <a:rPr lang="en-US" sz="2200">
-                <a:solidFill>
-                  <a:schemeClr val="tx1"/>
-                </a:solidFill>
-                <a:latin typeface="Arial" panose="020B0604020202020204" pitchFamily="34" charset="0"/>
-                <a:cs typeface="Arial" panose="020B0604020202020204" pitchFamily="34" charset="0"/>
-              </a:rPr>
-              <a:t> 		Nhiều </a:t>
-            </a:r>
-            <a:r>
-              <a:rPr lang="en-US" sz="2200" dirty="0">
-                <a:solidFill>
-                  <a:schemeClr val="tx1"/>
-                </a:solidFill>
-                <a:latin typeface="Arial" panose="020B0604020202020204" pitchFamily="34" charset="0"/>
-                <a:cs typeface="Arial" panose="020B0604020202020204" pitchFamily="34" charset="0"/>
-              </a:rPr>
-              <a:t>chức năng giúp việc học ngữ pháp dễ dàng.</a:t>
-            </a:r>
-          </a:p>
-          <a:p>
-            <a:pPr marL="860425" indent="-342900">
-              <a:buFont typeface="Arial" panose="020B0604020202020204" pitchFamily="34" charset="0"/>
-              <a:buChar char="•"/>
-            </a:pPr>
-            <a:r>
-              <a:rPr lang="en-US" sz="2200" dirty="0">
-                <a:solidFill>
-                  <a:schemeClr val="tx1"/>
-                </a:solidFill>
-                <a:latin typeface="Arial" panose="020B0604020202020204" pitchFamily="34" charset="0"/>
-                <a:cs typeface="Arial" panose="020B0604020202020204" pitchFamily="34" charset="0"/>
-              </a:rPr>
-              <a:t>Nhược điểm:</a:t>
-            </a:r>
-          </a:p>
-          <a:p>
-            <a:pPr marL="517525"/>
-            <a:r>
-              <a:rPr lang="en-US" sz="2200">
-                <a:solidFill>
-                  <a:schemeClr val="tx1"/>
-                </a:solidFill>
-                <a:latin typeface="Arial" panose="020B0604020202020204" pitchFamily="34" charset="0"/>
-                <a:cs typeface="Arial" panose="020B0604020202020204" pitchFamily="34" charset="0"/>
-              </a:rPr>
-              <a:t> 		Không </a:t>
-            </a:r>
-            <a:r>
-              <a:rPr lang="en-US" sz="2200" dirty="0">
-                <a:solidFill>
-                  <a:schemeClr val="tx1"/>
-                </a:solidFill>
-                <a:latin typeface="Arial" panose="020B0604020202020204" pitchFamily="34" charset="0"/>
-                <a:cs typeface="Arial" panose="020B0604020202020204" pitchFamily="34" charset="0"/>
-              </a:rPr>
-              <a:t>hỗ trợ </a:t>
-            </a:r>
-            <a:r>
-              <a:rPr lang="en-US" sz="2200">
-                <a:solidFill>
-                  <a:schemeClr val="tx1"/>
-                </a:solidFill>
-                <a:latin typeface="Arial" panose="020B0604020202020204" pitchFamily="34" charset="0"/>
-                <a:cs typeface="Arial" panose="020B0604020202020204" pitchFamily="34" charset="0"/>
-              </a:rPr>
-              <a:t>smartphone.</a:t>
-            </a:r>
-            <a:endParaRPr lang="en-US" sz="2200" dirty="0">
-              <a:solidFill>
-                <a:schemeClr val="tx1"/>
-              </a:solidFill>
-              <a:latin typeface="Arial" panose="020B0604020202020204" pitchFamily="34" charset="0"/>
-              <a:cs typeface="Arial" panose="020B0604020202020204" pitchFamily="34" charset="0"/>
-            </a:endParaRPr>
-          </a:p>
-        </p:txBody>
-      </p:sp>
-      <p:pic>
-        <p:nvPicPr>
-          <p:cNvPr id="8" name="Picture 7"/>
-          <p:cNvPicPr/>
-          <p:nvPr/>
-        </p:nvPicPr>
-        <p:blipFill>
-          <a:blip r:embed="rId2">
-            <a:extLst>
-              <a:ext uri="{28A0092B-C50C-407E-A947-70E740481C1C}">
-                <a14:useLocalDpi xmlns:a14="http://schemas.microsoft.com/office/drawing/2010/main" val="0"/>
-              </a:ext>
-            </a:extLst>
-          </a:blip>
-          <a:stretch>
-            <a:fillRect/>
-          </a:stretch>
-        </p:blipFill>
-        <p:spPr>
-          <a:xfrm>
-            <a:off x="1673087" y="2924968"/>
-            <a:ext cx="5791200" cy="3280379"/>
-          </a:xfrm>
-          <a:prstGeom prst="rect">
-            <a:avLst/>
-          </a:prstGeom>
-        </p:spPr>
-      </p:pic>
-      <p:sp>
-        <p:nvSpPr>
-          <p:cNvPr id="7" name="Title 1">
+              <a:t>Giao diện chính</a:t>
+            </a:r>
+          </a:p>
+        </p:txBody>
+      </p:sp>
+      <p:sp>
+        <p:nvSpPr>
+          <p:cNvPr id="10" name="Title 1">
             <a:extLst>
               <a:ext uri="{FF2B5EF4-FFF2-40B4-BE49-F238E27FC236}">
-                <a16:creationId xmlns="" xmlns:a16="http://schemas.microsoft.com/office/drawing/2014/main" id="{CE52A4DC-9B00-4F77-B20C-9468ECF2E962}"/>
+                <a16:creationId xmlns="" xmlns:a16="http://schemas.microsoft.com/office/drawing/2014/main" id="{7368D8FC-019C-4E0A-9E64-2A1D10A99CC1}"/>
               </a:ext>
             </a:extLst>
           </p:cNvPr>
@@ -4752,7 +4512,7 @@
           <a:p>
             <a:pPr algn="ctr"/>
             <a:r>
-              <a:rPr lang="en-US" sz="3200">
+              <a:rPr lang="en-US" sz="2800">
                 <a:ln w="3175">
                   <a:solidFill>
                     <a:schemeClr val="accent6">
@@ -4768,9 +4528,9 @@
                 <a:latin typeface="Arial" panose="020B0604020202020204" pitchFamily="34" charset="0"/>
                 <a:cs typeface="Arial" panose="020B0604020202020204" pitchFamily="34" charset="0"/>
               </a:rPr>
-              <a:t>3. Tổng quan về các ứng dụng học ngôn ngữ (tt)</a:t>
-            </a:r>
-            <a:endParaRPr lang="en-US" sz="3200" dirty="0">
+              <a:t>5. Đề xuất giao diện ứng dụng</a:t>
+            </a:r>
+            <a:endParaRPr lang="en-US" sz="2800" dirty="0">
               <a:ln w="3175">
                 <a:solidFill>
                   <a:schemeClr val="accent6">
@@ -4789,10 +4549,34 @@
           </a:p>
         </p:txBody>
       </p:sp>
+      <p:pic>
+        <p:nvPicPr>
+          <p:cNvPr id="2" name="Picture 1"/>
+          <p:cNvPicPr>
+            <a:picLocks noChangeAspect="1"/>
+          </p:cNvPicPr>
+          <p:nvPr/>
+        </p:nvPicPr>
+        <p:blipFill>
+          <a:blip r:embed="rId2"/>
+          <a:stretch>
+            <a:fillRect/>
+          </a:stretch>
+        </p:blipFill>
+        <p:spPr>
+          <a:xfrm>
+            <a:off x="632791" y="1676399"/>
+            <a:ext cx="8131969" cy="4480719"/>
+          </a:xfrm>
+          <a:prstGeom prst="rect">
+            <a:avLst/>
+          </a:prstGeom>
+        </p:spPr>
+      </p:pic>
     </p:spTree>
     <p:extLst>
       <p:ext uri="{BB962C8B-B14F-4D97-AF65-F5344CB8AC3E}">
-        <p14:creationId xmlns:p14="http://schemas.microsoft.com/office/powerpoint/2010/main" val="4176839835"/>
+        <p14:creationId xmlns:p14="http://schemas.microsoft.com/office/powerpoint/2010/main" val="2774872542"/>
       </p:ext>
     </p:extLst>
   </p:cSld>
@@ -4892,302 +4676,71 @@
       </p:sp>
       <p:sp>
         <p:nvSpPr>
-          <p:cNvPr id="6" name="Title 1"/>
-          <p:cNvSpPr txBox="1">
-            <a:spLocks/>
-          </p:cNvSpPr>
+          <p:cNvPr id="9" name="TextBox 8"/>
+          <p:cNvSpPr txBox="1"/>
           <p:nvPr/>
         </p:nvSpPr>
         <p:spPr>
           <a:xfrm>
-            <a:off x="457200" y="884238"/>
-            <a:ext cx="8229600" cy="2040730"/>
+            <a:off x="606286" y="483513"/>
+            <a:ext cx="5562600" cy="430887"/>
+          </a:xfrm>
+          <a:prstGeom prst="rect">
+            <a:avLst/>
+          </a:prstGeom>
+          <a:noFill/>
+        </p:spPr>
+        <p:txBody>
+          <a:bodyPr wrap="square" rtlCol="0">
+            <a:spAutoFit/>
+          </a:bodyPr>
+          <a:lstStyle/>
+          <a:p>
+            <a:pPr marL="342900" indent="-342900">
+              <a:spcBef>
+                <a:spcPts val="1200"/>
+              </a:spcBef>
+              <a:buFont typeface="Wingdings" panose="05000000000000000000" pitchFamily="2" charset="2"/>
+              <a:buChar char="Ø"/>
+            </a:pPr>
+            <a:r>
+              <a:rPr lang="en-US" sz="2200" dirty="0">
+                <a:latin typeface="Arial" panose="020B0604020202020204" pitchFamily="34" charset="0"/>
+                <a:cs typeface="Arial" panose="020B0604020202020204" pitchFamily="34" charset="0"/>
+              </a:rPr>
+              <a:t>Giao diện danh sách bài học</a:t>
+            </a:r>
+          </a:p>
+        </p:txBody>
+      </p:sp>
+      <p:pic>
+        <p:nvPicPr>
+          <p:cNvPr id="2" name="Picture 1"/>
+          <p:cNvPicPr>
+            <a:picLocks noChangeAspect="1"/>
+          </p:cNvPicPr>
+          <p:nvPr/>
+        </p:nvPicPr>
+        <p:blipFill>
+          <a:blip r:embed="rId2"/>
+          <a:stretch>
+            <a:fillRect/>
+          </a:stretch>
+        </p:blipFill>
+        <p:spPr>
+          <a:xfrm>
+            <a:off x="382264" y="1143000"/>
+            <a:ext cx="8374798" cy="4708525"/>
           </a:xfrm>
           <a:prstGeom prst="rect">
             <a:avLst/>
           </a:prstGeom>
         </p:spPr>
-        <p:txBody>
-          <a:bodyPr vert="horz" lIns="91440" tIns="45720" rIns="91440" bIns="45720" rtlCol="0" anchor="ctr">
-            <a:noAutofit/>
-          </a:bodyPr>
-          <a:lstStyle>
-            <a:lvl1pPr algn="l" defTabSz="914400" rtl="0" eaLnBrk="1" latinLnBrk="0" hangingPunct="1">
-              <a:spcBef>
-                <a:spcPct val="0"/>
-              </a:spcBef>
-              <a:buNone/>
-              <a:defRPr sz="4400" kern="1200">
-                <a:solidFill>
-                  <a:schemeClr val="bg1"/>
-                </a:solidFill>
-                <a:latin typeface="Segoe UI Semilight" pitchFamily="34" charset="0"/>
-                <a:ea typeface="+mj-ea"/>
-                <a:cs typeface="Segoe UI Semilight" pitchFamily="34" charset="0"/>
-              </a:defRPr>
-            </a:lvl1pPr>
-          </a:lstStyle>
-          <a:p>
-            <a:pPr marL="360363" indent="-342900">
-              <a:buFont typeface="Wingdings" panose="05000000000000000000" pitchFamily="2" charset="2"/>
-              <a:buChar char="Ø"/>
-            </a:pPr>
-            <a:r>
-              <a:rPr lang="en-US" sz="2200" b="1">
-                <a:solidFill>
-                  <a:schemeClr val="tx1"/>
-                </a:solidFill>
-                <a:latin typeface="Arial" panose="020B0604020202020204" pitchFamily="34" charset="0"/>
-                <a:cs typeface="Arial" panose="020B0604020202020204" pitchFamily="34" charset="0"/>
-              </a:rPr>
-              <a:t>English4u:</a:t>
-            </a:r>
-            <a:endParaRPr lang="en-US" sz="2200" b="1" dirty="0">
-              <a:solidFill>
-                <a:schemeClr val="tx1"/>
-              </a:solidFill>
-              <a:latin typeface="Arial" panose="020B0604020202020204" pitchFamily="34" charset="0"/>
-              <a:cs typeface="Arial" panose="020B0604020202020204" pitchFamily="34" charset="0"/>
-            </a:endParaRPr>
-          </a:p>
-          <a:p>
-            <a:pPr marL="860425" indent="-342900">
-              <a:buFont typeface="Arial" panose="020B0604020202020204" pitchFamily="34" charset="0"/>
-              <a:buChar char="•"/>
-            </a:pPr>
-            <a:r>
-              <a:rPr lang="en-US" sz="2200">
-                <a:solidFill>
-                  <a:schemeClr val="tx1"/>
-                </a:solidFill>
-                <a:latin typeface="Arial" panose="020B0604020202020204" pitchFamily="34" charset="0"/>
-                <a:cs typeface="Arial" panose="020B0604020202020204" pitchFamily="34" charset="0"/>
-              </a:rPr>
-              <a:t>Ưu </a:t>
-            </a:r>
-            <a:r>
-              <a:rPr lang="en-US" sz="2200" dirty="0">
-                <a:solidFill>
-                  <a:schemeClr val="tx1"/>
-                </a:solidFill>
-                <a:latin typeface="Arial" panose="020B0604020202020204" pitchFamily="34" charset="0"/>
-                <a:cs typeface="Arial" panose="020B0604020202020204" pitchFamily="34" charset="0"/>
-              </a:rPr>
-              <a:t>điểm:</a:t>
-            </a:r>
-          </a:p>
-          <a:p>
-            <a:pPr marL="517525"/>
-            <a:r>
-              <a:rPr lang="en-US" sz="2200">
-                <a:solidFill>
-                  <a:schemeClr val="tx1"/>
-                </a:solidFill>
-                <a:latin typeface="Arial" panose="020B0604020202020204" pitchFamily="34" charset="0"/>
-                <a:cs typeface="Arial" panose="020B0604020202020204" pitchFamily="34" charset="0"/>
-              </a:rPr>
-              <a:t> 		Có </a:t>
-            </a:r>
-            <a:r>
-              <a:rPr lang="en-US" sz="2200" dirty="0">
-                <a:solidFill>
-                  <a:schemeClr val="tx1"/>
-                </a:solidFill>
-                <a:latin typeface="Arial" panose="020B0604020202020204" pitchFamily="34" charset="0"/>
-                <a:cs typeface="Arial" panose="020B0604020202020204" pitchFamily="34" charset="0"/>
-              </a:rPr>
-              <a:t>hỗ trợ smartphone</a:t>
-            </a:r>
-          </a:p>
-          <a:p>
-            <a:pPr marL="517525"/>
-            <a:r>
-              <a:rPr lang="en-US" sz="2200">
-                <a:solidFill>
-                  <a:schemeClr val="tx1"/>
-                </a:solidFill>
-                <a:latin typeface="Arial" panose="020B0604020202020204" pitchFamily="34" charset="0"/>
-                <a:cs typeface="Arial" panose="020B0604020202020204" pitchFamily="34" charset="0"/>
-              </a:rPr>
-              <a:t> 		Có </a:t>
-            </a:r>
-            <a:r>
-              <a:rPr lang="en-US" sz="2200" dirty="0">
-                <a:solidFill>
-                  <a:schemeClr val="tx1"/>
-                </a:solidFill>
-                <a:latin typeface="Arial" panose="020B0604020202020204" pitchFamily="34" charset="0"/>
-                <a:cs typeface="Arial" panose="020B0604020202020204" pitchFamily="34" charset="0"/>
-              </a:rPr>
-              <a:t>âm thanh.</a:t>
-            </a:r>
-          </a:p>
-          <a:p>
-            <a:pPr marL="860425" indent="-342900">
-              <a:buFont typeface="Arial" panose="020B0604020202020204" pitchFamily="34" charset="0"/>
-              <a:buChar char="•"/>
-            </a:pPr>
-            <a:r>
-              <a:rPr lang="en-US" sz="2200" dirty="0">
-                <a:solidFill>
-                  <a:schemeClr val="tx1"/>
-                </a:solidFill>
-                <a:latin typeface="Arial" panose="020B0604020202020204" pitchFamily="34" charset="0"/>
-                <a:cs typeface="Arial" panose="020B0604020202020204" pitchFamily="34" charset="0"/>
-              </a:rPr>
-              <a:t>Nhược điểm:</a:t>
-            </a:r>
-          </a:p>
-          <a:p>
-            <a:pPr marL="517525"/>
-            <a:r>
-              <a:rPr lang="en-US" sz="2200">
-                <a:solidFill>
-                  <a:schemeClr val="tx1"/>
-                </a:solidFill>
-                <a:latin typeface="Arial" panose="020B0604020202020204" pitchFamily="34" charset="0"/>
-                <a:cs typeface="Arial" panose="020B0604020202020204" pitchFamily="34" charset="0"/>
-              </a:rPr>
-              <a:t> 		Không </a:t>
-            </a:r>
-            <a:r>
-              <a:rPr lang="en-US" sz="2200" dirty="0">
-                <a:solidFill>
-                  <a:schemeClr val="tx1"/>
-                </a:solidFill>
-                <a:latin typeface="Arial" panose="020B0604020202020204" pitchFamily="34" charset="0"/>
-                <a:cs typeface="Arial" panose="020B0604020202020204" pitchFamily="34" charset="0"/>
-              </a:rPr>
-              <a:t>hỗ trợ dạng học theo bài.</a:t>
-            </a:r>
-          </a:p>
-        </p:txBody>
-      </p:sp>
-      <p:pic>
-        <p:nvPicPr>
-          <p:cNvPr id="9" name="Picture 8" descr="D:\DoAn\Hinh word\English4u.jpg"/>
-          <p:cNvPicPr/>
-          <p:nvPr/>
-        </p:nvPicPr>
-        <p:blipFill>
-          <a:blip r:embed="rId2">
-            <a:extLst>
-              <a:ext uri="{28A0092B-C50C-407E-A947-70E740481C1C}">
-                <a14:useLocalDpi xmlns:a14="http://schemas.microsoft.com/office/drawing/2010/main" val="0"/>
-              </a:ext>
-            </a:extLst>
-          </a:blip>
-          <a:srcRect/>
-          <a:stretch>
-            <a:fillRect/>
-          </a:stretch>
-        </p:blipFill>
-        <p:spPr bwMode="auto">
-          <a:xfrm>
-            <a:off x="1676400" y="2924968"/>
-            <a:ext cx="5791200" cy="3323432"/>
-          </a:xfrm>
-          <a:prstGeom prst="rect">
-            <a:avLst/>
-          </a:prstGeom>
-          <a:noFill/>
-          <a:ln>
-            <a:noFill/>
-          </a:ln>
-        </p:spPr>
       </p:pic>
-      <p:sp>
-        <p:nvSpPr>
-          <p:cNvPr id="7" name="Title 1">
-            <a:extLst>
-              <a:ext uri="{FF2B5EF4-FFF2-40B4-BE49-F238E27FC236}">
-                <a16:creationId xmlns="" xmlns:a16="http://schemas.microsoft.com/office/drawing/2014/main" id="{FE791987-208E-49E0-9E8C-2920DD679E83}"/>
-              </a:ext>
-            </a:extLst>
-          </p:cNvPr>
-          <p:cNvSpPr txBox="1">
-            <a:spLocks/>
-          </p:cNvSpPr>
-          <p:nvPr/>
-        </p:nvSpPr>
-        <p:spPr>
-          <a:xfrm>
-            <a:off x="0" y="0"/>
-            <a:ext cx="9144000" cy="884238"/>
-          </a:xfrm>
-          <a:prstGeom prst="rect">
-            <a:avLst/>
-          </a:prstGeom>
-          <a:ln w="3175">
-            <a:solidFill>
-              <a:schemeClr val="tx1"/>
-            </a:solidFill>
-          </a:ln>
-        </p:spPr>
-        <p:txBody>
-          <a:bodyPr vert="horz" lIns="91440" tIns="45720" rIns="91440" bIns="45720" rtlCol="0" anchor="ctr">
-            <a:noAutofit/>
-          </a:bodyPr>
-          <a:lstStyle>
-            <a:lvl1pPr algn="l" defTabSz="914400" rtl="0" eaLnBrk="1" latinLnBrk="0" hangingPunct="1">
-              <a:spcBef>
-                <a:spcPct val="0"/>
-              </a:spcBef>
-              <a:buNone/>
-              <a:defRPr sz="4400" kern="1200">
-                <a:solidFill>
-                  <a:schemeClr val="bg1"/>
-                </a:solidFill>
-                <a:latin typeface="Segoe UI Semilight" pitchFamily="34" charset="0"/>
-                <a:ea typeface="+mj-ea"/>
-                <a:cs typeface="Segoe UI Semilight" pitchFamily="34" charset="0"/>
-              </a:defRPr>
-            </a:lvl1pPr>
-          </a:lstStyle>
-          <a:p>
-            <a:pPr algn="ctr"/>
-            <a:r>
-              <a:rPr lang="en-US" sz="3200">
-                <a:ln w="3175">
-                  <a:solidFill>
-                    <a:schemeClr val="accent6">
-                      <a:lumMod val="75000"/>
-                    </a:schemeClr>
-                  </a:solidFill>
-                </a:ln>
-                <a:solidFill>
-                  <a:schemeClr val="accent6">
-                    <a:lumMod val="75000"/>
-                  </a:schemeClr>
-                </a:solidFill>
-                <a:latin typeface="Arial" panose="020B0604020202020204" pitchFamily="34" charset="0"/>
-                <a:cs typeface="Arial" panose="020B0604020202020204" pitchFamily="34" charset="0"/>
-              </a:rPr>
-              <a:t>3. Tổng quan về các ứng dụng học ngôn ngữ (tt)</a:t>
-            </a:r>
-            <a:endParaRPr lang="en-US" sz="3200" dirty="0">
-              <a:ln w="3175">
-                <a:solidFill>
-                  <a:schemeClr val="accent6">
-                    <a:lumMod val="75000"/>
-                  </a:schemeClr>
-                </a:solidFill>
-              </a:ln>
-              <a:solidFill>
-                <a:schemeClr val="accent6">
-                  <a:lumMod val="75000"/>
-                </a:schemeClr>
-              </a:solidFill>
-              <a:latin typeface="Arial" panose="020B0604020202020204" pitchFamily="34" charset="0"/>
-              <a:cs typeface="Arial" panose="020B0604020202020204" pitchFamily="34" charset="0"/>
-            </a:endParaRPr>
-          </a:p>
-        </p:txBody>
-      </p:sp>
     </p:spTree>
     <p:extLst>
       <p:ext uri="{BB962C8B-B14F-4D97-AF65-F5344CB8AC3E}">
-        <p14:creationId xmlns:p14="http://schemas.microsoft.com/office/powerpoint/2010/main" val="4162279009"/>
+        <p14:creationId xmlns:p14="http://schemas.microsoft.com/office/powerpoint/2010/main" val="566431913"/>
       </p:ext>
     </p:extLst>
   </p:cSld>
@@ -5287,339 +4840,71 @@
       </p:sp>
       <p:sp>
         <p:nvSpPr>
-          <p:cNvPr id="6" name="Title 1"/>
-          <p:cNvSpPr txBox="1">
-            <a:spLocks/>
-          </p:cNvSpPr>
+          <p:cNvPr id="9" name="TextBox 8"/>
+          <p:cNvSpPr txBox="1"/>
           <p:nvPr/>
         </p:nvSpPr>
         <p:spPr>
           <a:xfrm>
-            <a:off x="453886" y="1295400"/>
-            <a:ext cx="8229600" cy="1629568"/>
+            <a:off x="632790" y="381000"/>
+            <a:ext cx="5562600" cy="430887"/>
           </a:xfrm>
           <a:prstGeom prst="rect">
             <a:avLst/>
           </a:prstGeom>
+          <a:noFill/>
         </p:spPr>
         <p:txBody>
-          <a:bodyPr vert="horz" lIns="91440" tIns="45720" rIns="91440" bIns="45720" rtlCol="0" anchor="ctr">
-            <a:noAutofit/>
+          <a:bodyPr wrap="square" rtlCol="0">
+            <a:spAutoFit/>
           </a:bodyPr>
-          <a:lstStyle>
-            <a:lvl1pPr algn="l" defTabSz="914400" rtl="0" eaLnBrk="1" latinLnBrk="0" hangingPunct="1">
+          <a:lstStyle/>
+          <a:p>
+            <a:pPr marL="342900" indent="-342900">
               <a:spcBef>
-                <a:spcPct val="0"/>
+                <a:spcPts val="1200"/>
               </a:spcBef>
-              <a:buNone/>
-              <a:defRPr sz="4400" kern="1200">
-                <a:solidFill>
-                  <a:schemeClr val="bg1"/>
-                </a:solidFill>
-                <a:latin typeface="Segoe UI Semilight" pitchFamily="34" charset="0"/>
-                <a:ea typeface="+mj-ea"/>
-                <a:cs typeface="Segoe UI Semilight" pitchFamily="34" charset="0"/>
-              </a:defRPr>
-            </a:lvl1pPr>
-          </a:lstStyle>
-          <a:p>
-            <a:pPr marL="360363" indent="-342900">
               <a:buFont typeface="Wingdings" panose="05000000000000000000" pitchFamily="2" charset="2"/>
               <a:buChar char="Ø"/>
             </a:pPr>
             <a:r>
-              <a:rPr lang="en-US" sz="2200" b="1">
-                <a:solidFill>
-                  <a:schemeClr val="tx1"/>
-                </a:solidFill>
+              <a:rPr lang="en-US" sz="2200" dirty="0">
                 <a:latin typeface="Arial" panose="020B0604020202020204" pitchFamily="34" charset="0"/>
                 <a:cs typeface="Arial" panose="020B0604020202020204" pitchFamily="34" charset="0"/>
               </a:rPr>
-              <a:t>Trang web </a:t>
-            </a:r>
-            <a:r>
-              <a:rPr lang="en-US" sz="2200" b="1" dirty="0">
-                <a:solidFill>
-                  <a:schemeClr val="tx1"/>
-                </a:solidFill>
-                <a:latin typeface="Arial" panose="020B0604020202020204" pitchFamily="34" charset="0"/>
-                <a:cs typeface="Arial" panose="020B0604020202020204" pitchFamily="34" charset="0"/>
-                <a:hlinkClick r:id="rId2"/>
-              </a:rPr>
-              <a:t>www.doulingo</a:t>
-            </a:r>
-            <a:r>
-              <a:rPr lang="en-US" sz="2200" b="1">
-                <a:solidFill>
-                  <a:schemeClr val="tx1"/>
-                </a:solidFill>
-                <a:latin typeface="Arial" panose="020B0604020202020204" pitchFamily="34" charset="0"/>
-                <a:cs typeface="Arial" panose="020B0604020202020204" pitchFamily="34" charset="0"/>
-                <a:hlinkClick r:id="rId2"/>
-              </a:rPr>
-              <a:t>.com</a:t>
-            </a:r>
-            <a:r>
-              <a:rPr lang="en-US" sz="2200" b="1" dirty="0">
-                <a:solidFill>
-                  <a:schemeClr val="tx1"/>
-                </a:solidFill>
-                <a:latin typeface="Arial" panose="020B0604020202020204" pitchFamily="34" charset="0"/>
-                <a:cs typeface="Arial" panose="020B0604020202020204" pitchFamily="34" charset="0"/>
-              </a:rPr>
-              <a:t>:</a:t>
-            </a:r>
-          </a:p>
-          <a:p>
-            <a:pPr marL="860425" indent="-342900">
-              <a:buFont typeface="Arial" panose="020B0604020202020204" pitchFamily="34" charset="0"/>
-              <a:buChar char="•"/>
-            </a:pPr>
-            <a:r>
-              <a:rPr lang="en-US" sz="2200">
-                <a:solidFill>
-                  <a:schemeClr val="tx1"/>
-                </a:solidFill>
-                <a:latin typeface="Arial" panose="020B0604020202020204" pitchFamily="34" charset="0"/>
-                <a:cs typeface="Arial" panose="020B0604020202020204" pitchFamily="34" charset="0"/>
-              </a:rPr>
-              <a:t>Ưu </a:t>
-            </a:r>
-            <a:r>
-              <a:rPr lang="en-US" sz="2200" dirty="0">
-                <a:solidFill>
-                  <a:schemeClr val="tx1"/>
-                </a:solidFill>
-                <a:latin typeface="Arial" panose="020B0604020202020204" pitchFamily="34" charset="0"/>
-                <a:cs typeface="Arial" panose="020B0604020202020204" pitchFamily="34" charset="0"/>
-              </a:rPr>
-              <a:t>điểm:</a:t>
-            </a:r>
-          </a:p>
-          <a:p>
-            <a:pPr marL="519113"/>
-            <a:r>
-              <a:rPr lang="en-US" sz="2200">
-                <a:solidFill>
-                  <a:schemeClr val="tx1"/>
-                </a:solidFill>
-                <a:latin typeface="Arial" panose="020B0604020202020204" pitchFamily="34" charset="0"/>
-                <a:cs typeface="Arial" panose="020B0604020202020204" pitchFamily="34" charset="0"/>
-              </a:rPr>
-              <a:t>		Giao </a:t>
-            </a:r>
-            <a:r>
-              <a:rPr lang="en-US" sz="2200" dirty="0">
-                <a:solidFill>
-                  <a:schemeClr val="tx1"/>
-                </a:solidFill>
-                <a:latin typeface="Arial" panose="020B0604020202020204" pitchFamily="34" charset="0"/>
-                <a:cs typeface="Arial" panose="020B0604020202020204" pitchFamily="34" charset="0"/>
-              </a:rPr>
-              <a:t>diện thân thiện.</a:t>
-            </a:r>
-          </a:p>
-          <a:p>
-            <a:pPr marL="519113"/>
-            <a:r>
-              <a:rPr lang="en-US" sz="2200">
-                <a:solidFill>
-                  <a:schemeClr val="tx1"/>
-                </a:solidFill>
-                <a:latin typeface="Arial" panose="020B0604020202020204" pitchFamily="34" charset="0"/>
-                <a:cs typeface="Arial" panose="020B0604020202020204" pitchFamily="34" charset="0"/>
-              </a:rPr>
-              <a:t>		Hỗ </a:t>
-            </a:r>
-            <a:r>
-              <a:rPr lang="en-US" sz="2200" dirty="0">
-                <a:solidFill>
-                  <a:schemeClr val="tx1"/>
-                </a:solidFill>
-                <a:latin typeface="Arial" panose="020B0604020202020204" pitchFamily="34" charset="0"/>
-                <a:cs typeface="Arial" panose="020B0604020202020204" pitchFamily="34" charset="0"/>
-              </a:rPr>
-              <a:t>trợ smartphone.</a:t>
-            </a:r>
-          </a:p>
-          <a:p>
-            <a:pPr marL="860425" indent="-342900">
-              <a:buFont typeface="Arial" panose="020B0604020202020204" pitchFamily="34" charset="0"/>
-              <a:buChar char="•"/>
-            </a:pPr>
-            <a:r>
-              <a:rPr lang="en-US" sz="2200" dirty="0">
-                <a:solidFill>
-                  <a:schemeClr val="tx1"/>
-                </a:solidFill>
-                <a:latin typeface="Arial" panose="020B0604020202020204" pitchFamily="34" charset="0"/>
-                <a:cs typeface="Arial" panose="020B0604020202020204" pitchFamily="34" charset="0"/>
-              </a:rPr>
-              <a:t>Nhược điểm:</a:t>
-            </a:r>
-          </a:p>
-          <a:p>
-            <a:pPr marL="519113"/>
-            <a:r>
-              <a:rPr lang="en-US" sz="2200">
-                <a:solidFill>
-                  <a:schemeClr val="tx1"/>
-                </a:solidFill>
-                <a:latin typeface="Arial" panose="020B0604020202020204" pitchFamily="34" charset="0"/>
-                <a:cs typeface="Arial" panose="020B0604020202020204" pitchFamily="34" charset="0"/>
-              </a:rPr>
-              <a:t>		Cần </a:t>
-            </a:r>
-            <a:r>
-              <a:rPr lang="en-US" sz="2200" dirty="0">
-                <a:solidFill>
-                  <a:schemeClr val="tx1"/>
-                </a:solidFill>
-                <a:latin typeface="Arial" panose="020B0604020202020204" pitchFamily="34" charset="0"/>
-                <a:cs typeface="Arial" panose="020B0604020202020204" pitchFamily="34" charset="0"/>
-              </a:rPr>
-              <a:t>có mạng để </a:t>
-            </a:r>
-            <a:r>
-              <a:rPr lang="en-US" sz="2200">
-                <a:solidFill>
-                  <a:schemeClr val="tx1"/>
-                </a:solidFill>
-                <a:latin typeface="Arial" panose="020B0604020202020204" pitchFamily="34" charset="0"/>
-                <a:cs typeface="Arial" panose="020B0604020202020204" pitchFamily="34" charset="0"/>
-              </a:rPr>
-              <a:t>học.</a:t>
-            </a:r>
-            <a:endParaRPr lang="en-US" sz="2200" dirty="0">
-              <a:solidFill>
-                <a:schemeClr val="tx1"/>
-              </a:solidFill>
-              <a:latin typeface="Arial" panose="020B0604020202020204" pitchFamily="34" charset="0"/>
-              <a:cs typeface="Arial" panose="020B0604020202020204" pitchFamily="34" charset="0"/>
-            </a:endParaRPr>
+              <a:t>Giao diện chi tiết bài học</a:t>
+            </a:r>
           </a:p>
         </p:txBody>
       </p:sp>
       <p:pic>
         <p:nvPicPr>
-          <p:cNvPr id="8" name="Picture 7"/>
-          <p:cNvPicPr/>
+          <p:cNvPr id="2" name="Picture 1"/>
+          <p:cNvPicPr>
+            <a:picLocks noChangeAspect="1"/>
+          </p:cNvPicPr>
           <p:nvPr/>
         </p:nvPicPr>
         <p:blipFill>
-          <a:blip r:embed="rId3">
-            <a:extLst>
-              <a:ext uri="{28A0092B-C50C-407E-A947-70E740481C1C}">
-                <a14:useLocalDpi xmlns:a14="http://schemas.microsoft.com/office/drawing/2010/main" val="0"/>
-              </a:ext>
-            </a:extLst>
-          </a:blip>
+          <a:blip r:embed="rId2"/>
           <a:stretch>
             <a:fillRect/>
           </a:stretch>
         </p:blipFill>
         <p:spPr>
           <a:xfrm>
-            <a:off x="1792148" y="3276599"/>
-            <a:ext cx="5553075" cy="3200401"/>
+            <a:off x="632790" y="1107447"/>
+            <a:ext cx="8054010" cy="4953342"/>
           </a:xfrm>
           <a:prstGeom prst="rect">
             <a:avLst/>
           </a:prstGeom>
         </p:spPr>
       </p:pic>
-      <p:sp>
-        <p:nvSpPr>
-          <p:cNvPr id="7" name="Title 1">
-            <a:extLst>
-              <a:ext uri="{FF2B5EF4-FFF2-40B4-BE49-F238E27FC236}">
-                <a16:creationId xmlns="" xmlns:a16="http://schemas.microsoft.com/office/drawing/2014/main" id="{C0C3A5CE-A1DD-42B5-8370-C634CDFCEC1F}"/>
-              </a:ext>
-            </a:extLst>
-          </p:cNvPr>
-          <p:cNvSpPr txBox="1">
-            <a:spLocks/>
-          </p:cNvSpPr>
-          <p:nvPr/>
-        </p:nvSpPr>
-        <p:spPr>
-          <a:xfrm>
-            <a:off x="0" y="0"/>
-            <a:ext cx="9144000" cy="884238"/>
-          </a:xfrm>
-          <a:prstGeom prst="rect">
-            <a:avLst/>
-          </a:prstGeom>
-          <a:ln w="3175">
-            <a:solidFill>
-              <a:schemeClr val="tx1"/>
-            </a:solidFill>
-          </a:ln>
-        </p:spPr>
-        <p:txBody>
-          <a:bodyPr vert="horz" lIns="91440" tIns="45720" rIns="91440" bIns="45720" rtlCol="0" anchor="ctr">
-            <a:noAutofit/>
-          </a:bodyPr>
-          <a:lstStyle>
-            <a:lvl1pPr algn="l" defTabSz="914400" rtl="0" eaLnBrk="1" latinLnBrk="0" hangingPunct="1">
-              <a:spcBef>
-                <a:spcPct val="0"/>
-              </a:spcBef>
-              <a:buNone/>
-              <a:defRPr sz="4400" kern="1200">
-                <a:solidFill>
-                  <a:schemeClr val="bg1"/>
-                </a:solidFill>
-                <a:latin typeface="Segoe UI Semilight" pitchFamily="34" charset="0"/>
-                <a:ea typeface="+mj-ea"/>
-                <a:cs typeface="Segoe UI Semilight" pitchFamily="34" charset="0"/>
-              </a:defRPr>
-            </a:lvl1pPr>
-          </a:lstStyle>
-          <a:p>
-            <a:pPr algn="ctr"/>
-            <a:r>
-              <a:rPr lang="en-US" sz="3200">
-                <a:ln w="3175">
-                  <a:solidFill>
-                    <a:schemeClr val="accent6">
-                      <a:lumMod val="75000"/>
-                    </a:schemeClr>
-                  </a:solidFill>
-                </a:ln>
-                <a:solidFill>
-                  <a:schemeClr val="accent6">
-                    <a:lumMod val="75000"/>
-                  </a:schemeClr>
-                </a:solidFill>
-                <a:latin typeface="Arial" panose="020B0604020202020204" pitchFamily="34" charset="0"/>
-                <a:cs typeface="Arial" panose="020B0604020202020204" pitchFamily="34" charset="0"/>
-              </a:rPr>
-              <a:t>3. Tổng quan về các ứng dụng học ngôn ngữ (tt)</a:t>
-            </a:r>
-            <a:endParaRPr lang="en-US" sz="3200" dirty="0">
-              <a:ln w="3175">
-                <a:solidFill>
-                  <a:schemeClr val="accent6">
-                    <a:lumMod val="75000"/>
-                  </a:schemeClr>
-                </a:solidFill>
-              </a:ln>
-              <a:solidFill>
-                <a:schemeClr val="accent6">
-                  <a:lumMod val="75000"/>
-                </a:schemeClr>
-              </a:solidFill>
-              <a:latin typeface="Arial" panose="020B0604020202020204" pitchFamily="34" charset="0"/>
-              <a:cs typeface="Arial" panose="020B0604020202020204" pitchFamily="34" charset="0"/>
-            </a:endParaRPr>
-          </a:p>
-        </p:txBody>
-      </p:sp>
     </p:spTree>
     <p:extLst>
       <p:ext uri="{BB962C8B-B14F-4D97-AF65-F5344CB8AC3E}">
-        <p14:creationId xmlns:p14="http://schemas.microsoft.com/office/powerpoint/2010/main" val="4111705754"/>
+        <p14:creationId xmlns:p14="http://schemas.microsoft.com/office/powerpoint/2010/main" val="4151963571"/>
       </p:ext>
     </p:extLst>
   </p:cSld>
@@ -5719,299 +5004,71 @@
       </p:sp>
       <p:sp>
         <p:nvSpPr>
-          <p:cNvPr id="6" name="Title 1"/>
-          <p:cNvSpPr txBox="1">
-            <a:spLocks/>
-          </p:cNvSpPr>
+          <p:cNvPr id="9" name="TextBox 8"/>
+          <p:cNvSpPr txBox="1"/>
           <p:nvPr/>
         </p:nvSpPr>
         <p:spPr>
           <a:xfrm>
-            <a:off x="457200" y="884238"/>
-            <a:ext cx="8686800" cy="1964530"/>
+            <a:off x="457200" y="483513"/>
+            <a:ext cx="5562600" cy="430887"/>
+          </a:xfrm>
+          <a:prstGeom prst="rect">
+            <a:avLst/>
+          </a:prstGeom>
+          <a:noFill/>
+        </p:spPr>
+        <p:txBody>
+          <a:bodyPr wrap="square" rtlCol="0">
+            <a:spAutoFit/>
+          </a:bodyPr>
+          <a:lstStyle/>
+          <a:p>
+            <a:pPr marL="342900" indent="-342900">
+              <a:spcBef>
+                <a:spcPts val="1200"/>
+              </a:spcBef>
+              <a:buFont typeface="Wingdings" panose="05000000000000000000" pitchFamily="2" charset="2"/>
+              <a:buChar char="Ø"/>
+            </a:pPr>
+            <a:r>
+              <a:rPr lang="en-US" sz="2200" dirty="0">
+                <a:latin typeface="Arial" panose="020B0604020202020204" pitchFamily="34" charset="0"/>
+                <a:cs typeface="Arial" panose="020B0604020202020204" pitchFamily="34" charset="0"/>
+              </a:rPr>
+              <a:t>Giao diện danh sách ngữ pháp</a:t>
+            </a:r>
+          </a:p>
+        </p:txBody>
+      </p:sp>
+      <p:pic>
+        <p:nvPicPr>
+          <p:cNvPr id="2" name="Picture 1"/>
+          <p:cNvPicPr>
+            <a:picLocks noChangeAspect="1"/>
+          </p:cNvPicPr>
+          <p:nvPr/>
+        </p:nvPicPr>
+        <p:blipFill>
+          <a:blip r:embed="rId2"/>
+          <a:stretch>
+            <a:fillRect/>
+          </a:stretch>
+        </p:blipFill>
+        <p:spPr>
+          <a:xfrm>
+            <a:off x="533400" y="1283350"/>
+            <a:ext cx="8153400" cy="4584049"/>
           </a:xfrm>
           <a:prstGeom prst="rect">
             <a:avLst/>
           </a:prstGeom>
         </p:spPr>
-        <p:txBody>
-          <a:bodyPr vert="horz" lIns="91440" tIns="45720" rIns="91440" bIns="45720" rtlCol="0" anchor="ctr">
-            <a:noAutofit/>
-          </a:bodyPr>
-          <a:lstStyle>
-            <a:lvl1pPr algn="l" defTabSz="914400" rtl="0" eaLnBrk="1" latinLnBrk="0" hangingPunct="1">
-              <a:spcBef>
-                <a:spcPct val="0"/>
-              </a:spcBef>
-              <a:buNone/>
-              <a:defRPr sz="4400" kern="1200">
-                <a:solidFill>
-                  <a:schemeClr val="bg1"/>
-                </a:solidFill>
-                <a:latin typeface="Segoe UI Semilight" pitchFamily="34" charset="0"/>
-                <a:ea typeface="+mj-ea"/>
-                <a:cs typeface="Segoe UI Semilight" pitchFamily="34" charset="0"/>
-              </a:defRPr>
-            </a:lvl1pPr>
-          </a:lstStyle>
-          <a:p>
-            <a:pPr marL="360363" indent="-342900">
-              <a:buFont typeface="Wingdings" panose="05000000000000000000" pitchFamily="2" charset="2"/>
-              <a:buChar char="Ø"/>
-            </a:pPr>
-            <a:r>
-              <a:rPr lang="en-US" sz="2200" b="1">
-                <a:solidFill>
-                  <a:schemeClr val="tx1"/>
-                </a:solidFill>
-                <a:latin typeface="Arial" panose="020B0604020202020204" pitchFamily="34" charset="0"/>
-                <a:cs typeface="Arial" panose="020B0604020202020204" pitchFamily="34" charset="0"/>
-              </a:rPr>
-              <a:t>Ứng </a:t>
-            </a:r>
-            <a:r>
-              <a:rPr lang="en-US" sz="2200" b="1" dirty="0">
-                <a:solidFill>
-                  <a:schemeClr val="tx1"/>
-                </a:solidFill>
-                <a:latin typeface="Arial" panose="020B0604020202020204" pitchFamily="34" charset="0"/>
-                <a:cs typeface="Arial" panose="020B0604020202020204" pitchFamily="34" charset="0"/>
-              </a:rPr>
-              <a:t>dụng học Từ Vựng Tiếng Anh:</a:t>
-            </a:r>
-          </a:p>
-          <a:p>
-            <a:pPr marL="860425" indent="-342900">
-              <a:buFont typeface="Arial" panose="020B0604020202020204" pitchFamily="34" charset="0"/>
-              <a:buChar char="•"/>
-            </a:pPr>
-            <a:r>
-              <a:rPr lang="en-US" sz="2200">
-                <a:solidFill>
-                  <a:schemeClr val="tx1"/>
-                </a:solidFill>
-                <a:latin typeface="Arial" panose="020B0604020202020204" pitchFamily="34" charset="0"/>
-                <a:cs typeface="Arial" panose="020B0604020202020204" pitchFamily="34" charset="0"/>
-              </a:rPr>
-              <a:t>Ưu </a:t>
-            </a:r>
-            <a:r>
-              <a:rPr lang="en-US" sz="2200" dirty="0">
-                <a:solidFill>
-                  <a:schemeClr val="tx1"/>
-                </a:solidFill>
-                <a:latin typeface="Arial" panose="020B0604020202020204" pitchFamily="34" charset="0"/>
-                <a:cs typeface="Arial" panose="020B0604020202020204" pitchFamily="34" charset="0"/>
-              </a:rPr>
-              <a:t>điểm:</a:t>
-            </a:r>
-          </a:p>
-          <a:p>
-            <a:pPr marL="452438"/>
-            <a:r>
-              <a:rPr lang="en-US" sz="2200">
-                <a:solidFill>
-                  <a:schemeClr val="tx1"/>
-                </a:solidFill>
-                <a:latin typeface="Arial" panose="020B0604020202020204" pitchFamily="34" charset="0"/>
-                <a:cs typeface="Arial" panose="020B0604020202020204" pitchFamily="34" charset="0"/>
-              </a:rPr>
-              <a:t>		Chia </a:t>
-            </a:r>
-            <a:r>
-              <a:rPr lang="en-US" sz="2200" dirty="0">
-                <a:solidFill>
-                  <a:schemeClr val="tx1"/>
-                </a:solidFill>
-                <a:latin typeface="Arial" panose="020B0604020202020204" pitchFamily="34" charset="0"/>
-                <a:cs typeface="Arial" panose="020B0604020202020204" pitchFamily="34" charset="0"/>
-              </a:rPr>
-              <a:t>từ vựng thành nhiều nhóm nhỏ, giúp dễ học.</a:t>
-            </a:r>
-          </a:p>
-          <a:p>
-            <a:pPr marL="860425" indent="-342900">
-              <a:buFont typeface="Arial" panose="020B0604020202020204" pitchFamily="34" charset="0"/>
-              <a:buChar char="•"/>
-            </a:pPr>
-            <a:r>
-              <a:rPr lang="en-US" sz="2200" dirty="0">
-                <a:solidFill>
-                  <a:schemeClr val="tx1"/>
-                </a:solidFill>
-                <a:latin typeface="Arial" panose="020B0604020202020204" pitchFamily="34" charset="0"/>
-                <a:cs typeface="Arial" panose="020B0604020202020204" pitchFamily="34" charset="0"/>
-              </a:rPr>
-              <a:t>Nhược điểm:</a:t>
-            </a:r>
-          </a:p>
-          <a:p>
-            <a:pPr marL="452438"/>
-            <a:r>
-              <a:rPr lang="en-US" sz="2200">
-                <a:solidFill>
-                  <a:schemeClr val="tx1"/>
-                </a:solidFill>
-                <a:latin typeface="Arial" panose="020B0604020202020204" pitchFamily="34" charset="0"/>
-                <a:cs typeface="Arial" panose="020B0604020202020204" pitchFamily="34" charset="0"/>
-              </a:rPr>
-              <a:t>		Không </a:t>
-            </a:r>
-            <a:r>
-              <a:rPr lang="en-US" sz="2200" dirty="0">
-                <a:solidFill>
-                  <a:schemeClr val="tx1"/>
-                </a:solidFill>
-                <a:latin typeface="Arial" panose="020B0604020202020204" pitchFamily="34" charset="0"/>
-                <a:cs typeface="Arial" panose="020B0604020202020204" pitchFamily="34" charset="0"/>
-              </a:rPr>
-              <a:t>hỗ trợ </a:t>
-            </a:r>
-            <a:r>
-              <a:rPr lang="en-US" sz="2200">
-                <a:solidFill>
-                  <a:schemeClr val="tx1"/>
-                </a:solidFill>
-                <a:latin typeface="Arial" panose="020B0604020202020204" pitchFamily="34" charset="0"/>
-                <a:cs typeface="Arial" panose="020B0604020202020204" pitchFamily="34" charset="0"/>
-              </a:rPr>
-              <a:t>PC.</a:t>
-            </a:r>
-            <a:endParaRPr lang="en-US" sz="2200" dirty="0">
-              <a:solidFill>
-                <a:schemeClr val="tx1"/>
-              </a:solidFill>
-              <a:latin typeface="Arial" panose="020B0604020202020204" pitchFamily="34" charset="0"/>
-              <a:cs typeface="Arial" panose="020B0604020202020204" pitchFamily="34" charset="0"/>
-            </a:endParaRPr>
-          </a:p>
-        </p:txBody>
-      </p:sp>
-      <p:pic>
-        <p:nvPicPr>
-          <p:cNvPr id="9" name="Picture 8" descr="D:\DoAn\Hinh word\Từ Vựng Tiếng Anh.jpg"/>
-          <p:cNvPicPr/>
-          <p:nvPr/>
-        </p:nvPicPr>
-        <p:blipFill>
-          <a:blip r:embed="rId2">
-            <a:extLst>
-              <a:ext uri="{28A0092B-C50C-407E-A947-70E740481C1C}">
-                <a14:useLocalDpi xmlns:a14="http://schemas.microsoft.com/office/drawing/2010/main" val="0"/>
-              </a:ext>
-            </a:extLst>
-          </a:blip>
-          <a:srcRect/>
-          <a:stretch>
-            <a:fillRect/>
-          </a:stretch>
-        </p:blipFill>
-        <p:spPr bwMode="auto">
-          <a:xfrm>
-            <a:off x="1673087" y="2848768"/>
-            <a:ext cx="5791200" cy="3399632"/>
-          </a:xfrm>
-          <a:prstGeom prst="rect">
-            <a:avLst/>
-          </a:prstGeom>
-          <a:noFill/>
-          <a:ln>
-            <a:noFill/>
-          </a:ln>
-        </p:spPr>
       </p:pic>
-      <p:sp>
-        <p:nvSpPr>
-          <p:cNvPr id="7" name="Title 1">
-            <a:extLst>
-              <a:ext uri="{FF2B5EF4-FFF2-40B4-BE49-F238E27FC236}">
-                <a16:creationId xmlns="" xmlns:a16="http://schemas.microsoft.com/office/drawing/2014/main" id="{61E34DC2-FC25-42CA-8660-A8A8999FD6D8}"/>
-              </a:ext>
-            </a:extLst>
-          </p:cNvPr>
-          <p:cNvSpPr txBox="1">
-            <a:spLocks/>
-          </p:cNvSpPr>
-          <p:nvPr/>
-        </p:nvSpPr>
-        <p:spPr>
-          <a:xfrm>
-            <a:off x="0" y="0"/>
-            <a:ext cx="9144000" cy="884238"/>
-          </a:xfrm>
-          <a:prstGeom prst="rect">
-            <a:avLst/>
-          </a:prstGeom>
-          <a:ln w="3175">
-            <a:solidFill>
-              <a:schemeClr val="tx1"/>
-            </a:solidFill>
-          </a:ln>
-        </p:spPr>
-        <p:txBody>
-          <a:bodyPr vert="horz" lIns="91440" tIns="45720" rIns="91440" bIns="45720" rtlCol="0" anchor="ctr">
-            <a:noAutofit/>
-          </a:bodyPr>
-          <a:lstStyle>
-            <a:lvl1pPr algn="l" defTabSz="914400" rtl="0" eaLnBrk="1" latinLnBrk="0" hangingPunct="1">
-              <a:spcBef>
-                <a:spcPct val="0"/>
-              </a:spcBef>
-              <a:buNone/>
-              <a:defRPr sz="4400" kern="1200">
-                <a:solidFill>
-                  <a:schemeClr val="bg1"/>
-                </a:solidFill>
-                <a:latin typeface="Segoe UI Semilight" pitchFamily="34" charset="0"/>
-                <a:ea typeface="+mj-ea"/>
-                <a:cs typeface="Segoe UI Semilight" pitchFamily="34" charset="0"/>
-              </a:defRPr>
-            </a:lvl1pPr>
-          </a:lstStyle>
-          <a:p>
-            <a:pPr algn="ctr"/>
-            <a:r>
-              <a:rPr lang="en-US" sz="3200">
-                <a:ln w="3175">
-                  <a:solidFill>
-                    <a:schemeClr val="accent6">
-                      <a:lumMod val="75000"/>
-                    </a:schemeClr>
-                  </a:solidFill>
-                </a:ln>
-                <a:solidFill>
-                  <a:schemeClr val="accent6">
-                    <a:lumMod val="75000"/>
-                  </a:schemeClr>
-                </a:solidFill>
-                <a:latin typeface="Arial" panose="020B0604020202020204" pitchFamily="34" charset="0"/>
-                <a:cs typeface="Arial" panose="020B0604020202020204" pitchFamily="34" charset="0"/>
-              </a:rPr>
-              <a:t>3. Tổng quan về các ứng dụng học ngôn ngữ (tt)</a:t>
-            </a:r>
-            <a:endParaRPr lang="en-US" sz="3200" dirty="0">
-              <a:ln w="3175">
-                <a:solidFill>
-                  <a:schemeClr val="accent6">
-                    <a:lumMod val="75000"/>
-                  </a:schemeClr>
-                </a:solidFill>
-              </a:ln>
-              <a:solidFill>
-                <a:schemeClr val="accent6">
-                  <a:lumMod val="75000"/>
-                </a:schemeClr>
-              </a:solidFill>
-              <a:latin typeface="Arial" panose="020B0604020202020204" pitchFamily="34" charset="0"/>
-              <a:cs typeface="Arial" panose="020B0604020202020204" pitchFamily="34" charset="0"/>
-            </a:endParaRPr>
-          </a:p>
-        </p:txBody>
-      </p:sp>
     </p:spTree>
     <p:extLst>
       <p:ext uri="{BB962C8B-B14F-4D97-AF65-F5344CB8AC3E}">
-        <p14:creationId xmlns:p14="http://schemas.microsoft.com/office/powerpoint/2010/main" val="2374298935"/>
+        <p14:creationId xmlns:p14="http://schemas.microsoft.com/office/powerpoint/2010/main" val="2426906381"/>
       </p:ext>
     </p:extLst>
   </p:cSld>
@@ -6111,418 +5168,71 @@
       </p:sp>
       <p:sp>
         <p:nvSpPr>
-          <p:cNvPr id="6" name="Title 1"/>
-          <p:cNvSpPr txBox="1">
-            <a:spLocks/>
-          </p:cNvSpPr>
+          <p:cNvPr id="9" name="TextBox 8"/>
+          <p:cNvSpPr txBox="1"/>
           <p:nvPr/>
         </p:nvSpPr>
         <p:spPr>
           <a:xfrm>
-            <a:off x="457200" y="1143000"/>
-            <a:ext cx="8534400" cy="5334000"/>
+            <a:off x="609600" y="533400"/>
+            <a:ext cx="5562600" cy="430887"/>
+          </a:xfrm>
+          <a:prstGeom prst="rect">
+            <a:avLst/>
+          </a:prstGeom>
+          <a:noFill/>
+        </p:spPr>
+        <p:txBody>
+          <a:bodyPr wrap="square" rtlCol="0">
+            <a:spAutoFit/>
+          </a:bodyPr>
+          <a:lstStyle/>
+          <a:p>
+            <a:pPr marL="342900" indent="-342900">
+              <a:spcBef>
+                <a:spcPts val="1200"/>
+              </a:spcBef>
+              <a:buFont typeface="Wingdings" panose="05000000000000000000" pitchFamily="2" charset="2"/>
+              <a:buChar char="Ø"/>
+            </a:pPr>
+            <a:r>
+              <a:rPr lang="en-US" sz="2200" dirty="0">
+                <a:latin typeface="Arial" panose="020B0604020202020204" pitchFamily="34" charset="0"/>
+                <a:cs typeface="Arial" panose="020B0604020202020204" pitchFamily="34" charset="0"/>
+              </a:rPr>
+              <a:t>Giao diện chi tiết ngữ pháp</a:t>
+            </a:r>
+          </a:p>
+        </p:txBody>
+      </p:sp>
+      <p:pic>
+        <p:nvPicPr>
+          <p:cNvPr id="2" name="Picture 1"/>
+          <p:cNvPicPr>
+            <a:picLocks noChangeAspect="1"/>
+          </p:cNvPicPr>
+          <p:nvPr/>
+        </p:nvPicPr>
+        <p:blipFill>
+          <a:blip r:embed="rId2"/>
+          <a:stretch>
+            <a:fillRect/>
+          </a:stretch>
+        </p:blipFill>
+        <p:spPr>
+          <a:xfrm>
+            <a:off x="609600" y="1295400"/>
+            <a:ext cx="8077200" cy="4155253"/>
           </a:xfrm>
           <a:prstGeom prst="rect">
             <a:avLst/>
           </a:prstGeom>
         </p:spPr>
-        <p:txBody>
-          <a:bodyPr vert="horz" lIns="91440" tIns="45720" rIns="91440" bIns="45720" rtlCol="0" anchor="ctr">
-            <a:noAutofit/>
-          </a:bodyPr>
-          <a:lstStyle>
-            <a:lvl1pPr algn="l" defTabSz="914400" rtl="0" eaLnBrk="1" latinLnBrk="0" hangingPunct="1">
-              <a:spcBef>
-                <a:spcPct val="0"/>
-              </a:spcBef>
-              <a:buNone/>
-              <a:defRPr sz="4400" kern="1200">
-                <a:solidFill>
-                  <a:schemeClr val="bg1"/>
-                </a:solidFill>
-                <a:latin typeface="Segoe UI Semilight" pitchFamily="34" charset="0"/>
-                <a:ea typeface="+mj-ea"/>
-                <a:cs typeface="Segoe UI Semilight" pitchFamily="34" charset="0"/>
-              </a:defRPr>
-            </a:lvl1pPr>
-          </a:lstStyle>
-          <a:p>
-            <a:pPr marL="342900" indent="-342900" algn="just">
-              <a:buFont typeface="Wingdings" panose="05000000000000000000" pitchFamily="2" charset="2"/>
-              <a:buChar char="Ø"/>
-            </a:pPr>
-            <a:r>
-              <a:rPr lang="en-US" sz="2400" dirty="0">
-                <a:solidFill>
-                  <a:schemeClr val="tx1"/>
-                </a:solidFill>
-                <a:latin typeface="Arial" panose="020B0604020202020204" pitchFamily="34" charset="0"/>
-                <a:cs typeface="Arial" panose="020B0604020202020204" pitchFamily="34" charset="0"/>
-              </a:rPr>
-              <a:t>Giao diện của chương trình học tiếng dân tộc K’Ho sẽ dựa vào sách Tài liệu dạy và học tiếng K’Ho của Sở Nội vụ - Sở Giáo dục và Đào tạo tỉnh Lâm Đồng và ứng dụng English Study Pro 2012 để thiết </a:t>
-            </a:r>
-            <a:r>
-              <a:rPr lang="en-US" sz="2400">
-                <a:solidFill>
-                  <a:schemeClr val="tx1"/>
-                </a:solidFill>
-                <a:latin typeface="Arial" panose="020B0604020202020204" pitchFamily="34" charset="0"/>
-                <a:cs typeface="Arial" panose="020B0604020202020204" pitchFamily="34" charset="0"/>
-              </a:rPr>
-              <a:t>kế.</a:t>
-            </a:r>
-          </a:p>
-          <a:p>
-            <a:pPr algn="just"/>
-            <a:endParaRPr lang="en-US" sz="2400">
-              <a:solidFill>
-                <a:schemeClr val="tx1"/>
-              </a:solidFill>
-              <a:latin typeface="Arial" panose="020B0604020202020204" pitchFamily="34" charset="0"/>
-              <a:cs typeface="Arial" panose="020B0604020202020204" pitchFamily="34" charset="0"/>
-            </a:endParaRPr>
-          </a:p>
-          <a:p>
-            <a:pPr marL="342900" lvl="0" indent="-342900" algn="just">
-              <a:buFont typeface="Wingdings" panose="05000000000000000000" pitchFamily="2" charset="2"/>
-              <a:buChar char="Ø"/>
-            </a:pPr>
-            <a:r>
-              <a:rPr lang="en-US" sz="2400">
-                <a:solidFill>
-                  <a:schemeClr val="tx1"/>
-                </a:solidFill>
-                <a:latin typeface="Arial" panose="020B0604020202020204" pitchFamily="34" charset="0"/>
-                <a:cs typeface="Arial" panose="020B0604020202020204" pitchFamily="34" charset="0"/>
-              </a:rPr>
-              <a:t>Các công cụ xây dựng.</a:t>
-            </a:r>
-          </a:p>
-          <a:p>
-            <a:pPr marL="900113" indent="-457200" algn="just">
-              <a:buFont typeface="Arial" panose="020B0604020202020204" pitchFamily="34" charset="0"/>
-              <a:buChar char="•"/>
-            </a:pPr>
-            <a:r>
-              <a:rPr lang="en-US" sz="2400">
-                <a:solidFill>
-                  <a:schemeClr val="tx1"/>
-                </a:solidFill>
-                <a:latin typeface="Arial" panose="020B0604020202020204" pitchFamily="34" charset="0"/>
-                <a:cs typeface="Arial" panose="020B0604020202020204" pitchFamily="34" charset="0"/>
-              </a:rPr>
-              <a:t>Chương trình hỗ trợ gõ chữ các dân tộc thiểu số Tây Nguyên: </a:t>
-            </a:r>
-            <a:r>
-              <a:rPr lang="en-US" sz="2400" b="1">
-                <a:solidFill>
-                  <a:schemeClr val="tx1"/>
-                </a:solidFill>
-                <a:latin typeface="Arial" panose="020B0604020202020204" pitchFamily="34" charset="0"/>
-                <a:cs typeface="Arial" panose="020B0604020202020204" pitchFamily="34" charset="0"/>
-              </a:rPr>
-              <a:t>TayNguyenKey</a:t>
-            </a:r>
-            <a:r>
-              <a:rPr lang="en-US" sz="2400">
-                <a:solidFill>
-                  <a:schemeClr val="tx1"/>
-                </a:solidFill>
-                <a:latin typeface="Arial" panose="020B0604020202020204" pitchFamily="34" charset="0"/>
-                <a:cs typeface="Arial" panose="020B0604020202020204" pitchFamily="34" charset="0"/>
-              </a:rPr>
-              <a:t>.</a:t>
-            </a:r>
-          </a:p>
-          <a:p>
-            <a:pPr marL="900113" indent="-457200" algn="just">
-              <a:buFont typeface="Arial" panose="020B0604020202020204" pitchFamily="34" charset="0"/>
-              <a:buChar char="•"/>
-            </a:pPr>
-            <a:r>
-              <a:rPr lang="en-US" sz="2400">
-                <a:solidFill>
-                  <a:schemeClr val="tx1"/>
-                </a:solidFill>
-                <a:latin typeface="Arial" panose="020B0604020202020204" pitchFamily="34" charset="0"/>
-                <a:cs typeface="Arial" panose="020B0604020202020204" pitchFamily="34" charset="0"/>
-              </a:rPr>
-              <a:t>Công cụ xây dựng giao diện: </a:t>
-            </a:r>
-            <a:r>
-              <a:rPr lang="en-US" sz="2400" b="1">
-                <a:solidFill>
-                  <a:schemeClr val="tx1"/>
-                </a:solidFill>
-                <a:latin typeface="Arial" panose="020B0604020202020204" pitchFamily="34" charset="0"/>
-                <a:cs typeface="Arial" panose="020B0604020202020204" pitchFamily="34" charset="0"/>
-              </a:rPr>
-              <a:t>Devexpress 14</a:t>
-            </a:r>
-            <a:r>
-              <a:rPr lang="en-US" sz="2400">
-                <a:solidFill>
-                  <a:schemeClr val="tx1"/>
-                </a:solidFill>
-                <a:latin typeface="Arial" panose="020B0604020202020204" pitchFamily="34" charset="0"/>
-                <a:cs typeface="Arial" panose="020B0604020202020204" pitchFamily="34" charset="0"/>
-              </a:rPr>
-              <a:t>.</a:t>
-            </a:r>
-          </a:p>
-          <a:p>
-            <a:pPr marL="900113" indent="-457200" algn="just">
-              <a:buFont typeface="Arial" panose="020B0604020202020204" pitchFamily="34" charset="0"/>
-              <a:buChar char="•"/>
-            </a:pPr>
-            <a:r>
-              <a:rPr lang="en-US" sz="2400">
-                <a:solidFill>
-                  <a:schemeClr val="tx1"/>
-                </a:solidFill>
-                <a:latin typeface="Arial" panose="020B0604020202020204" pitchFamily="34" charset="0"/>
-                <a:cs typeface="Arial" panose="020B0604020202020204" pitchFamily="34" charset="0"/>
-              </a:rPr>
-              <a:t>Quản trị cơ sở dữ liệu: </a:t>
-            </a:r>
-            <a:r>
-              <a:rPr lang="en-US" sz="2400" b="1">
-                <a:solidFill>
-                  <a:schemeClr val="tx1"/>
-                </a:solidFill>
-                <a:latin typeface="Arial" panose="020B0604020202020204" pitchFamily="34" charset="0"/>
-                <a:cs typeface="Arial" panose="020B0604020202020204" pitchFamily="34" charset="0"/>
-              </a:rPr>
-              <a:t>SQL Sever 2012 Express.</a:t>
-            </a:r>
-          </a:p>
-          <a:p>
-            <a:pPr marL="900113" indent="-457200" algn="just">
-              <a:buFont typeface="Arial" panose="020B0604020202020204" pitchFamily="34" charset="0"/>
-              <a:buChar char="•"/>
-            </a:pPr>
-            <a:r>
-              <a:rPr lang="en-US" sz="2400">
-                <a:solidFill>
-                  <a:schemeClr val="tx1"/>
-                </a:solidFill>
-                <a:latin typeface="Arial" panose="020B0604020202020204" pitchFamily="34" charset="0"/>
-                <a:cs typeface="Arial" panose="020B0604020202020204" pitchFamily="34" charset="0"/>
-              </a:rPr>
-              <a:t>Xây dựng trên: </a:t>
-            </a:r>
-            <a:r>
-              <a:rPr lang="en-US" sz="2400" b="1">
-                <a:solidFill>
-                  <a:schemeClr val="tx1"/>
-                </a:solidFill>
-                <a:latin typeface="Arial" panose="020B0604020202020204" pitchFamily="34" charset="0"/>
-                <a:cs typeface="Arial" panose="020B0604020202020204" pitchFamily="34" charset="0"/>
-              </a:rPr>
-              <a:t>Visual Studio 2013.</a:t>
-            </a:r>
-          </a:p>
-          <a:p>
-            <a:pPr marL="806450" indent="-342900" algn="just">
-              <a:buClr>
-                <a:srgbClr val="00B404"/>
-              </a:buClr>
-              <a:buFont typeface="Wingdings" panose="05000000000000000000" pitchFamily="2" charset="2"/>
-              <a:buChar char="Ø"/>
-            </a:pPr>
-            <a:endParaRPr lang="en-US" sz="2400" dirty="0">
-              <a:solidFill>
-                <a:schemeClr val="tx1"/>
-              </a:solidFill>
-              <a:latin typeface="Arial" panose="020B0604020202020204" pitchFamily="34" charset="0"/>
-              <a:cs typeface="Arial" panose="020B0604020202020204" pitchFamily="34" charset="0"/>
-            </a:endParaRPr>
-          </a:p>
-        </p:txBody>
-      </p:sp>
-      <p:sp>
-        <p:nvSpPr>
-          <p:cNvPr id="7" name="Title 1"/>
-          <p:cNvSpPr txBox="1">
-            <a:spLocks/>
-          </p:cNvSpPr>
-          <p:nvPr/>
-        </p:nvSpPr>
-        <p:spPr>
-          <a:xfrm>
-            <a:off x="609600" y="3124200"/>
-            <a:ext cx="8229600" cy="2544762"/>
-          </a:xfrm>
-          <a:prstGeom prst="rect">
-            <a:avLst/>
-          </a:prstGeom>
-        </p:spPr>
-        <p:txBody>
-          <a:bodyPr vert="horz" lIns="91440" tIns="45720" rIns="91440" bIns="45720" rtlCol="0" anchor="ctr">
-            <a:noAutofit/>
-          </a:bodyPr>
-          <a:lstStyle>
-            <a:lvl1pPr algn="l" defTabSz="914400" rtl="0" eaLnBrk="1" latinLnBrk="0" hangingPunct="1">
-              <a:spcBef>
-                <a:spcPct val="0"/>
-              </a:spcBef>
-              <a:buNone/>
-              <a:defRPr sz="4400" kern="1200">
-                <a:solidFill>
-                  <a:schemeClr val="bg1"/>
-                </a:solidFill>
-                <a:latin typeface="Segoe UI Semilight" pitchFamily="34" charset="0"/>
-                <a:ea typeface="+mj-ea"/>
-                <a:cs typeface="Segoe UI Semilight" pitchFamily="34" charset="0"/>
-              </a:defRPr>
-            </a:lvl1pPr>
-          </a:lstStyle>
-          <a:p>
-            <a:pPr marL="463550">
-              <a:buClr>
-                <a:srgbClr val="00B404"/>
-              </a:buClr>
-            </a:pPr>
-            <a:endParaRPr lang="en-US" sz="2400" dirty="0">
-              <a:solidFill>
-                <a:schemeClr val="tx1"/>
-              </a:solidFill>
-              <a:latin typeface="Arial" panose="020B0604020202020204" pitchFamily="34" charset="0"/>
-              <a:cs typeface="Arial" panose="020B0604020202020204" pitchFamily="34" charset="0"/>
-            </a:endParaRPr>
-          </a:p>
-        </p:txBody>
-      </p:sp>
-      <p:sp>
-        <p:nvSpPr>
-          <p:cNvPr id="8" name="Title 1">
-            <a:extLst>
-              <a:ext uri="{FF2B5EF4-FFF2-40B4-BE49-F238E27FC236}">
-                <a16:creationId xmlns="" xmlns:a16="http://schemas.microsoft.com/office/drawing/2014/main" id="{EF92401E-ADA8-4757-8D0C-8B2857FECBFC}"/>
-              </a:ext>
-            </a:extLst>
-          </p:cNvPr>
-          <p:cNvSpPr txBox="1">
-            <a:spLocks/>
-          </p:cNvSpPr>
-          <p:nvPr/>
-        </p:nvSpPr>
-        <p:spPr>
-          <a:xfrm>
-            <a:off x="0" y="0"/>
-            <a:ext cx="9144000" cy="884238"/>
-          </a:xfrm>
-          <a:prstGeom prst="rect">
-            <a:avLst/>
-          </a:prstGeom>
-          <a:ln w="3175">
-            <a:solidFill>
-              <a:schemeClr val="tx1"/>
-            </a:solidFill>
-          </a:ln>
-        </p:spPr>
-        <p:txBody>
-          <a:bodyPr vert="horz" lIns="91440" tIns="45720" rIns="91440" bIns="45720" rtlCol="0" anchor="ctr">
-            <a:noAutofit/>
-          </a:bodyPr>
-          <a:lstStyle>
-            <a:lvl1pPr algn="l" defTabSz="914400" rtl="0" eaLnBrk="1" latinLnBrk="0" hangingPunct="1">
-              <a:spcBef>
-                <a:spcPct val="0"/>
-              </a:spcBef>
-              <a:buNone/>
-              <a:defRPr sz="4400" kern="1200">
-                <a:solidFill>
-                  <a:schemeClr val="bg1"/>
-                </a:solidFill>
-                <a:latin typeface="Segoe UI Semilight" pitchFamily="34" charset="0"/>
-                <a:ea typeface="+mj-ea"/>
-                <a:cs typeface="Segoe UI Semilight" pitchFamily="34" charset="0"/>
-              </a:defRPr>
-            </a:lvl1pPr>
-          </a:lstStyle>
-          <a:p>
-            <a:pPr algn="ctr"/>
-            <a:r>
-              <a:rPr lang="en-US" sz="2800">
-                <a:ln w="3175">
-                  <a:solidFill>
-                    <a:schemeClr val="accent6">
-                      <a:lumMod val="75000"/>
-                    </a:schemeClr>
-                  </a:solidFill>
-                </a:ln>
-                <a:solidFill>
-                  <a:schemeClr val="accent6">
-                    <a:lumMod val="75000"/>
-                  </a:schemeClr>
-                </a:solidFill>
-                <a:latin typeface="Arial" panose="020B0604020202020204" pitchFamily="34" charset="0"/>
-                <a:cs typeface="Arial" panose="020B0604020202020204" pitchFamily="34" charset="0"/>
-              </a:rPr>
-              <a:t>4. Đề xuất phương án, công cụ và PP xây dựng </a:t>
-            </a:r>
-            <a:r>
-              <a:rPr lang="vi-VN" sz="2800">
-                <a:ln w="3175">
-                  <a:solidFill>
-                    <a:schemeClr val="accent6">
-                      <a:lumMod val="75000"/>
-                    </a:schemeClr>
-                  </a:solidFill>
-                </a:ln>
-                <a:solidFill>
-                  <a:schemeClr val="accent6">
-                    <a:lumMod val="75000"/>
-                  </a:schemeClr>
-                </a:solidFill>
-                <a:latin typeface="Arial" panose="020B0604020202020204" pitchFamily="34" charset="0"/>
-                <a:cs typeface="Arial" panose="020B0604020202020204" pitchFamily="34" charset="0"/>
-              </a:rPr>
-              <a:t>Ư</a:t>
-            </a:r>
-            <a:r>
-              <a:rPr lang="en-US" sz="2800">
-                <a:ln w="3175">
-                  <a:solidFill>
-                    <a:schemeClr val="accent6">
-                      <a:lumMod val="75000"/>
-                    </a:schemeClr>
-                  </a:solidFill>
-                </a:ln>
-                <a:solidFill>
-                  <a:schemeClr val="accent6">
-                    <a:lumMod val="75000"/>
-                  </a:schemeClr>
-                </a:solidFill>
-                <a:latin typeface="Arial" panose="020B0604020202020204" pitchFamily="34" charset="0"/>
-                <a:cs typeface="Arial" panose="020B0604020202020204" pitchFamily="34" charset="0"/>
-              </a:rPr>
-              <a:t>D</a:t>
-            </a:r>
-            <a:endParaRPr lang="en-US" sz="2800" dirty="0">
-              <a:ln w="3175">
-                <a:solidFill>
-                  <a:schemeClr val="accent6">
-                    <a:lumMod val="75000"/>
-                  </a:schemeClr>
-                </a:solidFill>
-              </a:ln>
-              <a:solidFill>
-                <a:schemeClr val="accent6">
-                  <a:lumMod val="75000"/>
-                </a:schemeClr>
-              </a:solidFill>
-              <a:latin typeface="Arial" panose="020B0604020202020204" pitchFamily="34" charset="0"/>
-              <a:cs typeface="Arial" panose="020B0604020202020204" pitchFamily="34" charset="0"/>
-            </a:endParaRPr>
-          </a:p>
-        </p:txBody>
-      </p:sp>
+      </p:pic>
     </p:spTree>
     <p:extLst>
       <p:ext uri="{BB962C8B-B14F-4D97-AF65-F5344CB8AC3E}">
-        <p14:creationId xmlns:p14="http://schemas.microsoft.com/office/powerpoint/2010/main" val="620479640"/>
+        <p14:creationId xmlns:p14="http://schemas.microsoft.com/office/powerpoint/2010/main" val="3226315176"/>
       </p:ext>
     </p:extLst>
   </p:cSld>
@@ -6622,14 +5332,14 @@
       </p:sp>
       <p:sp>
         <p:nvSpPr>
-          <p:cNvPr id="7" name="TextBox 6"/>
+          <p:cNvPr id="9" name="TextBox 8"/>
           <p:cNvSpPr txBox="1"/>
           <p:nvPr/>
         </p:nvSpPr>
         <p:spPr>
           <a:xfrm>
-            <a:off x="152400" y="1058386"/>
-            <a:ext cx="6629400" cy="5663089"/>
+            <a:off x="536712" y="544631"/>
+            <a:ext cx="5562600" cy="430887"/>
           </a:xfrm>
           <a:prstGeom prst="rect">
             <a:avLst/>
@@ -6642,7 +5352,10 @@
           </a:bodyPr>
           <a:lstStyle/>
           <a:p>
-            <a:pPr marL="342900" indent="-342900" algn="just">
+            <a:pPr marL="342900" indent="-342900">
+              <a:spcBef>
+                <a:spcPts val="1200"/>
+              </a:spcBef>
               <a:buFont typeface="Wingdings" panose="05000000000000000000" pitchFamily="2" charset="2"/>
               <a:buChar char="Ø"/>
             </a:pPr>
@@ -6651,266 +5364,39 @@
                 <a:latin typeface="Arial" panose="020B0604020202020204" pitchFamily="34" charset="0"/>
                 <a:cs typeface="Arial" panose="020B0604020202020204" pitchFamily="34" charset="0"/>
               </a:rPr>
-              <a:t>Xây dựng theo mô hình 3 lớp:</a:t>
-            </a:r>
-          </a:p>
-          <a:p>
-            <a:pPr marL="625475" indent="-396875" algn="just">
-              <a:spcBef>
-                <a:spcPts val="1200"/>
-              </a:spcBef>
-              <a:buFont typeface="Arial" panose="020B0604020202020204" pitchFamily="34" charset="0"/>
-              <a:buChar char="•"/>
-            </a:pPr>
-            <a:r>
-              <a:rPr lang="en-US" sz="2200" dirty="0">
-                <a:latin typeface="Arial" panose="020B0604020202020204" pitchFamily="34" charset="0"/>
-                <a:cs typeface="Arial" panose="020B0604020202020204" pitchFamily="34" charset="0"/>
-              </a:rPr>
-              <a:t>DAO </a:t>
-            </a:r>
-            <a:r>
-              <a:rPr lang="en-US" sz="2200" dirty="0" smtClean="0">
-                <a:latin typeface="Arial" panose="020B0604020202020204" pitchFamily="34" charset="0"/>
-                <a:cs typeface="Arial" panose="020B0604020202020204" pitchFamily="34" charset="0"/>
-              </a:rPr>
-              <a:t>Layer (Data Access Object): </a:t>
-            </a:r>
-            <a:r>
-              <a:rPr lang="en-US" sz="2200" dirty="0">
-                <a:latin typeface="Arial" panose="020B0604020202020204" pitchFamily="34" charset="0"/>
-                <a:cs typeface="Arial" panose="020B0604020202020204" pitchFamily="34" charset="0"/>
-              </a:rPr>
-              <a:t>Dùng để truy vấn đến lớp DTO Layer.</a:t>
-            </a:r>
-          </a:p>
-          <a:p>
-            <a:pPr marL="625475" indent="-396875" algn="just">
-              <a:buFont typeface="Arial" panose="020B0604020202020204" pitchFamily="34" charset="0"/>
-              <a:buChar char="•"/>
-            </a:pPr>
-            <a:r>
-              <a:rPr lang="en-US" sz="2200" dirty="0">
-                <a:latin typeface="Arial" panose="020B0604020202020204" pitchFamily="34" charset="0"/>
-                <a:cs typeface="Arial" panose="020B0604020202020204" pitchFamily="34" charset="0"/>
-              </a:rPr>
-              <a:t>DTO </a:t>
-            </a:r>
-            <a:r>
-              <a:rPr lang="en-US" sz="2200" dirty="0" smtClean="0">
-                <a:latin typeface="Arial" panose="020B0604020202020204" pitchFamily="34" charset="0"/>
-                <a:cs typeface="Arial" panose="020B0604020202020204" pitchFamily="34" charset="0"/>
-              </a:rPr>
-              <a:t>Layer (DataTable to an Object): </a:t>
-            </a:r>
-            <a:r>
-              <a:rPr lang="en-US" sz="2200" dirty="0">
-                <a:latin typeface="Arial" panose="020B0604020202020204" pitchFamily="34" charset="0"/>
-                <a:cs typeface="Arial" panose="020B0604020202020204" pitchFamily="34" charset="0"/>
-              </a:rPr>
-              <a:t>Dùng để định nghĩa các table trong database.</a:t>
-            </a:r>
-          </a:p>
-          <a:p>
-            <a:pPr marL="625475" indent="-396875" algn="just">
-              <a:buFont typeface="Arial" panose="020B0604020202020204" pitchFamily="34" charset="0"/>
-              <a:buChar char="•"/>
-            </a:pPr>
-            <a:r>
-              <a:rPr lang="en-US" sz="2200" dirty="0">
-                <a:latin typeface="Arial" panose="020B0604020202020204" pitchFamily="34" charset="0"/>
-                <a:cs typeface="Arial" panose="020B0604020202020204" pitchFamily="34" charset="0"/>
-              </a:rPr>
-              <a:t>GUI </a:t>
-            </a:r>
-            <a:r>
-              <a:rPr lang="en-US" sz="2200" dirty="0" smtClean="0">
-                <a:latin typeface="Arial" panose="020B0604020202020204" pitchFamily="34" charset="0"/>
-                <a:cs typeface="Arial" panose="020B0604020202020204" pitchFamily="34" charset="0"/>
-              </a:rPr>
-              <a:t>Layer (Graphical User Interface): </a:t>
-            </a:r>
-            <a:r>
-              <a:rPr lang="en-US" sz="2200" dirty="0">
-                <a:latin typeface="Arial" panose="020B0604020202020204" pitchFamily="34" charset="0"/>
-                <a:cs typeface="Arial" panose="020B0604020202020204" pitchFamily="34" charset="0"/>
-              </a:rPr>
-              <a:t>Dùng để hiển thị giao diện và các chức năng để người sử dụng thao tác.</a:t>
-            </a:r>
-          </a:p>
-          <a:p>
-            <a:pPr marL="360363" indent="-342900" algn="just">
-              <a:buFont typeface="Wingdings" panose="05000000000000000000" pitchFamily="2" charset="2"/>
-              <a:buChar char="Ø"/>
-            </a:pPr>
-            <a:r>
-              <a:rPr lang="en-US" sz="2200" dirty="0">
-                <a:latin typeface="Arial" panose="020B0604020202020204" pitchFamily="34" charset="0"/>
-                <a:cs typeface="Arial" panose="020B0604020202020204" pitchFamily="34" charset="0"/>
-              </a:rPr>
-              <a:t>Lớp DTO: Sử dụng Entity Frameword để xây dựng, Entity Framework là một bộ ánh xạ đối tượng – quan hệ cho phép người lập trình .NET  làm việc với dữ liệu quan hệ qua các đối tượng (object), giúp lập trình viên không cần viết mã cho (hầu hết) những gì liên quan đến truy cập dữ liệu.</a:t>
-            </a:r>
-          </a:p>
-          <a:p>
-            <a:pPr marL="228600" algn="just"/>
-            <a:endParaRPr lang="en-US" sz="2200" dirty="0">
-              <a:latin typeface="Arial" panose="020B0604020202020204" pitchFamily="34" charset="0"/>
-              <a:cs typeface="Arial" panose="020B0604020202020204" pitchFamily="34" charset="0"/>
-            </a:endParaRPr>
+              <a:t>Giao diện từ điển</a:t>
+            </a:r>
           </a:p>
         </p:txBody>
       </p:sp>
       <p:pic>
         <p:nvPicPr>
-          <p:cNvPr id="8" name="Picture 7"/>
-          <p:cNvPicPr/>
+          <p:cNvPr id="6" name="Picture 5"/>
+          <p:cNvPicPr>
+            <a:picLocks noChangeAspect="1"/>
+          </p:cNvPicPr>
           <p:nvPr/>
         </p:nvPicPr>
-        <p:blipFill rotWithShape="1">
+        <p:blipFill>
           <a:blip r:embed="rId2"/>
-          <a:srcRect l="8418" r="10773"/>
-          <a:stretch/>
+          <a:stretch>
+            <a:fillRect/>
+          </a:stretch>
         </p:blipFill>
         <p:spPr>
           <a:xfrm>
-            <a:off x="6781800" y="914400"/>
-            <a:ext cx="2286000" cy="3555435"/>
+            <a:off x="536712" y="1828800"/>
+            <a:ext cx="7921488" cy="3581400"/>
           </a:xfrm>
           <a:prstGeom prst="rect">
             <a:avLst/>
           </a:prstGeom>
         </p:spPr>
       </p:pic>
-      <p:sp>
-        <p:nvSpPr>
-          <p:cNvPr id="12" name="Title 1">
-            <a:extLst>
-              <a:ext uri="{FF2B5EF4-FFF2-40B4-BE49-F238E27FC236}">
-                <a16:creationId xmlns="" xmlns:a16="http://schemas.microsoft.com/office/drawing/2014/main" id="{E94A7BF7-CAEF-4A13-A1EF-0C2ACF8D13F8}"/>
-              </a:ext>
-            </a:extLst>
-          </p:cNvPr>
-          <p:cNvSpPr txBox="1">
-            <a:spLocks/>
-          </p:cNvSpPr>
-          <p:nvPr/>
-        </p:nvSpPr>
-        <p:spPr>
-          <a:xfrm>
-            <a:off x="0" y="0"/>
-            <a:ext cx="9144000" cy="884238"/>
-          </a:xfrm>
-          <a:prstGeom prst="rect">
-            <a:avLst/>
-          </a:prstGeom>
-          <a:ln w="3175">
-            <a:solidFill>
-              <a:schemeClr val="tx1"/>
-            </a:solidFill>
-          </a:ln>
-        </p:spPr>
-        <p:txBody>
-          <a:bodyPr vert="horz" lIns="91440" tIns="45720" rIns="91440" bIns="45720" rtlCol="0" anchor="ctr">
-            <a:noAutofit/>
-          </a:bodyPr>
-          <a:lstStyle>
-            <a:lvl1pPr algn="l" defTabSz="914400" rtl="0" eaLnBrk="1" latinLnBrk="0" hangingPunct="1">
-              <a:spcBef>
-                <a:spcPct val="0"/>
-              </a:spcBef>
-              <a:buNone/>
-              <a:defRPr sz="4400" kern="1200">
-                <a:solidFill>
-                  <a:schemeClr val="bg1"/>
-                </a:solidFill>
-                <a:latin typeface="Segoe UI Semilight" pitchFamily="34" charset="0"/>
-                <a:ea typeface="+mj-ea"/>
-                <a:cs typeface="Segoe UI Semilight" pitchFamily="34" charset="0"/>
-              </a:defRPr>
-            </a:lvl1pPr>
-          </a:lstStyle>
-          <a:p>
-            <a:pPr algn="ctr"/>
-            <a:r>
-              <a:rPr lang="en-US" sz="2800">
-                <a:ln w="3175">
-                  <a:solidFill>
-                    <a:schemeClr val="accent6">
-                      <a:lumMod val="75000"/>
-                    </a:schemeClr>
-                  </a:solidFill>
-                </a:ln>
-                <a:solidFill>
-                  <a:schemeClr val="accent6">
-                    <a:lumMod val="75000"/>
-                  </a:schemeClr>
-                </a:solidFill>
-                <a:latin typeface="Arial" panose="020B0604020202020204" pitchFamily="34" charset="0"/>
-                <a:cs typeface="Arial" panose="020B0604020202020204" pitchFamily="34" charset="0"/>
-              </a:rPr>
-              <a:t>4. Đề xuất phương án, công cụ và PP xây dựng </a:t>
-            </a:r>
-            <a:r>
-              <a:rPr lang="vi-VN" sz="2800">
-                <a:ln w="3175">
-                  <a:solidFill>
-                    <a:schemeClr val="accent6">
-                      <a:lumMod val="75000"/>
-                    </a:schemeClr>
-                  </a:solidFill>
-                </a:ln>
-                <a:solidFill>
-                  <a:schemeClr val="accent6">
-                    <a:lumMod val="75000"/>
-                  </a:schemeClr>
-                </a:solidFill>
-                <a:latin typeface="Arial" panose="020B0604020202020204" pitchFamily="34" charset="0"/>
-                <a:cs typeface="Arial" panose="020B0604020202020204" pitchFamily="34" charset="0"/>
-              </a:rPr>
-              <a:t>Ư</a:t>
-            </a:r>
-            <a:r>
-              <a:rPr lang="en-US" sz="2800">
-                <a:ln w="3175">
-                  <a:solidFill>
-                    <a:schemeClr val="accent6">
-                      <a:lumMod val="75000"/>
-                    </a:schemeClr>
-                  </a:solidFill>
-                </a:ln>
-                <a:solidFill>
-                  <a:schemeClr val="accent6">
-                    <a:lumMod val="75000"/>
-                  </a:schemeClr>
-                </a:solidFill>
-                <a:latin typeface="Arial" panose="020B0604020202020204" pitchFamily="34" charset="0"/>
-                <a:cs typeface="Arial" panose="020B0604020202020204" pitchFamily="34" charset="0"/>
-              </a:rPr>
-              <a:t>D (tt)</a:t>
-            </a:r>
-            <a:endParaRPr lang="en-US" sz="2800" dirty="0">
-              <a:ln w="3175">
-                <a:solidFill>
-                  <a:schemeClr val="accent6">
-                    <a:lumMod val="75000"/>
-                  </a:schemeClr>
-                </a:solidFill>
-              </a:ln>
-              <a:solidFill>
-                <a:schemeClr val="accent6">
-                  <a:lumMod val="75000"/>
-                </a:schemeClr>
-              </a:solidFill>
-              <a:latin typeface="Arial" panose="020B0604020202020204" pitchFamily="34" charset="0"/>
-              <a:cs typeface="Arial" panose="020B0604020202020204" pitchFamily="34" charset="0"/>
-            </a:endParaRPr>
-          </a:p>
-        </p:txBody>
-      </p:sp>
     </p:spTree>
     <p:extLst>
       <p:ext uri="{BB962C8B-B14F-4D97-AF65-F5344CB8AC3E}">
-        <p14:creationId xmlns:p14="http://schemas.microsoft.com/office/powerpoint/2010/main" val="3878920526"/>
+        <p14:creationId xmlns:p14="http://schemas.microsoft.com/office/powerpoint/2010/main" val="1929463300"/>
       </p:ext>
     </p:extLst>
   </p:cSld>
@@ -6946,2101 +5432,6 @@
       </p:grpSpPr>
       <p:sp>
         <p:nvSpPr>
-          <p:cNvPr id="3" name="Date Placeholder 2"/>
-          <p:cNvSpPr>
-            <a:spLocks noGrp="1"/>
-          </p:cNvSpPr>
-          <p:nvPr>
-            <p:ph type="dt" sz="half" idx="10"/>
-          </p:nvPr>
-        </p:nvSpPr>
-        <p:spPr/>
-        <p:txBody>
-          <a:bodyPr/>
-          <a:lstStyle/>
-          <a:p>
-            <a:r>
-              <a:rPr lang="en-US"/>
-              <a:t>10/13/2017</a:t>
-            </a:r>
-          </a:p>
-        </p:txBody>
-      </p:sp>
-      <p:sp>
-        <p:nvSpPr>
-          <p:cNvPr id="4" name="Footer Placeholder 3"/>
-          <p:cNvSpPr>
-            <a:spLocks noGrp="1"/>
-          </p:cNvSpPr>
-          <p:nvPr>
-            <p:ph type="ftr" sz="quarter" idx="11"/>
-          </p:nvPr>
-        </p:nvSpPr>
-        <p:spPr/>
-        <p:txBody>
-          <a:bodyPr/>
-          <a:lstStyle/>
-          <a:p>
-            <a:endParaRPr lang="en-US"/>
-          </a:p>
-        </p:txBody>
-      </p:sp>
-      <p:sp>
-        <p:nvSpPr>
-          <p:cNvPr id="5" name="Slide Number Placeholder 4"/>
-          <p:cNvSpPr>
-            <a:spLocks noGrp="1"/>
-          </p:cNvSpPr>
-          <p:nvPr>
-            <p:ph type="sldNum" sz="quarter" idx="12"/>
-          </p:nvPr>
-        </p:nvSpPr>
-        <p:spPr/>
-        <p:txBody>
-          <a:bodyPr/>
-          <a:lstStyle/>
-          <a:p>
-            <a:fld id="{FF387971-9C3B-49A6-8D58-3AFB2456A1FB}" type="slidenum">
-              <a:rPr lang="en-US" smtClean="0"/>
-              <a:t>17</a:t>
-            </a:fld>
-            <a:endParaRPr lang="en-US"/>
-          </a:p>
-        </p:txBody>
-      </p:sp>
-      <p:pic>
-        <p:nvPicPr>
-          <p:cNvPr id="8" name="Picture 7"/>
-          <p:cNvPicPr>
-            <a:picLocks noChangeAspect="1"/>
-          </p:cNvPicPr>
-          <p:nvPr/>
-        </p:nvPicPr>
-        <p:blipFill>
-          <a:blip r:embed="rId2"/>
-          <a:stretch>
-            <a:fillRect/>
-          </a:stretch>
-        </p:blipFill>
-        <p:spPr>
-          <a:xfrm>
-            <a:off x="609600" y="1752600"/>
-            <a:ext cx="8077199" cy="4495799"/>
-          </a:xfrm>
-          <a:prstGeom prst="rect">
-            <a:avLst/>
-          </a:prstGeom>
-        </p:spPr>
-      </p:pic>
-      <p:sp>
-        <p:nvSpPr>
-          <p:cNvPr id="9" name="TextBox 8"/>
-          <p:cNvSpPr txBox="1"/>
-          <p:nvPr/>
-        </p:nvSpPr>
-        <p:spPr>
-          <a:xfrm>
-            <a:off x="632791" y="1154232"/>
-            <a:ext cx="5562600" cy="430887"/>
-          </a:xfrm>
-          <a:prstGeom prst="rect">
-            <a:avLst/>
-          </a:prstGeom>
-          <a:noFill/>
-        </p:spPr>
-        <p:txBody>
-          <a:bodyPr wrap="square" rtlCol="0">
-            <a:spAutoFit/>
-          </a:bodyPr>
-          <a:lstStyle/>
-          <a:p>
-            <a:pPr marL="342900" indent="-342900">
-              <a:spcBef>
-                <a:spcPts val="1200"/>
-              </a:spcBef>
-              <a:buFont typeface="Wingdings" panose="05000000000000000000" pitchFamily="2" charset="2"/>
-              <a:buChar char="Ø"/>
-            </a:pPr>
-            <a:r>
-              <a:rPr lang="en-US" sz="2200" dirty="0">
-                <a:latin typeface="Arial" panose="020B0604020202020204" pitchFamily="34" charset="0"/>
-                <a:cs typeface="Arial" panose="020B0604020202020204" pitchFamily="34" charset="0"/>
-              </a:rPr>
-              <a:t>Giao diện chính</a:t>
-            </a:r>
-          </a:p>
-        </p:txBody>
-      </p:sp>
-      <p:sp>
-        <p:nvSpPr>
-          <p:cNvPr id="10" name="Title 1">
-            <a:extLst>
-              <a:ext uri="{FF2B5EF4-FFF2-40B4-BE49-F238E27FC236}">
-                <a16:creationId xmlns="" xmlns:a16="http://schemas.microsoft.com/office/drawing/2014/main" id="{7368D8FC-019C-4E0A-9E64-2A1D10A99CC1}"/>
-              </a:ext>
-            </a:extLst>
-          </p:cNvPr>
-          <p:cNvSpPr txBox="1">
-            <a:spLocks/>
-          </p:cNvSpPr>
-          <p:nvPr/>
-        </p:nvSpPr>
-        <p:spPr>
-          <a:xfrm>
-            <a:off x="0" y="0"/>
-            <a:ext cx="9144000" cy="884238"/>
-          </a:xfrm>
-          <a:prstGeom prst="rect">
-            <a:avLst/>
-          </a:prstGeom>
-          <a:ln w="3175">
-            <a:solidFill>
-              <a:schemeClr val="tx1"/>
-            </a:solidFill>
-          </a:ln>
-        </p:spPr>
-        <p:txBody>
-          <a:bodyPr vert="horz" lIns="91440" tIns="45720" rIns="91440" bIns="45720" rtlCol="0" anchor="ctr">
-            <a:noAutofit/>
-          </a:bodyPr>
-          <a:lstStyle>
-            <a:lvl1pPr algn="l" defTabSz="914400" rtl="0" eaLnBrk="1" latinLnBrk="0" hangingPunct="1">
-              <a:spcBef>
-                <a:spcPct val="0"/>
-              </a:spcBef>
-              <a:buNone/>
-              <a:defRPr sz="4400" kern="1200">
-                <a:solidFill>
-                  <a:schemeClr val="bg1"/>
-                </a:solidFill>
-                <a:latin typeface="Segoe UI Semilight" pitchFamily="34" charset="0"/>
-                <a:ea typeface="+mj-ea"/>
-                <a:cs typeface="Segoe UI Semilight" pitchFamily="34" charset="0"/>
-              </a:defRPr>
-            </a:lvl1pPr>
-          </a:lstStyle>
-          <a:p>
-            <a:pPr algn="ctr"/>
-            <a:r>
-              <a:rPr lang="en-US" sz="2800">
-                <a:ln w="3175">
-                  <a:solidFill>
-                    <a:schemeClr val="accent6">
-                      <a:lumMod val="75000"/>
-                    </a:schemeClr>
-                  </a:solidFill>
-                </a:ln>
-                <a:solidFill>
-                  <a:schemeClr val="accent6">
-                    <a:lumMod val="75000"/>
-                  </a:schemeClr>
-                </a:solidFill>
-                <a:latin typeface="Arial" panose="020B0604020202020204" pitchFamily="34" charset="0"/>
-                <a:cs typeface="Arial" panose="020B0604020202020204" pitchFamily="34" charset="0"/>
-              </a:rPr>
-              <a:t>5. Đề xuất giao diện ứng dụng</a:t>
-            </a:r>
-            <a:endParaRPr lang="en-US" sz="2800" dirty="0">
-              <a:ln w="3175">
-                <a:solidFill>
-                  <a:schemeClr val="accent6">
-                    <a:lumMod val="75000"/>
-                  </a:schemeClr>
-                </a:solidFill>
-              </a:ln>
-              <a:solidFill>
-                <a:schemeClr val="accent6">
-                  <a:lumMod val="75000"/>
-                </a:schemeClr>
-              </a:solidFill>
-              <a:latin typeface="Arial" panose="020B0604020202020204" pitchFamily="34" charset="0"/>
-              <a:cs typeface="Arial" panose="020B0604020202020204" pitchFamily="34" charset="0"/>
-            </a:endParaRPr>
-          </a:p>
-        </p:txBody>
-      </p:sp>
-    </p:spTree>
-    <p:extLst>
-      <p:ext uri="{BB962C8B-B14F-4D97-AF65-F5344CB8AC3E}">
-        <p14:creationId xmlns:p14="http://schemas.microsoft.com/office/powerpoint/2010/main" val="2774872542"/>
-      </p:ext>
-    </p:extLst>
-  </p:cSld>
-  <p:clrMapOvr>
-    <a:masterClrMapping/>
-  </p:clrMapOvr>
-  <p:timing>
-    <p:tnLst>
-      <p:par>
-        <p:cTn id="1" dur="indefinite" restart="never" nodeType="tmRoot"/>
-      </p:par>
-    </p:tnLst>
-  </p:timing>
-</p:sld>
-</file>
-
-<file path=ppt/slides/slide18.xml><?xml version="1.0" encoding="utf-8"?>
-<p:sld xmlns:a="http://schemas.openxmlformats.org/drawingml/2006/main" xmlns:r="http://schemas.openxmlformats.org/officeDocument/2006/relationships" xmlns:p="http://schemas.openxmlformats.org/presentationml/2006/main">
-  <p:cSld>
-    <p:spTree>
-      <p:nvGrpSpPr>
-        <p:cNvPr id="1" name=""/>
-        <p:cNvGrpSpPr/>
-        <p:nvPr/>
-      </p:nvGrpSpPr>
-      <p:grpSpPr>
-        <a:xfrm>
-          <a:off x="0" y="0"/>
-          <a:ext cx="0" cy="0"/>
-          <a:chOff x="0" y="0"/>
-          <a:chExt cx="0" cy="0"/>
-        </a:xfrm>
-      </p:grpSpPr>
-      <p:sp>
-        <p:nvSpPr>
-          <p:cNvPr id="3" name="Date Placeholder 2"/>
-          <p:cNvSpPr>
-            <a:spLocks noGrp="1"/>
-          </p:cNvSpPr>
-          <p:nvPr>
-            <p:ph type="dt" sz="half" idx="10"/>
-          </p:nvPr>
-        </p:nvSpPr>
-        <p:spPr/>
-        <p:txBody>
-          <a:bodyPr/>
-          <a:lstStyle/>
-          <a:p>
-            <a:r>
-              <a:rPr lang="en-US"/>
-              <a:t>10/13/2017</a:t>
-            </a:r>
-          </a:p>
-        </p:txBody>
-      </p:sp>
-      <p:sp>
-        <p:nvSpPr>
-          <p:cNvPr id="4" name="Footer Placeholder 3"/>
-          <p:cNvSpPr>
-            <a:spLocks noGrp="1"/>
-          </p:cNvSpPr>
-          <p:nvPr>
-            <p:ph type="ftr" sz="quarter" idx="11"/>
-          </p:nvPr>
-        </p:nvSpPr>
-        <p:spPr/>
-        <p:txBody>
-          <a:bodyPr/>
-          <a:lstStyle/>
-          <a:p>
-            <a:endParaRPr lang="en-US"/>
-          </a:p>
-        </p:txBody>
-      </p:sp>
-      <p:sp>
-        <p:nvSpPr>
-          <p:cNvPr id="5" name="Slide Number Placeholder 4"/>
-          <p:cNvSpPr>
-            <a:spLocks noGrp="1"/>
-          </p:cNvSpPr>
-          <p:nvPr>
-            <p:ph type="sldNum" sz="quarter" idx="12"/>
-          </p:nvPr>
-        </p:nvSpPr>
-        <p:spPr/>
-        <p:txBody>
-          <a:bodyPr/>
-          <a:lstStyle/>
-          <a:p>
-            <a:fld id="{FF387971-9C3B-49A6-8D58-3AFB2456A1FB}" type="slidenum">
-              <a:rPr lang="en-US" smtClean="0"/>
-              <a:t>18</a:t>
-            </a:fld>
-            <a:endParaRPr lang="en-US"/>
-          </a:p>
-        </p:txBody>
-      </p:sp>
-      <p:sp>
-        <p:nvSpPr>
-          <p:cNvPr id="9" name="TextBox 8"/>
-          <p:cNvSpPr txBox="1"/>
-          <p:nvPr/>
-        </p:nvSpPr>
-        <p:spPr>
-          <a:xfrm>
-            <a:off x="606286" y="483513"/>
-            <a:ext cx="5562600" cy="430887"/>
-          </a:xfrm>
-          <a:prstGeom prst="rect">
-            <a:avLst/>
-          </a:prstGeom>
-          <a:noFill/>
-        </p:spPr>
-        <p:txBody>
-          <a:bodyPr wrap="square" rtlCol="0">
-            <a:spAutoFit/>
-          </a:bodyPr>
-          <a:lstStyle/>
-          <a:p>
-            <a:pPr marL="342900" indent="-342900">
-              <a:spcBef>
-                <a:spcPts val="1200"/>
-              </a:spcBef>
-              <a:buFont typeface="Wingdings" panose="05000000000000000000" pitchFamily="2" charset="2"/>
-              <a:buChar char="Ø"/>
-            </a:pPr>
-            <a:r>
-              <a:rPr lang="en-US" sz="2200" dirty="0">
-                <a:latin typeface="Arial" panose="020B0604020202020204" pitchFamily="34" charset="0"/>
-                <a:cs typeface="Arial" panose="020B0604020202020204" pitchFamily="34" charset="0"/>
-              </a:rPr>
-              <a:t>Giao diện danh sách bài học</a:t>
-            </a:r>
-          </a:p>
-        </p:txBody>
-      </p:sp>
-      <p:pic>
-        <p:nvPicPr>
-          <p:cNvPr id="10" name="Picture 9"/>
-          <p:cNvPicPr/>
-          <p:nvPr/>
-        </p:nvPicPr>
-        <p:blipFill>
-          <a:blip r:embed="rId2">
-            <a:extLst>
-              <a:ext uri="{28A0092B-C50C-407E-A947-70E740481C1C}">
-                <a14:useLocalDpi xmlns:a14="http://schemas.microsoft.com/office/drawing/2010/main" val="0"/>
-              </a:ext>
-            </a:extLst>
-          </a:blip>
-          <a:stretch>
-            <a:fillRect/>
-          </a:stretch>
-        </p:blipFill>
-        <p:spPr>
-          <a:xfrm>
-            <a:off x="606286" y="1447800"/>
-            <a:ext cx="8232914" cy="4572000"/>
-          </a:xfrm>
-          <a:prstGeom prst="rect">
-            <a:avLst/>
-          </a:prstGeom>
-        </p:spPr>
-      </p:pic>
-    </p:spTree>
-    <p:extLst>
-      <p:ext uri="{BB962C8B-B14F-4D97-AF65-F5344CB8AC3E}">
-        <p14:creationId xmlns:p14="http://schemas.microsoft.com/office/powerpoint/2010/main" val="566431913"/>
-      </p:ext>
-    </p:extLst>
-  </p:cSld>
-  <p:clrMapOvr>
-    <a:masterClrMapping/>
-  </p:clrMapOvr>
-  <p:timing>
-    <p:tnLst>
-      <p:par>
-        <p:cTn id="1" dur="indefinite" restart="never" nodeType="tmRoot"/>
-      </p:par>
-    </p:tnLst>
-  </p:timing>
-</p:sld>
-</file>
-
-<file path=ppt/slides/slide19.xml><?xml version="1.0" encoding="utf-8"?>
-<p:sld xmlns:a="http://schemas.openxmlformats.org/drawingml/2006/main" xmlns:r="http://schemas.openxmlformats.org/officeDocument/2006/relationships" xmlns:p="http://schemas.openxmlformats.org/presentationml/2006/main">
-  <p:cSld>
-    <p:spTree>
-      <p:nvGrpSpPr>
-        <p:cNvPr id="1" name=""/>
-        <p:cNvGrpSpPr/>
-        <p:nvPr/>
-      </p:nvGrpSpPr>
-      <p:grpSpPr>
-        <a:xfrm>
-          <a:off x="0" y="0"/>
-          <a:ext cx="0" cy="0"/>
-          <a:chOff x="0" y="0"/>
-          <a:chExt cx="0" cy="0"/>
-        </a:xfrm>
-      </p:grpSpPr>
-      <p:sp>
-        <p:nvSpPr>
-          <p:cNvPr id="3" name="Date Placeholder 2"/>
-          <p:cNvSpPr>
-            <a:spLocks noGrp="1"/>
-          </p:cNvSpPr>
-          <p:nvPr>
-            <p:ph type="dt" sz="half" idx="10"/>
-          </p:nvPr>
-        </p:nvSpPr>
-        <p:spPr/>
-        <p:txBody>
-          <a:bodyPr/>
-          <a:lstStyle/>
-          <a:p>
-            <a:r>
-              <a:rPr lang="en-US"/>
-              <a:t>10/13/2017</a:t>
-            </a:r>
-          </a:p>
-        </p:txBody>
-      </p:sp>
-      <p:sp>
-        <p:nvSpPr>
-          <p:cNvPr id="4" name="Footer Placeholder 3"/>
-          <p:cNvSpPr>
-            <a:spLocks noGrp="1"/>
-          </p:cNvSpPr>
-          <p:nvPr>
-            <p:ph type="ftr" sz="quarter" idx="11"/>
-          </p:nvPr>
-        </p:nvSpPr>
-        <p:spPr/>
-        <p:txBody>
-          <a:bodyPr/>
-          <a:lstStyle/>
-          <a:p>
-            <a:endParaRPr lang="en-US"/>
-          </a:p>
-        </p:txBody>
-      </p:sp>
-      <p:sp>
-        <p:nvSpPr>
-          <p:cNvPr id="5" name="Slide Number Placeholder 4"/>
-          <p:cNvSpPr>
-            <a:spLocks noGrp="1"/>
-          </p:cNvSpPr>
-          <p:nvPr>
-            <p:ph type="sldNum" sz="quarter" idx="12"/>
-          </p:nvPr>
-        </p:nvSpPr>
-        <p:spPr/>
-        <p:txBody>
-          <a:bodyPr/>
-          <a:lstStyle/>
-          <a:p>
-            <a:fld id="{FF387971-9C3B-49A6-8D58-3AFB2456A1FB}" type="slidenum">
-              <a:rPr lang="en-US" smtClean="0"/>
-              <a:t>19</a:t>
-            </a:fld>
-            <a:endParaRPr lang="en-US"/>
-          </a:p>
-        </p:txBody>
-      </p:sp>
-      <p:sp>
-        <p:nvSpPr>
-          <p:cNvPr id="9" name="TextBox 8"/>
-          <p:cNvSpPr txBox="1"/>
-          <p:nvPr/>
-        </p:nvSpPr>
-        <p:spPr>
-          <a:xfrm>
-            <a:off x="632790" y="381000"/>
-            <a:ext cx="5562600" cy="430887"/>
-          </a:xfrm>
-          <a:prstGeom prst="rect">
-            <a:avLst/>
-          </a:prstGeom>
-          <a:noFill/>
-        </p:spPr>
-        <p:txBody>
-          <a:bodyPr wrap="square" rtlCol="0">
-            <a:spAutoFit/>
-          </a:bodyPr>
-          <a:lstStyle/>
-          <a:p>
-            <a:pPr marL="342900" indent="-342900">
-              <a:spcBef>
-                <a:spcPts val="1200"/>
-              </a:spcBef>
-              <a:buFont typeface="Wingdings" panose="05000000000000000000" pitchFamily="2" charset="2"/>
-              <a:buChar char="Ø"/>
-            </a:pPr>
-            <a:r>
-              <a:rPr lang="en-US" sz="2200" dirty="0">
-                <a:latin typeface="Arial" panose="020B0604020202020204" pitchFamily="34" charset="0"/>
-                <a:cs typeface="Arial" panose="020B0604020202020204" pitchFamily="34" charset="0"/>
-              </a:rPr>
-              <a:t>Giao diện chi tiết bài học</a:t>
-            </a:r>
-          </a:p>
-        </p:txBody>
-      </p:sp>
-      <p:pic>
-        <p:nvPicPr>
-          <p:cNvPr id="7" name="Picture 6"/>
-          <p:cNvPicPr/>
-          <p:nvPr/>
-        </p:nvPicPr>
-        <p:blipFill>
-          <a:blip r:embed="rId2">
-            <a:extLst>
-              <a:ext uri="{28A0092B-C50C-407E-A947-70E740481C1C}">
-                <a14:useLocalDpi xmlns:a14="http://schemas.microsoft.com/office/drawing/2010/main" val="0"/>
-              </a:ext>
-            </a:extLst>
-          </a:blip>
-          <a:stretch>
-            <a:fillRect/>
-          </a:stretch>
-        </p:blipFill>
-        <p:spPr>
-          <a:xfrm>
-            <a:off x="457200" y="1447800"/>
-            <a:ext cx="7901609" cy="4114800"/>
-          </a:xfrm>
-          <a:prstGeom prst="rect">
-            <a:avLst/>
-          </a:prstGeom>
-        </p:spPr>
-      </p:pic>
-    </p:spTree>
-    <p:extLst>
-      <p:ext uri="{BB962C8B-B14F-4D97-AF65-F5344CB8AC3E}">
-        <p14:creationId xmlns:p14="http://schemas.microsoft.com/office/powerpoint/2010/main" val="4151963571"/>
-      </p:ext>
-    </p:extLst>
-  </p:cSld>
-  <p:clrMapOvr>
-    <a:masterClrMapping/>
-  </p:clrMapOvr>
-  <p:timing>
-    <p:tnLst>
-      <p:par>
-        <p:cTn id="1" dur="indefinite" restart="never" nodeType="tmRoot"/>
-      </p:par>
-    </p:tnLst>
-  </p:timing>
-</p:sld>
-</file>
-
-<file path=ppt/slides/slide2.xml><?xml version="1.0" encoding="utf-8"?>
-<p:sld xmlns:a="http://schemas.openxmlformats.org/drawingml/2006/main" xmlns:r="http://schemas.openxmlformats.org/officeDocument/2006/relationships" xmlns:p="http://schemas.openxmlformats.org/presentationml/2006/main">
-  <p:cSld>
-    <p:spTree>
-      <p:nvGrpSpPr>
-        <p:cNvPr id="1" name=""/>
-        <p:cNvGrpSpPr/>
-        <p:nvPr/>
-      </p:nvGrpSpPr>
-      <p:grpSpPr>
-        <a:xfrm>
-          <a:off x="0" y="0"/>
-          <a:ext cx="0" cy="0"/>
-          <a:chOff x="0" y="0"/>
-          <a:chExt cx="0" cy="0"/>
-        </a:xfrm>
-      </p:grpSpPr>
-      <p:sp>
-        <p:nvSpPr>
-          <p:cNvPr id="2" name="Title 1"/>
-          <p:cNvSpPr>
-            <a:spLocks noGrp="1"/>
-          </p:cNvSpPr>
-          <p:nvPr>
-            <p:ph type="title"/>
-          </p:nvPr>
-        </p:nvSpPr>
-        <p:spPr>
-          <a:xfrm>
-            <a:off x="0" y="0"/>
-            <a:ext cx="9144000" cy="884238"/>
-          </a:xfrm>
-          <a:ln w="3175">
-            <a:solidFill>
-              <a:schemeClr val="tx1"/>
-            </a:solidFill>
-          </a:ln>
-        </p:spPr>
-        <p:txBody>
-          <a:bodyPr>
-            <a:noAutofit/>
-          </a:bodyPr>
-          <a:lstStyle/>
-          <a:p>
-            <a:pPr algn="ctr"/>
-            <a:r>
-              <a:rPr lang="en-US" sz="3600" dirty="0">
-                <a:ln w="3175">
-                  <a:solidFill>
-                    <a:schemeClr val="accent6">
-                      <a:lumMod val="75000"/>
-                    </a:schemeClr>
-                  </a:solidFill>
-                </a:ln>
-                <a:solidFill>
-                  <a:schemeClr val="accent6">
-                    <a:lumMod val="75000"/>
-                  </a:schemeClr>
-                </a:solidFill>
-                <a:latin typeface="Arial" panose="020B0604020202020204" pitchFamily="34" charset="0"/>
-                <a:cs typeface="Arial" panose="020B0604020202020204" pitchFamily="34" charset="0"/>
-              </a:rPr>
-              <a:t>NỘI DUNG</a:t>
-            </a:r>
-          </a:p>
-        </p:txBody>
-      </p:sp>
-      <p:sp>
-        <p:nvSpPr>
-          <p:cNvPr id="3" name="Date Placeholder 2"/>
-          <p:cNvSpPr>
-            <a:spLocks noGrp="1"/>
-          </p:cNvSpPr>
-          <p:nvPr>
-            <p:ph type="dt" sz="half" idx="10"/>
-          </p:nvPr>
-        </p:nvSpPr>
-        <p:spPr/>
-        <p:txBody>
-          <a:bodyPr/>
-          <a:lstStyle/>
-          <a:p>
-            <a:r>
-              <a:rPr lang="en-US"/>
-              <a:t>10/13/2017</a:t>
-            </a:r>
-          </a:p>
-        </p:txBody>
-      </p:sp>
-      <p:sp>
-        <p:nvSpPr>
-          <p:cNvPr id="4" name="Footer Placeholder 3"/>
-          <p:cNvSpPr>
-            <a:spLocks noGrp="1"/>
-          </p:cNvSpPr>
-          <p:nvPr>
-            <p:ph type="ftr" sz="quarter" idx="11"/>
-          </p:nvPr>
-        </p:nvSpPr>
-        <p:spPr/>
-        <p:txBody>
-          <a:bodyPr/>
-          <a:lstStyle/>
-          <a:p>
-            <a:endParaRPr lang="en-US"/>
-          </a:p>
-        </p:txBody>
-      </p:sp>
-      <p:sp>
-        <p:nvSpPr>
-          <p:cNvPr id="5" name="Slide Number Placeholder 4"/>
-          <p:cNvSpPr>
-            <a:spLocks noGrp="1"/>
-          </p:cNvSpPr>
-          <p:nvPr>
-            <p:ph type="sldNum" sz="quarter" idx="12"/>
-          </p:nvPr>
-        </p:nvSpPr>
-        <p:spPr/>
-        <p:txBody>
-          <a:bodyPr/>
-          <a:lstStyle/>
-          <a:p>
-            <a:fld id="{FF387971-9C3B-49A6-8D58-3AFB2456A1FB}" type="slidenum">
-              <a:rPr lang="en-US" smtClean="0"/>
-              <a:t>2</a:t>
-            </a:fld>
-            <a:endParaRPr lang="en-US"/>
-          </a:p>
-        </p:txBody>
-      </p:sp>
-      <p:sp>
-        <p:nvSpPr>
-          <p:cNvPr id="6" name="Title 1"/>
-          <p:cNvSpPr txBox="1">
-            <a:spLocks/>
-          </p:cNvSpPr>
-          <p:nvPr/>
-        </p:nvSpPr>
-        <p:spPr>
-          <a:xfrm>
-            <a:off x="609600" y="1066800"/>
-            <a:ext cx="7924800" cy="4876800"/>
-          </a:xfrm>
-          <a:prstGeom prst="rect">
-            <a:avLst/>
-          </a:prstGeom>
-        </p:spPr>
-        <p:txBody>
-          <a:bodyPr vert="horz" lIns="91440" tIns="45720" rIns="91440" bIns="45720" rtlCol="0" anchor="ctr">
-            <a:noAutofit/>
-          </a:bodyPr>
-          <a:lstStyle>
-            <a:lvl1pPr algn="l" defTabSz="914400" rtl="0" eaLnBrk="1" latinLnBrk="0" hangingPunct="1">
-              <a:spcBef>
-                <a:spcPct val="0"/>
-              </a:spcBef>
-              <a:buNone/>
-              <a:defRPr sz="4400" kern="1200">
-                <a:solidFill>
-                  <a:schemeClr val="bg1"/>
-                </a:solidFill>
-                <a:latin typeface="Segoe UI Semilight" pitchFamily="34" charset="0"/>
-                <a:ea typeface="+mj-ea"/>
-                <a:cs typeface="Segoe UI Semilight" pitchFamily="34" charset="0"/>
-              </a:defRPr>
-            </a:lvl1pPr>
-          </a:lstStyle>
-          <a:p>
-            <a:pPr marL="457200" indent="-457200">
-              <a:spcBef>
-                <a:spcPts val="1200"/>
-              </a:spcBef>
-              <a:buAutoNum type="arabicPeriod"/>
-            </a:pPr>
-            <a:r>
-              <a:rPr lang="en-US" sz="2400" dirty="0">
-                <a:solidFill>
-                  <a:schemeClr val="tx1"/>
-                </a:solidFill>
-                <a:latin typeface="Arial" panose="020B0604020202020204" pitchFamily="34" charset="0"/>
-                <a:cs typeface="Arial" panose="020B0604020202020204" pitchFamily="34" charset="0"/>
-              </a:rPr>
-              <a:t>Giới thiệu đề tài.</a:t>
-            </a:r>
-          </a:p>
-          <a:p>
-            <a:pPr marL="457200" indent="-457200">
-              <a:spcBef>
-                <a:spcPts val="1200"/>
-              </a:spcBef>
-              <a:buAutoNum type="arabicPeriod"/>
-            </a:pPr>
-            <a:r>
-              <a:rPr lang="en-US" sz="2400" dirty="0">
-                <a:solidFill>
-                  <a:schemeClr val="tx1"/>
-                </a:solidFill>
-                <a:latin typeface="Arial" panose="020B0604020202020204" pitchFamily="34" charset="0"/>
-                <a:cs typeface="Arial" panose="020B0604020202020204" pitchFamily="34" charset="0"/>
-              </a:rPr>
-              <a:t>Mục tiêu đề tài.</a:t>
-            </a:r>
-          </a:p>
-          <a:p>
-            <a:pPr marL="457200" indent="-457200">
-              <a:spcBef>
-                <a:spcPts val="1200"/>
-              </a:spcBef>
-              <a:buAutoNum type="arabicPeriod"/>
-            </a:pPr>
-            <a:r>
-              <a:rPr lang="en-US" sz="2400" dirty="0">
-                <a:solidFill>
-                  <a:schemeClr val="tx1"/>
-                </a:solidFill>
-                <a:latin typeface="Arial" panose="020B0604020202020204" pitchFamily="34" charset="0"/>
-                <a:cs typeface="Arial" panose="020B0604020202020204" pitchFamily="34" charset="0"/>
-              </a:rPr>
-              <a:t>Tổng quan đề tài:</a:t>
-            </a:r>
-          </a:p>
-          <a:p>
-            <a:pPr marL="914400" lvl="0" indent="-457200">
-              <a:spcBef>
-                <a:spcPts val="1200"/>
-              </a:spcBef>
-              <a:buFont typeface="Arial" panose="020B0604020202020204" pitchFamily="34" charset="0"/>
-              <a:buChar char="•"/>
-            </a:pPr>
-            <a:r>
-              <a:rPr lang="en-US" sz="2400" dirty="0">
-                <a:solidFill>
-                  <a:schemeClr val="tx1"/>
-                </a:solidFill>
-                <a:latin typeface="Arial" panose="020B0604020202020204" pitchFamily="34" charset="0"/>
-                <a:cs typeface="Arial" panose="020B0604020202020204" pitchFamily="34" charset="0"/>
-              </a:rPr>
-              <a:t>Đặc trưng về dân tộc K’Ho.</a:t>
-            </a:r>
-          </a:p>
-          <a:p>
-            <a:pPr marL="914400" lvl="0" indent="-457200">
-              <a:spcBef>
-                <a:spcPts val="1200"/>
-              </a:spcBef>
-              <a:buFont typeface="Arial" panose="020B0604020202020204" pitchFamily="34" charset="0"/>
-              <a:buChar char="•"/>
-            </a:pPr>
-            <a:r>
-              <a:rPr lang="en-US" sz="2400" dirty="0">
-                <a:solidFill>
-                  <a:schemeClr val="tx1"/>
-                </a:solidFill>
-                <a:latin typeface="Arial" panose="020B0604020202020204" pitchFamily="34" charset="0"/>
-                <a:cs typeface="Arial" panose="020B0604020202020204" pitchFamily="34" charset="0"/>
-              </a:rPr>
-              <a:t>Đặc trưng về ngôn ngữ K’Ho.</a:t>
-            </a:r>
-          </a:p>
-          <a:p>
-            <a:pPr marL="914400" lvl="0" indent="-457200">
-              <a:spcBef>
-                <a:spcPts val="1200"/>
-              </a:spcBef>
-              <a:buFont typeface="Arial" panose="020B0604020202020204" pitchFamily="34" charset="0"/>
-              <a:buChar char="•"/>
-            </a:pPr>
-            <a:r>
-              <a:rPr lang="en-US" sz="2400" dirty="0">
-                <a:solidFill>
-                  <a:schemeClr val="tx1"/>
-                </a:solidFill>
-                <a:latin typeface="Arial" panose="020B0604020202020204" pitchFamily="34" charset="0"/>
-                <a:cs typeface="Arial" panose="020B0604020202020204" pitchFamily="34" charset="0"/>
-              </a:rPr>
-              <a:t>Tổng quan về các ứng dụng học ngôn ngữ.</a:t>
-            </a:r>
-          </a:p>
-          <a:p>
-            <a:pPr lvl="0">
-              <a:spcBef>
-                <a:spcPts val="1200"/>
-              </a:spcBef>
-              <a:tabLst>
-                <a:tab pos="463550" algn="l"/>
-              </a:tabLst>
-            </a:pPr>
-            <a:r>
-              <a:rPr lang="en-US" sz="2400" dirty="0">
-                <a:solidFill>
-                  <a:schemeClr val="tx1"/>
-                </a:solidFill>
-                <a:latin typeface="Arial" panose="020B0604020202020204" pitchFamily="34" charset="0"/>
-                <a:cs typeface="Arial" panose="020B0604020202020204" pitchFamily="34" charset="0"/>
-              </a:rPr>
-              <a:t>4.	Đề xuất phương án xây dựng, các công </a:t>
-            </a:r>
-            <a:r>
-              <a:rPr lang="en-US" sz="2400" dirty="0" smtClean="0">
-                <a:solidFill>
-                  <a:schemeClr val="tx1"/>
-                </a:solidFill>
-                <a:latin typeface="Arial" panose="020B0604020202020204" pitchFamily="34" charset="0"/>
-                <a:cs typeface="Arial" panose="020B0604020202020204" pitchFamily="34" charset="0"/>
-              </a:rPr>
-              <a:t>cụ </a:t>
-            </a:r>
-            <a:r>
-              <a:rPr lang="en-US" sz="2400" dirty="0">
-                <a:solidFill>
-                  <a:schemeClr val="tx1"/>
-                </a:solidFill>
-                <a:latin typeface="Arial" panose="020B0604020202020204" pitchFamily="34" charset="0"/>
-                <a:cs typeface="Arial" panose="020B0604020202020204" pitchFamily="34" charset="0"/>
-              </a:rPr>
-              <a:t>xây dựng ứng dụng.</a:t>
-            </a:r>
-          </a:p>
-          <a:p>
-            <a:pPr marL="457200" indent="-457200">
-              <a:spcBef>
-                <a:spcPts val="1200"/>
-              </a:spcBef>
-              <a:buAutoNum type="arabicPeriod" startAt="5"/>
-              <a:tabLst>
-                <a:tab pos="463550" algn="l"/>
-              </a:tabLst>
-            </a:pPr>
-            <a:r>
-              <a:rPr lang="en-US" sz="2400" dirty="0">
-                <a:solidFill>
-                  <a:schemeClr val="tx1"/>
-                </a:solidFill>
-                <a:latin typeface="Arial" panose="020B0604020202020204" pitchFamily="34" charset="0"/>
-                <a:cs typeface="Arial" panose="020B0604020202020204" pitchFamily="34" charset="0"/>
-              </a:rPr>
-              <a:t>Giao diện ứng dụng.</a:t>
-            </a:r>
-          </a:p>
-          <a:p>
-            <a:pPr marL="457200" indent="-457200">
-              <a:spcBef>
-                <a:spcPts val="1200"/>
-              </a:spcBef>
-              <a:buAutoNum type="arabicPeriod" startAt="5"/>
-              <a:tabLst>
-                <a:tab pos="463550" algn="l"/>
-              </a:tabLst>
-            </a:pPr>
-            <a:r>
-              <a:rPr lang="en-US" sz="2400" dirty="0">
-                <a:solidFill>
-                  <a:schemeClr val="tx1"/>
-                </a:solidFill>
-                <a:latin typeface="Arial" panose="020B0604020202020204" pitchFamily="34" charset="0"/>
-                <a:cs typeface="Arial" panose="020B0604020202020204" pitchFamily="34" charset="0"/>
-              </a:rPr>
-              <a:t>Kế hoạch thực hiện đồ án trong thời gian tới.</a:t>
-            </a:r>
-          </a:p>
-        </p:txBody>
-      </p:sp>
-      <p:sp>
-        <p:nvSpPr>
-          <p:cNvPr id="7" name="Title 1"/>
-          <p:cNvSpPr txBox="1">
-            <a:spLocks/>
-          </p:cNvSpPr>
-          <p:nvPr/>
-        </p:nvSpPr>
-        <p:spPr>
-          <a:xfrm>
-            <a:off x="523461" y="1066800"/>
-            <a:ext cx="7924800" cy="487362"/>
-          </a:xfrm>
-          <a:prstGeom prst="rect">
-            <a:avLst/>
-          </a:prstGeom>
-        </p:spPr>
-        <p:txBody>
-          <a:bodyPr vert="horz" lIns="91440" tIns="45720" rIns="91440" bIns="45720" rtlCol="0" anchor="ctr">
-            <a:normAutofit fontScale="97500"/>
-          </a:bodyPr>
-          <a:lstStyle>
-            <a:lvl1pPr algn="l" defTabSz="914400" rtl="0" eaLnBrk="1" latinLnBrk="0" hangingPunct="1">
-              <a:spcBef>
-                <a:spcPct val="0"/>
-              </a:spcBef>
-              <a:buNone/>
-              <a:defRPr sz="4400" kern="1200">
-                <a:solidFill>
-                  <a:schemeClr val="bg1"/>
-                </a:solidFill>
-                <a:latin typeface="Segoe UI Semilight" pitchFamily="34" charset="0"/>
-                <a:ea typeface="+mj-ea"/>
-                <a:cs typeface="Segoe UI Semilight" pitchFamily="34" charset="0"/>
-              </a:defRPr>
-            </a:lvl1pPr>
-          </a:lstStyle>
-          <a:p>
-            <a:pPr algn="ctr"/>
-            <a:endParaRPr lang="en-US" sz="2600" dirty="0">
-              <a:solidFill>
-                <a:schemeClr val="tx1"/>
-              </a:solidFill>
-              <a:latin typeface="Times New Roman" panose="02020603050405020304" pitchFamily="18" charset="0"/>
-              <a:cs typeface="Times New Roman" panose="02020603050405020304" pitchFamily="18" charset="0"/>
-            </a:endParaRPr>
-          </a:p>
-        </p:txBody>
-      </p:sp>
-    </p:spTree>
-    <p:extLst>
-      <p:ext uri="{BB962C8B-B14F-4D97-AF65-F5344CB8AC3E}">
-        <p14:creationId xmlns:p14="http://schemas.microsoft.com/office/powerpoint/2010/main" val="2637767275"/>
-      </p:ext>
-    </p:extLst>
-  </p:cSld>
-  <p:clrMapOvr>
-    <a:masterClrMapping/>
-  </p:clrMapOvr>
-  <p:timing>
-    <p:tnLst>
-      <p:par>
-        <p:cTn id="1" dur="indefinite" restart="never" nodeType="tmRoot"/>
-      </p:par>
-    </p:tnLst>
-  </p:timing>
-</p:sld>
-</file>
-
-<file path=ppt/slides/slide20.xml><?xml version="1.0" encoding="utf-8"?>
-<p:sld xmlns:a="http://schemas.openxmlformats.org/drawingml/2006/main" xmlns:r="http://schemas.openxmlformats.org/officeDocument/2006/relationships" xmlns:p="http://schemas.openxmlformats.org/presentationml/2006/main">
-  <p:cSld>
-    <p:spTree>
-      <p:nvGrpSpPr>
-        <p:cNvPr id="1" name=""/>
-        <p:cNvGrpSpPr/>
-        <p:nvPr/>
-      </p:nvGrpSpPr>
-      <p:grpSpPr>
-        <a:xfrm>
-          <a:off x="0" y="0"/>
-          <a:ext cx="0" cy="0"/>
-          <a:chOff x="0" y="0"/>
-          <a:chExt cx="0" cy="0"/>
-        </a:xfrm>
-      </p:grpSpPr>
-      <p:sp>
-        <p:nvSpPr>
-          <p:cNvPr id="3" name="Date Placeholder 2"/>
-          <p:cNvSpPr>
-            <a:spLocks noGrp="1"/>
-          </p:cNvSpPr>
-          <p:nvPr>
-            <p:ph type="dt" sz="half" idx="10"/>
-          </p:nvPr>
-        </p:nvSpPr>
-        <p:spPr/>
-        <p:txBody>
-          <a:bodyPr/>
-          <a:lstStyle/>
-          <a:p>
-            <a:r>
-              <a:rPr lang="en-US"/>
-              <a:t>10/13/2017</a:t>
-            </a:r>
-          </a:p>
-        </p:txBody>
-      </p:sp>
-      <p:sp>
-        <p:nvSpPr>
-          <p:cNvPr id="4" name="Footer Placeholder 3"/>
-          <p:cNvSpPr>
-            <a:spLocks noGrp="1"/>
-          </p:cNvSpPr>
-          <p:nvPr>
-            <p:ph type="ftr" sz="quarter" idx="11"/>
-          </p:nvPr>
-        </p:nvSpPr>
-        <p:spPr/>
-        <p:txBody>
-          <a:bodyPr/>
-          <a:lstStyle/>
-          <a:p>
-            <a:endParaRPr lang="en-US"/>
-          </a:p>
-        </p:txBody>
-      </p:sp>
-      <p:sp>
-        <p:nvSpPr>
-          <p:cNvPr id="5" name="Slide Number Placeholder 4"/>
-          <p:cNvSpPr>
-            <a:spLocks noGrp="1"/>
-          </p:cNvSpPr>
-          <p:nvPr>
-            <p:ph type="sldNum" sz="quarter" idx="12"/>
-          </p:nvPr>
-        </p:nvSpPr>
-        <p:spPr/>
-        <p:txBody>
-          <a:bodyPr/>
-          <a:lstStyle/>
-          <a:p>
-            <a:fld id="{FF387971-9C3B-49A6-8D58-3AFB2456A1FB}" type="slidenum">
-              <a:rPr lang="en-US" smtClean="0"/>
-              <a:t>20</a:t>
-            </a:fld>
-            <a:endParaRPr lang="en-US"/>
-          </a:p>
-        </p:txBody>
-      </p:sp>
-      <p:sp>
-        <p:nvSpPr>
-          <p:cNvPr id="9" name="TextBox 8"/>
-          <p:cNvSpPr txBox="1"/>
-          <p:nvPr/>
-        </p:nvSpPr>
-        <p:spPr>
-          <a:xfrm>
-            <a:off x="457200" y="483513"/>
-            <a:ext cx="5562600" cy="430887"/>
-          </a:xfrm>
-          <a:prstGeom prst="rect">
-            <a:avLst/>
-          </a:prstGeom>
-          <a:noFill/>
-        </p:spPr>
-        <p:txBody>
-          <a:bodyPr wrap="square" rtlCol="0">
-            <a:spAutoFit/>
-          </a:bodyPr>
-          <a:lstStyle/>
-          <a:p>
-            <a:pPr marL="342900" indent="-342900">
-              <a:spcBef>
-                <a:spcPts val="1200"/>
-              </a:spcBef>
-              <a:buFont typeface="Wingdings" panose="05000000000000000000" pitchFamily="2" charset="2"/>
-              <a:buChar char="Ø"/>
-            </a:pPr>
-            <a:r>
-              <a:rPr lang="en-US" sz="2200" dirty="0">
-                <a:latin typeface="Arial" panose="020B0604020202020204" pitchFamily="34" charset="0"/>
-                <a:cs typeface="Arial" panose="020B0604020202020204" pitchFamily="34" charset="0"/>
-              </a:rPr>
-              <a:t>Giao diện danh sách ngữ pháp</a:t>
-            </a:r>
-          </a:p>
-        </p:txBody>
-      </p:sp>
-      <p:pic>
-        <p:nvPicPr>
-          <p:cNvPr id="8" name="Picture 7"/>
-          <p:cNvPicPr/>
-          <p:nvPr/>
-        </p:nvPicPr>
-        <p:blipFill>
-          <a:blip r:embed="rId2">
-            <a:extLst>
-              <a:ext uri="{28A0092B-C50C-407E-A947-70E740481C1C}">
-                <a14:useLocalDpi xmlns:a14="http://schemas.microsoft.com/office/drawing/2010/main" val="0"/>
-              </a:ext>
-            </a:extLst>
-          </a:blip>
-          <a:stretch>
-            <a:fillRect/>
-          </a:stretch>
-        </p:blipFill>
-        <p:spPr>
-          <a:xfrm>
-            <a:off x="609600" y="1524000"/>
-            <a:ext cx="7924800" cy="4267200"/>
-          </a:xfrm>
-          <a:prstGeom prst="rect">
-            <a:avLst/>
-          </a:prstGeom>
-        </p:spPr>
-      </p:pic>
-    </p:spTree>
-    <p:extLst>
-      <p:ext uri="{BB962C8B-B14F-4D97-AF65-F5344CB8AC3E}">
-        <p14:creationId xmlns:p14="http://schemas.microsoft.com/office/powerpoint/2010/main" val="2426906381"/>
-      </p:ext>
-    </p:extLst>
-  </p:cSld>
-  <p:clrMapOvr>
-    <a:masterClrMapping/>
-  </p:clrMapOvr>
-  <p:timing>
-    <p:tnLst>
-      <p:par>
-        <p:cTn id="1" dur="indefinite" restart="never" nodeType="tmRoot"/>
-      </p:par>
-    </p:tnLst>
-  </p:timing>
-</p:sld>
-</file>
-
-<file path=ppt/slides/slide21.xml><?xml version="1.0" encoding="utf-8"?>
-<p:sld xmlns:a="http://schemas.openxmlformats.org/drawingml/2006/main" xmlns:r="http://schemas.openxmlformats.org/officeDocument/2006/relationships" xmlns:p="http://schemas.openxmlformats.org/presentationml/2006/main">
-  <p:cSld>
-    <p:spTree>
-      <p:nvGrpSpPr>
-        <p:cNvPr id="1" name=""/>
-        <p:cNvGrpSpPr/>
-        <p:nvPr/>
-      </p:nvGrpSpPr>
-      <p:grpSpPr>
-        <a:xfrm>
-          <a:off x="0" y="0"/>
-          <a:ext cx="0" cy="0"/>
-          <a:chOff x="0" y="0"/>
-          <a:chExt cx="0" cy="0"/>
-        </a:xfrm>
-      </p:grpSpPr>
-      <p:sp>
-        <p:nvSpPr>
-          <p:cNvPr id="3" name="Date Placeholder 2"/>
-          <p:cNvSpPr>
-            <a:spLocks noGrp="1"/>
-          </p:cNvSpPr>
-          <p:nvPr>
-            <p:ph type="dt" sz="half" idx="10"/>
-          </p:nvPr>
-        </p:nvSpPr>
-        <p:spPr/>
-        <p:txBody>
-          <a:bodyPr/>
-          <a:lstStyle/>
-          <a:p>
-            <a:r>
-              <a:rPr lang="en-US"/>
-              <a:t>10/13/2017</a:t>
-            </a:r>
-          </a:p>
-        </p:txBody>
-      </p:sp>
-      <p:sp>
-        <p:nvSpPr>
-          <p:cNvPr id="4" name="Footer Placeholder 3"/>
-          <p:cNvSpPr>
-            <a:spLocks noGrp="1"/>
-          </p:cNvSpPr>
-          <p:nvPr>
-            <p:ph type="ftr" sz="quarter" idx="11"/>
-          </p:nvPr>
-        </p:nvSpPr>
-        <p:spPr/>
-        <p:txBody>
-          <a:bodyPr/>
-          <a:lstStyle/>
-          <a:p>
-            <a:endParaRPr lang="en-US"/>
-          </a:p>
-        </p:txBody>
-      </p:sp>
-      <p:sp>
-        <p:nvSpPr>
-          <p:cNvPr id="5" name="Slide Number Placeholder 4"/>
-          <p:cNvSpPr>
-            <a:spLocks noGrp="1"/>
-          </p:cNvSpPr>
-          <p:nvPr>
-            <p:ph type="sldNum" sz="quarter" idx="12"/>
-          </p:nvPr>
-        </p:nvSpPr>
-        <p:spPr/>
-        <p:txBody>
-          <a:bodyPr/>
-          <a:lstStyle/>
-          <a:p>
-            <a:fld id="{FF387971-9C3B-49A6-8D58-3AFB2456A1FB}" type="slidenum">
-              <a:rPr lang="en-US" smtClean="0"/>
-              <a:t>21</a:t>
-            </a:fld>
-            <a:endParaRPr lang="en-US"/>
-          </a:p>
-        </p:txBody>
-      </p:sp>
-      <p:sp>
-        <p:nvSpPr>
-          <p:cNvPr id="9" name="TextBox 8"/>
-          <p:cNvSpPr txBox="1"/>
-          <p:nvPr/>
-        </p:nvSpPr>
-        <p:spPr>
-          <a:xfrm>
-            <a:off x="609600" y="228600"/>
-            <a:ext cx="5562600" cy="430887"/>
-          </a:xfrm>
-          <a:prstGeom prst="rect">
-            <a:avLst/>
-          </a:prstGeom>
-          <a:noFill/>
-        </p:spPr>
-        <p:txBody>
-          <a:bodyPr wrap="square" rtlCol="0">
-            <a:spAutoFit/>
-          </a:bodyPr>
-          <a:lstStyle/>
-          <a:p>
-            <a:pPr marL="342900" indent="-342900">
-              <a:spcBef>
-                <a:spcPts val="1200"/>
-              </a:spcBef>
-              <a:buFont typeface="Wingdings" panose="05000000000000000000" pitchFamily="2" charset="2"/>
-              <a:buChar char="Ø"/>
-            </a:pPr>
-            <a:r>
-              <a:rPr lang="en-US" sz="2200" dirty="0">
-                <a:latin typeface="Arial" panose="020B0604020202020204" pitchFamily="34" charset="0"/>
-                <a:cs typeface="Arial" panose="020B0604020202020204" pitchFamily="34" charset="0"/>
-              </a:rPr>
-              <a:t>Giao diện chi tiết ngữ pháp</a:t>
-            </a:r>
-          </a:p>
-        </p:txBody>
-      </p:sp>
-      <p:pic>
-        <p:nvPicPr>
-          <p:cNvPr id="7" name="Picture 6"/>
-          <p:cNvPicPr/>
-          <p:nvPr/>
-        </p:nvPicPr>
-        <p:blipFill>
-          <a:blip r:embed="rId2">
-            <a:extLst>
-              <a:ext uri="{28A0092B-C50C-407E-A947-70E740481C1C}">
-                <a14:useLocalDpi xmlns:a14="http://schemas.microsoft.com/office/drawing/2010/main" val="0"/>
-              </a:ext>
-            </a:extLst>
-          </a:blip>
-          <a:stretch>
-            <a:fillRect/>
-          </a:stretch>
-        </p:blipFill>
-        <p:spPr>
-          <a:xfrm>
-            <a:off x="632791" y="979368"/>
-            <a:ext cx="7878418" cy="3886200"/>
-          </a:xfrm>
-          <a:prstGeom prst="rect">
-            <a:avLst/>
-          </a:prstGeom>
-        </p:spPr>
-      </p:pic>
-    </p:spTree>
-    <p:extLst>
-      <p:ext uri="{BB962C8B-B14F-4D97-AF65-F5344CB8AC3E}">
-        <p14:creationId xmlns:p14="http://schemas.microsoft.com/office/powerpoint/2010/main" val="3226315176"/>
-      </p:ext>
-    </p:extLst>
-  </p:cSld>
-  <p:clrMapOvr>
-    <a:masterClrMapping/>
-  </p:clrMapOvr>
-  <p:timing>
-    <p:tnLst>
-      <p:par>
-        <p:cTn id="1" dur="indefinite" restart="never" nodeType="tmRoot"/>
-      </p:par>
-    </p:tnLst>
-  </p:timing>
-</p:sld>
-</file>
-
-<file path=ppt/slides/slide22.xml><?xml version="1.0" encoding="utf-8"?>
-<p:sld xmlns:a="http://schemas.openxmlformats.org/drawingml/2006/main" xmlns:r="http://schemas.openxmlformats.org/officeDocument/2006/relationships" xmlns:p="http://schemas.openxmlformats.org/presentationml/2006/main">
-  <p:cSld>
-    <p:spTree>
-      <p:nvGrpSpPr>
-        <p:cNvPr id="1" name=""/>
-        <p:cNvGrpSpPr/>
-        <p:nvPr/>
-      </p:nvGrpSpPr>
-      <p:grpSpPr>
-        <a:xfrm>
-          <a:off x="0" y="0"/>
-          <a:ext cx="0" cy="0"/>
-          <a:chOff x="0" y="0"/>
-          <a:chExt cx="0" cy="0"/>
-        </a:xfrm>
-      </p:grpSpPr>
-      <p:sp>
-        <p:nvSpPr>
-          <p:cNvPr id="3" name="Date Placeholder 2"/>
-          <p:cNvSpPr>
-            <a:spLocks noGrp="1"/>
-          </p:cNvSpPr>
-          <p:nvPr>
-            <p:ph type="dt" sz="half" idx="10"/>
-          </p:nvPr>
-        </p:nvSpPr>
-        <p:spPr/>
-        <p:txBody>
-          <a:bodyPr/>
-          <a:lstStyle/>
-          <a:p>
-            <a:r>
-              <a:rPr lang="en-US"/>
-              <a:t>10/13/2017</a:t>
-            </a:r>
-          </a:p>
-        </p:txBody>
-      </p:sp>
-      <p:sp>
-        <p:nvSpPr>
-          <p:cNvPr id="4" name="Footer Placeholder 3"/>
-          <p:cNvSpPr>
-            <a:spLocks noGrp="1"/>
-          </p:cNvSpPr>
-          <p:nvPr>
-            <p:ph type="ftr" sz="quarter" idx="11"/>
-          </p:nvPr>
-        </p:nvSpPr>
-        <p:spPr/>
-        <p:txBody>
-          <a:bodyPr/>
-          <a:lstStyle/>
-          <a:p>
-            <a:endParaRPr lang="en-US"/>
-          </a:p>
-        </p:txBody>
-      </p:sp>
-      <p:sp>
-        <p:nvSpPr>
-          <p:cNvPr id="5" name="Slide Number Placeholder 4"/>
-          <p:cNvSpPr>
-            <a:spLocks noGrp="1"/>
-          </p:cNvSpPr>
-          <p:nvPr>
-            <p:ph type="sldNum" sz="quarter" idx="12"/>
-          </p:nvPr>
-        </p:nvSpPr>
-        <p:spPr/>
-        <p:txBody>
-          <a:bodyPr/>
-          <a:lstStyle/>
-          <a:p>
-            <a:fld id="{FF387971-9C3B-49A6-8D58-3AFB2456A1FB}" type="slidenum">
-              <a:rPr lang="en-US" smtClean="0"/>
-              <a:t>22</a:t>
-            </a:fld>
-            <a:endParaRPr lang="en-US"/>
-          </a:p>
-        </p:txBody>
-      </p:sp>
-      <p:sp>
-        <p:nvSpPr>
-          <p:cNvPr id="9" name="TextBox 8"/>
-          <p:cNvSpPr txBox="1"/>
-          <p:nvPr/>
-        </p:nvSpPr>
-        <p:spPr>
-          <a:xfrm>
-            <a:off x="629478" y="392232"/>
-            <a:ext cx="5562600" cy="430887"/>
-          </a:xfrm>
-          <a:prstGeom prst="rect">
-            <a:avLst/>
-          </a:prstGeom>
-          <a:noFill/>
-        </p:spPr>
-        <p:txBody>
-          <a:bodyPr wrap="square" rtlCol="0">
-            <a:spAutoFit/>
-          </a:bodyPr>
-          <a:lstStyle/>
-          <a:p>
-            <a:pPr marL="342900" indent="-342900">
-              <a:spcBef>
-                <a:spcPts val="1200"/>
-              </a:spcBef>
-              <a:buFont typeface="Wingdings" panose="05000000000000000000" pitchFamily="2" charset="2"/>
-              <a:buChar char="Ø"/>
-            </a:pPr>
-            <a:r>
-              <a:rPr lang="en-US" sz="2200" dirty="0">
-                <a:latin typeface="Arial" panose="020B0604020202020204" pitchFamily="34" charset="0"/>
-                <a:cs typeface="Arial" panose="020B0604020202020204" pitchFamily="34" charset="0"/>
-              </a:rPr>
-              <a:t>Giao diện thông tin tác giả</a:t>
-            </a:r>
-          </a:p>
-        </p:txBody>
-      </p:sp>
-      <p:pic>
-        <p:nvPicPr>
-          <p:cNvPr id="7" name="Picture 6"/>
-          <p:cNvPicPr/>
-          <p:nvPr/>
-        </p:nvPicPr>
-        <p:blipFill>
-          <a:blip r:embed="rId2">
-            <a:extLst>
-              <a:ext uri="{28A0092B-C50C-407E-A947-70E740481C1C}">
-                <a14:useLocalDpi xmlns:a14="http://schemas.microsoft.com/office/drawing/2010/main" val="0"/>
-              </a:ext>
-            </a:extLst>
-          </a:blip>
-          <a:stretch>
-            <a:fillRect/>
-          </a:stretch>
-        </p:blipFill>
-        <p:spPr>
-          <a:xfrm>
-            <a:off x="632791" y="1295400"/>
-            <a:ext cx="8050696" cy="4267200"/>
-          </a:xfrm>
-          <a:prstGeom prst="rect">
-            <a:avLst/>
-          </a:prstGeom>
-        </p:spPr>
-      </p:pic>
-    </p:spTree>
-    <p:extLst>
-      <p:ext uri="{BB962C8B-B14F-4D97-AF65-F5344CB8AC3E}">
-        <p14:creationId xmlns:p14="http://schemas.microsoft.com/office/powerpoint/2010/main" val="2586095736"/>
-      </p:ext>
-    </p:extLst>
-  </p:cSld>
-  <p:clrMapOvr>
-    <a:masterClrMapping/>
-  </p:clrMapOvr>
-  <p:timing>
-    <p:tnLst>
-      <p:par>
-        <p:cTn id="1" dur="indefinite" restart="never" nodeType="tmRoot"/>
-      </p:par>
-    </p:tnLst>
-  </p:timing>
-</p:sld>
-</file>
-
-<file path=ppt/slides/slide23.xml><?xml version="1.0" encoding="utf-8"?>
-<p:sld xmlns:a="http://schemas.openxmlformats.org/drawingml/2006/main" xmlns:r="http://schemas.openxmlformats.org/officeDocument/2006/relationships" xmlns:p="http://schemas.openxmlformats.org/presentationml/2006/main">
-  <p:cSld>
-    <p:spTree>
-      <p:nvGrpSpPr>
-        <p:cNvPr id="1" name=""/>
-        <p:cNvGrpSpPr/>
-        <p:nvPr/>
-      </p:nvGrpSpPr>
-      <p:grpSpPr>
-        <a:xfrm>
-          <a:off x="0" y="0"/>
-          <a:ext cx="0" cy="0"/>
-          <a:chOff x="0" y="0"/>
-          <a:chExt cx="0" cy="0"/>
-        </a:xfrm>
-      </p:grpSpPr>
-      <p:sp>
-        <p:nvSpPr>
-          <p:cNvPr id="3" name="Date Placeholder 2"/>
-          <p:cNvSpPr>
-            <a:spLocks noGrp="1"/>
-          </p:cNvSpPr>
-          <p:nvPr>
-            <p:ph type="dt" sz="half" idx="10"/>
-          </p:nvPr>
-        </p:nvSpPr>
-        <p:spPr/>
-        <p:txBody>
-          <a:bodyPr/>
-          <a:lstStyle/>
-          <a:p>
-            <a:r>
-              <a:rPr lang="en-US"/>
-              <a:t>10/13/2017</a:t>
-            </a:r>
-          </a:p>
-        </p:txBody>
-      </p:sp>
-      <p:sp>
-        <p:nvSpPr>
-          <p:cNvPr id="4" name="Footer Placeholder 3"/>
-          <p:cNvSpPr>
-            <a:spLocks noGrp="1"/>
-          </p:cNvSpPr>
-          <p:nvPr>
-            <p:ph type="ftr" sz="quarter" idx="11"/>
-          </p:nvPr>
-        </p:nvSpPr>
-        <p:spPr/>
-        <p:txBody>
-          <a:bodyPr/>
-          <a:lstStyle/>
-          <a:p>
-            <a:endParaRPr lang="en-US"/>
-          </a:p>
-        </p:txBody>
-      </p:sp>
-      <p:sp>
-        <p:nvSpPr>
-          <p:cNvPr id="5" name="Slide Number Placeholder 4"/>
-          <p:cNvSpPr>
-            <a:spLocks noGrp="1"/>
-          </p:cNvSpPr>
-          <p:nvPr>
-            <p:ph type="sldNum" sz="quarter" idx="12"/>
-          </p:nvPr>
-        </p:nvSpPr>
-        <p:spPr/>
-        <p:txBody>
-          <a:bodyPr/>
-          <a:lstStyle/>
-          <a:p>
-            <a:fld id="{FF387971-9C3B-49A6-8D58-3AFB2456A1FB}" type="slidenum">
-              <a:rPr lang="en-US" smtClean="0"/>
-              <a:t>23</a:t>
-            </a:fld>
-            <a:endParaRPr lang="en-US"/>
-          </a:p>
-        </p:txBody>
-      </p:sp>
-      <p:sp>
-        <p:nvSpPr>
-          <p:cNvPr id="9" name="TextBox 8"/>
-          <p:cNvSpPr txBox="1"/>
-          <p:nvPr/>
-        </p:nvSpPr>
-        <p:spPr>
-          <a:xfrm>
-            <a:off x="626166" y="87432"/>
-            <a:ext cx="5562600" cy="430887"/>
-          </a:xfrm>
-          <a:prstGeom prst="rect">
-            <a:avLst/>
-          </a:prstGeom>
-          <a:noFill/>
-        </p:spPr>
-        <p:txBody>
-          <a:bodyPr wrap="square" rtlCol="0">
-            <a:spAutoFit/>
-          </a:bodyPr>
-          <a:lstStyle/>
-          <a:p>
-            <a:pPr marL="342900" indent="-342900">
-              <a:spcBef>
-                <a:spcPts val="1200"/>
-              </a:spcBef>
-              <a:buFont typeface="Wingdings" panose="05000000000000000000" pitchFamily="2" charset="2"/>
-              <a:buChar char="Ø"/>
-            </a:pPr>
-            <a:r>
-              <a:rPr lang="en-US" sz="2200" dirty="0">
-                <a:latin typeface="Arial" panose="020B0604020202020204" pitchFamily="34" charset="0"/>
-                <a:cs typeface="Arial" panose="020B0604020202020204" pitchFamily="34" charset="0"/>
-              </a:rPr>
-              <a:t>Giao diện hướng dẫn</a:t>
-            </a:r>
-          </a:p>
-        </p:txBody>
-      </p:sp>
-      <p:pic>
-        <p:nvPicPr>
-          <p:cNvPr id="7" name="Picture 6"/>
-          <p:cNvPicPr/>
-          <p:nvPr/>
-        </p:nvPicPr>
-        <p:blipFill>
-          <a:blip r:embed="rId2">
-            <a:extLst>
-              <a:ext uri="{28A0092B-C50C-407E-A947-70E740481C1C}">
-                <a14:useLocalDpi xmlns:a14="http://schemas.microsoft.com/office/drawing/2010/main" val="0"/>
-              </a:ext>
-            </a:extLst>
-          </a:blip>
-          <a:stretch>
-            <a:fillRect/>
-          </a:stretch>
-        </p:blipFill>
-        <p:spPr>
-          <a:xfrm>
-            <a:off x="639417" y="685800"/>
-            <a:ext cx="8040757" cy="4267200"/>
-          </a:xfrm>
-          <a:prstGeom prst="rect">
-            <a:avLst/>
-          </a:prstGeom>
-        </p:spPr>
-      </p:pic>
-    </p:spTree>
-    <p:extLst>
-      <p:ext uri="{BB962C8B-B14F-4D97-AF65-F5344CB8AC3E}">
-        <p14:creationId xmlns:p14="http://schemas.microsoft.com/office/powerpoint/2010/main" val="2415211817"/>
-      </p:ext>
-    </p:extLst>
-  </p:cSld>
-  <p:clrMapOvr>
-    <a:masterClrMapping/>
-  </p:clrMapOvr>
-  <p:timing>
-    <p:tnLst>
-      <p:par>
-        <p:cTn id="1" dur="indefinite" restart="never" nodeType="tmRoot"/>
-      </p:par>
-    </p:tnLst>
-  </p:timing>
-</p:sld>
-</file>
-
-<file path=ppt/slides/slide24.xml><?xml version="1.0" encoding="utf-8"?>
-<p:sld xmlns:a="http://schemas.openxmlformats.org/drawingml/2006/main" xmlns:r="http://schemas.openxmlformats.org/officeDocument/2006/relationships" xmlns:p="http://schemas.openxmlformats.org/presentationml/2006/main">
-  <p:cSld>
-    <p:spTree>
-      <p:nvGrpSpPr>
-        <p:cNvPr id="1" name=""/>
-        <p:cNvGrpSpPr/>
-        <p:nvPr/>
-      </p:nvGrpSpPr>
-      <p:grpSpPr>
-        <a:xfrm>
-          <a:off x="0" y="0"/>
-          <a:ext cx="0" cy="0"/>
-          <a:chOff x="0" y="0"/>
-          <a:chExt cx="0" cy="0"/>
-        </a:xfrm>
-      </p:grpSpPr>
-      <p:sp>
-        <p:nvSpPr>
-          <p:cNvPr id="3" name="Date Placeholder 2"/>
-          <p:cNvSpPr>
-            <a:spLocks noGrp="1"/>
-          </p:cNvSpPr>
-          <p:nvPr>
-            <p:ph type="dt" sz="half" idx="10"/>
-          </p:nvPr>
-        </p:nvSpPr>
-        <p:spPr/>
-        <p:txBody>
-          <a:bodyPr/>
-          <a:lstStyle/>
-          <a:p>
-            <a:r>
-              <a:rPr lang="en-US"/>
-              <a:t>10/13/2017</a:t>
-            </a:r>
-          </a:p>
-        </p:txBody>
-      </p:sp>
-      <p:sp>
-        <p:nvSpPr>
-          <p:cNvPr id="4" name="Footer Placeholder 3"/>
-          <p:cNvSpPr>
-            <a:spLocks noGrp="1"/>
-          </p:cNvSpPr>
-          <p:nvPr>
-            <p:ph type="ftr" sz="quarter" idx="11"/>
-          </p:nvPr>
-        </p:nvSpPr>
-        <p:spPr/>
-        <p:txBody>
-          <a:bodyPr/>
-          <a:lstStyle/>
-          <a:p>
-            <a:endParaRPr lang="en-US"/>
-          </a:p>
-        </p:txBody>
-      </p:sp>
-      <p:sp>
-        <p:nvSpPr>
-          <p:cNvPr id="5" name="Slide Number Placeholder 4"/>
-          <p:cNvSpPr>
-            <a:spLocks noGrp="1"/>
-          </p:cNvSpPr>
-          <p:nvPr>
-            <p:ph type="sldNum" sz="quarter" idx="12"/>
-          </p:nvPr>
-        </p:nvSpPr>
-        <p:spPr/>
-        <p:txBody>
-          <a:bodyPr/>
-          <a:lstStyle/>
-          <a:p>
-            <a:fld id="{FF387971-9C3B-49A6-8D58-3AFB2456A1FB}" type="slidenum">
-              <a:rPr lang="en-US" smtClean="0"/>
-              <a:t>24</a:t>
-            </a:fld>
-            <a:endParaRPr lang="en-US"/>
-          </a:p>
-        </p:txBody>
-      </p:sp>
-      <p:sp>
-        <p:nvSpPr>
-          <p:cNvPr id="9" name="TextBox 8"/>
-          <p:cNvSpPr txBox="1"/>
-          <p:nvPr/>
-        </p:nvSpPr>
-        <p:spPr>
-          <a:xfrm>
-            <a:off x="609600" y="152400"/>
-            <a:ext cx="5562600" cy="430887"/>
-          </a:xfrm>
-          <a:prstGeom prst="rect">
-            <a:avLst/>
-          </a:prstGeom>
-          <a:noFill/>
-        </p:spPr>
-        <p:txBody>
-          <a:bodyPr wrap="square" rtlCol="0">
-            <a:spAutoFit/>
-          </a:bodyPr>
-          <a:lstStyle/>
-          <a:p>
-            <a:pPr marL="342900" indent="-342900">
-              <a:spcBef>
-                <a:spcPts val="1200"/>
-              </a:spcBef>
-              <a:buFont typeface="Wingdings" panose="05000000000000000000" pitchFamily="2" charset="2"/>
-              <a:buChar char="Ø"/>
-            </a:pPr>
-            <a:r>
-              <a:rPr lang="en-US" sz="2200" dirty="0">
-                <a:latin typeface="Arial" panose="020B0604020202020204" pitchFamily="34" charset="0"/>
-                <a:cs typeface="Arial" panose="020B0604020202020204" pitchFamily="34" charset="0"/>
-              </a:rPr>
-              <a:t>Giao diện câu hỏi</a:t>
-            </a:r>
-          </a:p>
-        </p:txBody>
-      </p:sp>
-      <p:pic>
-        <p:nvPicPr>
-          <p:cNvPr id="7" name="Picture 6"/>
-          <p:cNvPicPr/>
-          <p:nvPr/>
-        </p:nvPicPr>
-        <p:blipFill>
-          <a:blip r:embed="rId2">
-            <a:extLst>
-              <a:ext uri="{28A0092B-C50C-407E-A947-70E740481C1C}">
-                <a14:useLocalDpi xmlns:a14="http://schemas.microsoft.com/office/drawing/2010/main" val="0"/>
-              </a:ext>
-            </a:extLst>
-          </a:blip>
-          <a:stretch>
-            <a:fillRect/>
-          </a:stretch>
-        </p:blipFill>
-        <p:spPr>
-          <a:xfrm>
-            <a:off x="586409" y="789414"/>
-            <a:ext cx="7901609" cy="2029986"/>
-          </a:xfrm>
-          <a:prstGeom prst="rect">
-            <a:avLst/>
-          </a:prstGeom>
-        </p:spPr>
-      </p:pic>
-      <p:sp>
-        <p:nvSpPr>
-          <p:cNvPr id="8" name="TextBox 7"/>
-          <p:cNvSpPr txBox="1"/>
-          <p:nvPr/>
-        </p:nvSpPr>
-        <p:spPr>
-          <a:xfrm>
-            <a:off x="609600" y="3236238"/>
-            <a:ext cx="5562600" cy="430887"/>
-          </a:xfrm>
-          <a:prstGeom prst="rect">
-            <a:avLst/>
-          </a:prstGeom>
-          <a:noFill/>
-        </p:spPr>
-        <p:txBody>
-          <a:bodyPr wrap="square" rtlCol="0">
-            <a:spAutoFit/>
-          </a:bodyPr>
-          <a:lstStyle/>
-          <a:p>
-            <a:pPr marL="342900" indent="-342900">
-              <a:spcBef>
-                <a:spcPts val="1200"/>
-              </a:spcBef>
-              <a:buFont typeface="Wingdings" panose="05000000000000000000" pitchFamily="2" charset="2"/>
-              <a:buChar char="Ø"/>
-            </a:pPr>
-            <a:r>
-              <a:rPr lang="en-US" sz="2200" dirty="0">
-                <a:latin typeface="Arial" panose="020B0604020202020204" pitchFamily="34" charset="0"/>
-                <a:cs typeface="Arial" panose="020B0604020202020204" pitchFamily="34" charset="0"/>
-              </a:rPr>
-              <a:t>Giao diện luyện tập</a:t>
-            </a:r>
-          </a:p>
-        </p:txBody>
-      </p:sp>
-      <p:pic>
-        <p:nvPicPr>
-          <p:cNvPr id="10" name="Picture 9"/>
-          <p:cNvPicPr/>
-          <p:nvPr/>
-        </p:nvPicPr>
-        <p:blipFill>
-          <a:blip r:embed="rId3">
-            <a:extLst>
-              <a:ext uri="{28A0092B-C50C-407E-A947-70E740481C1C}">
-                <a14:useLocalDpi xmlns:a14="http://schemas.microsoft.com/office/drawing/2010/main" val="0"/>
-              </a:ext>
-            </a:extLst>
-          </a:blip>
-          <a:stretch>
-            <a:fillRect/>
-          </a:stretch>
-        </p:blipFill>
-        <p:spPr>
-          <a:xfrm>
-            <a:off x="586409" y="3971925"/>
-            <a:ext cx="7901609" cy="2200275"/>
-          </a:xfrm>
-          <a:prstGeom prst="rect">
-            <a:avLst/>
-          </a:prstGeom>
-        </p:spPr>
-      </p:pic>
-    </p:spTree>
-    <p:extLst>
-      <p:ext uri="{BB962C8B-B14F-4D97-AF65-F5344CB8AC3E}">
-        <p14:creationId xmlns:p14="http://schemas.microsoft.com/office/powerpoint/2010/main" val="1392710432"/>
-      </p:ext>
-    </p:extLst>
-  </p:cSld>
-  <p:clrMapOvr>
-    <a:masterClrMapping/>
-  </p:clrMapOvr>
-  <p:timing>
-    <p:tnLst>
-      <p:par>
-        <p:cTn id="1" dur="indefinite" restart="never" nodeType="tmRoot"/>
-      </p:par>
-    </p:tnLst>
-  </p:timing>
-</p:sld>
-</file>
-
-<file path=ppt/slides/slide25.xml><?xml version="1.0" encoding="utf-8"?>
-<p:sld xmlns:a="http://schemas.openxmlformats.org/drawingml/2006/main" xmlns:r="http://schemas.openxmlformats.org/officeDocument/2006/relationships" xmlns:p="http://schemas.openxmlformats.org/presentationml/2006/main">
-  <p:cSld>
-    <p:spTree>
-      <p:nvGrpSpPr>
-        <p:cNvPr id="1" name=""/>
-        <p:cNvGrpSpPr/>
-        <p:nvPr/>
-      </p:nvGrpSpPr>
-      <p:grpSpPr>
-        <a:xfrm>
-          <a:off x="0" y="0"/>
-          <a:ext cx="0" cy="0"/>
-          <a:chOff x="0" y="0"/>
-          <a:chExt cx="0" cy="0"/>
-        </a:xfrm>
-      </p:grpSpPr>
-      <p:sp>
-        <p:nvSpPr>
-          <p:cNvPr id="3" name="Date Placeholder 2"/>
-          <p:cNvSpPr>
-            <a:spLocks noGrp="1"/>
-          </p:cNvSpPr>
-          <p:nvPr>
-            <p:ph type="dt" sz="half" idx="10"/>
-          </p:nvPr>
-        </p:nvSpPr>
-        <p:spPr/>
-        <p:txBody>
-          <a:bodyPr/>
-          <a:lstStyle/>
-          <a:p>
-            <a:r>
-              <a:rPr lang="en-US"/>
-              <a:t>10/13/2017</a:t>
-            </a:r>
-          </a:p>
-        </p:txBody>
-      </p:sp>
-      <p:sp>
-        <p:nvSpPr>
-          <p:cNvPr id="4" name="Footer Placeholder 3"/>
-          <p:cNvSpPr>
-            <a:spLocks noGrp="1"/>
-          </p:cNvSpPr>
-          <p:nvPr>
-            <p:ph type="ftr" sz="quarter" idx="11"/>
-          </p:nvPr>
-        </p:nvSpPr>
-        <p:spPr/>
-        <p:txBody>
-          <a:bodyPr/>
-          <a:lstStyle/>
-          <a:p>
-            <a:endParaRPr lang="en-US"/>
-          </a:p>
-        </p:txBody>
-      </p:sp>
-      <p:sp>
-        <p:nvSpPr>
-          <p:cNvPr id="5" name="Slide Number Placeholder 4"/>
-          <p:cNvSpPr>
-            <a:spLocks noGrp="1"/>
-          </p:cNvSpPr>
-          <p:nvPr>
-            <p:ph type="sldNum" sz="quarter" idx="12"/>
-          </p:nvPr>
-        </p:nvSpPr>
-        <p:spPr/>
-        <p:txBody>
-          <a:bodyPr/>
-          <a:lstStyle/>
-          <a:p>
-            <a:fld id="{FF387971-9C3B-49A6-8D58-3AFB2456A1FB}" type="slidenum">
-              <a:rPr lang="en-US" smtClean="0"/>
-              <a:t>25</a:t>
-            </a:fld>
-            <a:endParaRPr lang="en-US"/>
-          </a:p>
-        </p:txBody>
-      </p:sp>
-      <p:sp>
-        <p:nvSpPr>
-          <p:cNvPr id="9" name="TextBox 8"/>
-          <p:cNvSpPr txBox="1"/>
-          <p:nvPr/>
-        </p:nvSpPr>
-        <p:spPr>
-          <a:xfrm>
-            <a:off x="536712" y="544631"/>
-            <a:ext cx="5562600" cy="430887"/>
-          </a:xfrm>
-          <a:prstGeom prst="rect">
-            <a:avLst/>
-          </a:prstGeom>
-          <a:noFill/>
-        </p:spPr>
-        <p:txBody>
-          <a:bodyPr wrap="square" rtlCol="0">
-            <a:spAutoFit/>
-          </a:bodyPr>
-          <a:lstStyle/>
-          <a:p>
-            <a:pPr marL="342900" indent="-342900">
-              <a:spcBef>
-                <a:spcPts val="1200"/>
-              </a:spcBef>
-              <a:buFont typeface="Wingdings" panose="05000000000000000000" pitchFamily="2" charset="2"/>
-              <a:buChar char="Ø"/>
-            </a:pPr>
-            <a:r>
-              <a:rPr lang="en-US" sz="2200" dirty="0">
-                <a:latin typeface="Arial" panose="020B0604020202020204" pitchFamily="34" charset="0"/>
-                <a:cs typeface="Arial" panose="020B0604020202020204" pitchFamily="34" charset="0"/>
-              </a:rPr>
-              <a:t>Giao diện từ điển</a:t>
-            </a:r>
-          </a:p>
-        </p:txBody>
-      </p:sp>
-      <p:pic>
-        <p:nvPicPr>
-          <p:cNvPr id="10" name="Picture 9"/>
-          <p:cNvPicPr/>
-          <p:nvPr/>
-        </p:nvPicPr>
-        <p:blipFill>
-          <a:blip r:embed="rId2">
-            <a:extLst>
-              <a:ext uri="{28A0092B-C50C-407E-A947-70E740481C1C}">
-                <a14:useLocalDpi xmlns:a14="http://schemas.microsoft.com/office/drawing/2010/main" val="0"/>
-              </a:ext>
-            </a:extLst>
-          </a:blip>
-          <a:stretch>
-            <a:fillRect/>
-          </a:stretch>
-        </p:blipFill>
-        <p:spPr>
-          <a:xfrm>
-            <a:off x="536712" y="1447800"/>
-            <a:ext cx="8020879" cy="2895600"/>
-          </a:xfrm>
-          <a:prstGeom prst="rect">
-            <a:avLst/>
-          </a:prstGeom>
-        </p:spPr>
-      </p:pic>
-    </p:spTree>
-    <p:extLst>
-      <p:ext uri="{BB962C8B-B14F-4D97-AF65-F5344CB8AC3E}">
-        <p14:creationId xmlns:p14="http://schemas.microsoft.com/office/powerpoint/2010/main" val="1929463300"/>
-      </p:ext>
-    </p:extLst>
-  </p:cSld>
-  <p:clrMapOvr>
-    <a:masterClrMapping/>
-  </p:clrMapOvr>
-  <p:timing>
-    <p:tnLst>
-      <p:par>
-        <p:cTn id="1" dur="indefinite" restart="never" nodeType="tmRoot"/>
-      </p:par>
-    </p:tnLst>
-  </p:timing>
-</p:sld>
-</file>
-
-<file path=ppt/slides/slide26.xml><?xml version="1.0" encoding="utf-8"?>
-<p:sld xmlns:a="http://schemas.openxmlformats.org/drawingml/2006/main" xmlns:r="http://schemas.openxmlformats.org/officeDocument/2006/relationships" xmlns:p="http://schemas.openxmlformats.org/presentationml/2006/main">
-  <p:cSld>
-    <p:spTree>
-      <p:nvGrpSpPr>
-        <p:cNvPr id="1" name=""/>
-        <p:cNvGrpSpPr/>
-        <p:nvPr/>
-      </p:nvGrpSpPr>
-      <p:grpSpPr>
-        <a:xfrm>
-          <a:off x="0" y="0"/>
-          <a:ext cx="0" cy="0"/>
-          <a:chOff x="0" y="0"/>
-          <a:chExt cx="0" cy="0"/>
-        </a:xfrm>
-      </p:grpSpPr>
-      <p:sp>
-        <p:nvSpPr>
           <p:cNvPr id="3" name="Date Placeholder 2">
             <a:extLst>
               <a:ext uri="{FF2B5EF4-FFF2-40B4-BE49-F238E27FC236}">
@@ -9115,7 +5506,7 @@
           <a:p>
             <a:fld id="{FF387971-9C3B-49A6-8D58-3AFB2456A1FB}" type="slidenum">
               <a:rPr lang="en-US" smtClean="0"/>
-              <a:t>26</a:t>
+              <a:t>17</a:t>
             </a:fld>
             <a:endParaRPr lang="en-US"/>
           </a:p>
@@ -9552,7 +5943,7 @@
 </p:sld>
 </file>
 
-<file path=ppt/slides/slide27.xml><?xml version="1.0" encoding="utf-8"?>
+<file path=ppt/slides/slide18.xml><?xml version="1.0" encoding="utf-8"?>
 <p:sld xmlns:a="http://schemas.openxmlformats.org/drawingml/2006/main" xmlns:r="http://schemas.openxmlformats.org/officeDocument/2006/relationships" xmlns:p="http://schemas.openxmlformats.org/presentationml/2006/main">
   <p:cSld>
     <p:spTree>
@@ -9627,7 +6018,7 @@
           <a:p>
             <a:fld id="{FF387971-9C3B-49A6-8D58-3AFB2456A1FB}" type="slidenum">
               <a:rPr lang="en-US" smtClean="0"/>
-              <a:t>27</a:t>
+              <a:t>18</a:t>
             </a:fld>
             <a:endParaRPr lang="en-US"/>
           </a:p>
@@ -9720,6 +6111,452 @@
     <p:extLst>
       <p:ext uri="{BB962C8B-B14F-4D97-AF65-F5344CB8AC3E}">
         <p14:creationId xmlns:p14="http://schemas.microsoft.com/office/powerpoint/2010/main" val="2109574064"/>
+      </p:ext>
+    </p:extLst>
+  </p:cSld>
+  <p:clrMapOvr>
+    <a:masterClrMapping/>
+  </p:clrMapOvr>
+  <p:timing>
+    <p:tnLst>
+      <p:par>
+        <p:cTn id="1" dur="indefinite" restart="never" nodeType="tmRoot"/>
+      </p:par>
+    </p:tnLst>
+  </p:timing>
+</p:sld>
+</file>
+
+<file path=ppt/slides/slide2.xml><?xml version="1.0" encoding="utf-8"?>
+<p:sld xmlns:a="http://schemas.openxmlformats.org/drawingml/2006/main" xmlns:r="http://schemas.openxmlformats.org/officeDocument/2006/relationships" xmlns:p="http://schemas.openxmlformats.org/presentationml/2006/main">
+  <p:cSld>
+    <p:spTree>
+      <p:nvGrpSpPr>
+        <p:cNvPr id="1" name=""/>
+        <p:cNvGrpSpPr/>
+        <p:nvPr/>
+      </p:nvGrpSpPr>
+      <p:grpSpPr>
+        <a:xfrm>
+          <a:off x="0" y="0"/>
+          <a:ext cx="0" cy="0"/>
+          <a:chOff x="0" y="0"/>
+          <a:chExt cx="0" cy="0"/>
+        </a:xfrm>
+      </p:grpSpPr>
+      <p:sp>
+        <p:nvSpPr>
+          <p:cNvPr id="2" name="Title 1"/>
+          <p:cNvSpPr>
+            <a:spLocks noGrp="1"/>
+          </p:cNvSpPr>
+          <p:nvPr>
+            <p:ph type="title"/>
+          </p:nvPr>
+        </p:nvSpPr>
+        <p:spPr>
+          <a:xfrm>
+            <a:off x="0" y="0"/>
+            <a:ext cx="9144000" cy="884238"/>
+          </a:xfrm>
+          <a:ln w="3175">
+            <a:solidFill>
+              <a:schemeClr val="tx1"/>
+            </a:solidFill>
+          </a:ln>
+        </p:spPr>
+        <p:txBody>
+          <a:bodyPr>
+            <a:noAutofit/>
+          </a:bodyPr>
+          <a:lstStyle/>
+          <a:p>
+            <a:pPr algn="ctr"/>
+            <a:r>
+              <a:rPr lang="en-US" sz="3600" dirty="0">
+                <a:ln w="3175">
+                  <a:solidFill>
+                    <a:schemeClr val="accent6">
+                      <a:lumMod val="75000"/>
+                    </a:schemeClr>
+                  </a:solidFill>
+                </a:ln>
+                <a:solidFill>
+                  <a:schemeClr val="accent6">
+                    <a:lumMod val="75000"/>
+                  </a:schemeClr>
+                </a:solidFill>
+                <a:latin typeface="Arial" panose="020B0604020202020204" pitchFamily="34" charset="0"/>
+                <a:cs typeface="Arial" panose="020B0604020202020204" pitchFamily="34" charset="0"/>
+              </a:rPr>
+              <a:t>NỘI DUNG</a:t>
+            </a:r>
+          </a:p>
+        </p:txBody>
+      </p:sp>
+      <p:sp>
+        <p:nvSpPr>
+          <p:cNvPr id="3" name="Date Placeholder 2"/>
+          <p:cNvSpPr>
+            <a:spLocks noGrp="1"/>
+          </p:cNvSpPr>
+          <p:nvPr>
+            <p:ph type="dt" sz="half" idx="10"/>
+          </p:nvPr>
+        </p:nvSpPr>
+        <p:spPr/>
+        <p:txBody>
+          <a:bodyPr/>
+          <a:lstStyle/>
+          <a:p>
+            <a:r>
+              <a:rPr lang="en-US"/>
+              <a:t>10/13/2017</a:t>
+            </a:r>
+          </a:p>
+        </p:txBody>
+      </p:sp>
+      <p:sp>
+        <p:nvSpPr>
+          <p:cNvPr id="4" name="Footer Placeholder 3"/>
+          <p:cNvSpPr>
+            <a:spLocks noGrp="1"/>
+          </p:cNvSpPr>
+          <p:nvPr>
+            <p:ph type="ftr" sz="quarter" idx="11"/>
+          </p:nvPr>
+        </p:nvSpPr>
+        <p:spPr/>
+        <p:txBody>
+          <a:bodyPr/>
+          <a:lstStyle/>
+          <a:p>
+            <a:endParaRPr lang="en-US"/>
+          </a:p>
+        </p:txBody>
+      </p:sp>
+      <p:sp>
+        <p:nvSpPr>
+          <p:cNvPr id="5" name="Slide Number Placeholder 4"/>
+          <p:cNvSpPr>
+            <a:spLocks noGrp="1"/>
+          </p:cNvSpPr>
+          <p:nvPr>
+            <p:ph type="sldNum" sz="quarter" idx="12"/>
+          </p:nvPr>
+        </p:nvSpPr>
+        <p:spPr/>
+        <p:txBody>
+          <a:bodyPr/>
+          <a:lstStyle/>
+          <a:p>
+            <a:fld id="{FF387971-9C3B-49A6-8D58-3AFB2456A1FB}" type="slidenum">
+              <a:rPr lang="en-US" smtClean="0"/>
+              <a:t>2</a:t>
+            </a:fld>
+            <a:endParaRPr lang="en-US"/>
+          </a:p>
+        </p:txBody>
+      </p:sp>
+      <p:sp>
+        <p:nvSpPr>
+          <p:cNvPr id="6" name="Title 1"/>
+          <p:cNvSpPr txBox="1">
+            <a:spLocks/>
+          </p:cNvSpPr>
+          <p:nvPr/>
+        </p:nvSpPr>
+        <p:spPr>
+          <a:xfrm>
+            <a:off x="609600" y="1066800"/>
+            <a:ext cx="7924800" cy="4876800"/>
+          </a:xfrm>
+          <a:prstGeom prst="rect">
+            <a:avLst/>
+          </a:prstGeom>
+        </p:spPr>
+        <p:txBody>
+          <a:bodyPr vert="horz" lIns="91440" tIns="45720" rIns="91440" bIns="45720" rtlCol="0" anchor="ctr">
+            <a:noAutofit/>
+          </a:bodyPr>
+          <a:lstStyle>
+            <a:lvl1pPr algn="l" defTabSz="914400" rtl="0" eaLnBrk="1" latinLnBrk="0" hangingPunct="1">
+              <a:spcBef>
+                <a:spcPct val="0"/>
+              </a:spcBef>
+              <a:buNone/>
+              <a:defRPr sz="4400" kern="1200">
+                <a:solidFill>
+                  <a:schemeClr val="bg1"/>
+                </a:solidFill>
+                <a:latin typeface="Segoe UI Semilight" pitchFamily="34" charset="0"/>
+                <a:ea typeface="+mj-ea"/>
+                <a:cs typeface="Segoe UI Semilight" pitchFamily="34" charset="0"/>
+              </a:defRPr>
+            </a:lvl1pPr>
+          </a:lstStyle>
+          <a:p>
+            <a:pPr marL="457200" indent="-457200">
+              <a:spcBef>
+                <a:spcPts val="1200"/>
+              </a:spcBef>
+              <a:buAutoNum type="arabicPeriod"/>
+            </a:pPr>
+            <a:r>
+              <a:rPr lang="en-US" sz="2400" dirty="0" smtClean="0">
+                <a:solidFill>
+                  <a:schemeClr val="tx1"/>
+                </a:solidFill>
+                <a:latin typeface="Arial" panose="020B0604020202020204" pitchFamily="34" charset="0"/>
+                <a:cs typeface="Arial" panose="020B0604020202020204" pitchFamily="34" charset="0"/>
+              </a:rPr>
+              <a:t>Tóm lược nội dung báo cáo đợt 1</a:t>
+            </a:r>
+            <a:endParaRPr lang="en-US" sz="2400" dirty="0">
+              <a:solidFill>
+                <a:schemeClr val="tx1"/>
+              </a:solidFill>
+              <a:latin typeface="Arial" panose="020B0604020202020204" pitchFamily="34" charset="0"/>
+              <a:cs typeface="Arial" panose="020B0604020202020204" pitchFamily="34" charset="0"/>
+            </a:endParaRPr>
+          </a:p>
+          <a:p>
+            <a:pPr marL="457200" indent="-457200">
+              <a:spcBef>
+                <a:spcPts val="1200"/>
+              </a:spcBef>
+              <a:buAutoNum type="arabicPeriod"/>
+            </a:pPr>
+            <a:r>
+              <a:rPr lang="en-US" sz="2400" dirty="0" smtClean="0">
+                <a:solidFill>
+                  <a:schemeClr val="tx1"/>
+                </a:solidFill>
+                <a:latin typeface="Arial" panose="020B0604020202020204" pitchFamily="34" charset="0"/>
+                <a:cs typeface="Arial" panose="020B0604020202020204" pitchFamily="34" charset="0"/>
+              </a:rPr>
+              <a:t>Phương pháp xây dựng chương trình.</a:t>
+            </a:r>
+            <a:endParaRPr lang="en-US" sz="2400" dirty="0">
+              <a:solidFill>
+                <a:schemeClr val="tx1"/>
+              </a:solidFill>
+              <a:latin typeface="Arial" panose="020B0604020202020204" pitchFamily="34" charset="0"/>
+              <a:cs typeface="Arial" panose="020B0604020202020204" pitchFamily="34" charset="0"/>
+            </a:endParaRPr>
+          </a:p>
+          <a:p>
+            <a:pPr marL="457200" indent="-457200">
+              <a:spcBef>
+                <a:spcPts val="1200"/>
+              </a:spcBef>
+              <a:buAutoNum type="arabicPeriod"/>
+            </a:pPr>
+            <a:r>
+              <a:rPr lang="en-US" sz="2400" dirty="0">
+                <a:solidFill>
+                  <a:schemeClr val="tx1"/>
+                </a:solidFill>
+                <a:latin typeface="Arial" panose="020B0604020202020204" pitchFamily="34" charset="0"/>
+                <a:cs typeface="Arial" panose="020B0604020202020204" pitchFamily="34" charset="0"/>
+              </a:rPr>
+              <a:t>Tổng quan đề tài:</a:t>
+            </a:r>
+          </a:p>
+          <a:p>
+            <a:pPr marL="914400" lvl="0" indent="-457200">
+              <a:spcBef>
+                <a:spcPts val="1200"/>
+              </a:spcBef>
+              <a:buFont typeface="Arial" panose="020B0604020202020204" pitchFamily="34" charset="0"/>
+              <a:buChar char="•"/>
+            </a:pPr>
+            <a:r>
+              <a:rPr lang="en-US" sz="2400" dirty="0">
+                <a:solidFill>
+                  <a:schemeClr val="tx1"/>
+                </a:solidFill>
+                <a:latin typeface="Arial" panose="020B0604020202020204" pitchFamily="34" charset="0"/>
+                <a:cs typeface="Arial" panose="020B0604020202020204" pitchFamily="34" charset="0"/>
+              </a:rPr>
+              <a:t>Đặc trưng về dân tộc K’Ho.</a:t>
+            </a:r>
+          </a:p>
+          <a:p>
+            <a:pPr marL="914400" lvl="0" indent="-457200">
+              <a:spcBef>
+                <a:spcPts val="1200"/>
+              </a:spcBef>
+              <a:buFont typeface="Arial" panose="020B0604020202020204" pitchFamily="34" charset="0"/>
+              <a:buChar char="•"/>
+            </a:pPr>
+            <a:r>
+              <a:rPr lang="en-US" sz="2400" dirty="0">
+                <a:solidFill>
+                  <a:schemeClr val="tx1"/>
+                </a:solidFill>
+                <a:latin typeface="Arial" panose="020B0604020202020204" pitchFamily="34" charset="0"/>
+                <a:cs typeface="Arial" panose="020B0604020202020204" pitchFamily="34" charset="0"/>
+              </a:rPr>
+              <a:t>Đặc trưng về ngôn ngữ K’Ho.</a:t>
+            </a:r>
+          </a:p>
+          <a:p>
+            <a:pPr marL="914400" lvl="0" indent="-457200">
+              <a:spcBef>
+                <a:spcPts val="1200"/>
+              </a:spcBef>
+              <a:buFont typeface="Arial" panose="020B0604020202020204" pitchFamily="34" charset="0"/>
+              <a:buChar char="•"/>
+            </a:pPr>
+            <a:r>
+              <a:rPr lang="en-US" sz="2400" dirty="0">
+                <a:solidFill>
+                  <a:schemeClr val="tx1"/>
+                </a:solidFill>
+                <a:latin typeface="Arial" panose="020B0604020202020204" pitchFamily="34" charset="0"/>
+                <a:cs typeface="Arial" panose="020B0604020202020204" pitchFamily="34" charset="0"/>
+              </a:rPr>
+              <a:t>Tổng quan về các ứng dụng học ngôn ngữ.</a:t>
+            </a:r>
+          </a:p>
+          <a:p>
+            <a:pPr lvl="0">
+              <a:spcBef>
+                <a:spcPts val="1200"/>
+              </a:spcBef>
+              <a:tabLst>
+                <a:tab pos="463550" algn="l"/>
+              </a:tabLst>
+            </a:pPr>
+            <a:r>
+              <a:rPr lang="en-US" sz="2400" dirty="0">
+                <a:solidFill>
+                  <a:schemeClr val="tx1"/>
+                </a:solidFill>
+                <a:latin typeface="Arial" panose="020B0604020202020204" pitchFamily="34" charset="0"/>
+                <a:cs typeface="Arial" panose="020B0604020202020204" pitchFamily="34" charset="0"/>
+              </a:rPr>
+              <a:t>4.	Đề xuất phương án xây dựng, các công </a:t>
+            </a:r>
+            <a:r>
+              <a:rPr lang="en-US" sz="2400" dirty="0" smtClean="0">
+                <a:solidFill>
+                  <a:schemeClr val="tx1"/>
+                </a:solidFill>
+                <a:latin typeface="Arial" panose="020B0604020202020204" pitchFamily="34" charset="0"/>
+                <a:cs typeface="Arial" panose="020B0604020202020204" pitchFamily="34" charset="0"/>
+              </a:rPr>
+              <a:t>cụ </a:t>
+            </a:r>
+            <a:r>
+              <a:rPr lang="en-US" sz="2400" dirty="0">
+                <a:solidFill>
+                  <a:schemeClr val="tx1"/>
+                </a:solidFill>
+                <a:latin typeface="Arial" panose="020B0604020202020204" pitchFamily="34" charset="0"/>
+                <a:cs typeface="Arial" panose="020B0604020202020204" pitchFamily="34" charset="0"/>
+              </a:rPr>
+              <a:t>xây dựng ứng dụng.</a:t>
+            </a:r>
+          </a:p>
+          <a:p>
+            <a:pPr marL="457200" indent="-457200">
+              <a:spcBef>
+                <a:spcPts val="1200"/>
+              </a:spcBef>
+              <a:buAutoNum type="arabicPeriod" startAt="5"/>
+              <a:tabLst>
+                <a:tab pos="463550" algn="l"/>
+              </a:tabLst>
+            </a:pPr>
+            <a:r>
+              <a:rPr lang="en-US" sz="2400" dirty="0">
+                <a:solidFill>
+                  <a:schemeClr val="tx1"/>
+                </a:solidFill>
+                <a:latin typeface="Arial" panose="020B0604020202020204" pitchFamily="34" charset="0"/>
+                <a:cs typeface="Arial" panose="020B0604020202020204" pitchFamily="34" charset="0"/>
+              </a:rPr>
+              <a:t>Giao diện ứng dụng.</a:t>
+            </a:r>
+          </a:p>
+          <a:p>
+            <a:pPr marL="457200" indent="-457200">
+              <a:spcBef>
+                <a:spcPts val="1200"/>
+              </a:spcBef>
+              <a:buAutoNum type="arabicPeriod" startAt="5"/>
+              <a:tabLst>
+                <a:tab pos="463550" algn="l"/>
+              </a:tabLst>
+            </a:pPr>
+            <a:r>
+              <a:rPr lang="en-US" sz="2400" dirty="0">
+                <a:solidFill>
+                  <a:schemeClr val="tx1"/>
+                </a:solidFill>
+                <a:latin typeface="Arial" panose="020B0604020202020204" pitchFamily="34" charset="0"/>
+                <a:cs typeface="Arial" panose="020B0604020202020204" pitchFamily="34" charset="0"/>
+              </a:rPr>
+              <a:t>Kế hoạch thực hiện đồ án trong thời gian tới.</a:t>
+            </a:r>
+          </a:p>
+        </p:txBody>
+      </p:sp>
+      <p:sp>
+        <p:nvSpPr>
+          <p:cNvPr id="7" name="Title 1"/>
+          <p:cNvSpPr txBox="1">
+            <a:spLocks/>
+          </p:cNvSpPr>
+          <p:nvPr/>
+        </p:nvSpPr>
+        <p:spPr>
+          <a:xfrm>
+            <a:off x="523461" y="1066800"/>
+            <a:ext cx="7924800" cy="487362"/>
+          </a:xfrm>
+          <a:prstGeom prst="rect">
+            <a:avLst/>
+          </a:prstGeom>
+        </p:spPr>
+        <p:txBody>
+          <a:bodyPr vert="horz" lIns="91440" tIns="45720" rIns="91440" bIns="45720" rtlCol="0" anchor="ctr">
+            <a:normAutofit fontScale="97500"/>
+          </a:bodyPr>
+          <a:lstStyle>
+            <a:lvl1pPr algn="l" defTabSz="914400" rtl="0" eaLnBrk="1" latinLnBrk="0" hangingPunct="1">
+              <a:spcBef>
+                <a:spcPct val="0"/>
+              </a:spcBef>
+              <a:buNone/>
+              <a:defRPr sz="4400" kern="1200">
+                <a:solidFill>
+                  <a:schemeClr val="bg1"/>
+                </a:solidFill>
+                <a:latin typeface="Segoe UI Semilight" pitchFamily="34" charset="0"/>
+                <a:ea typeface="+mj-ea"/>
+                <a:cs typeface="Segoe UI Semilight" pitchFamily="34" charset="0"/>
+              </a:defRPr>
+            </a:lvl1pPr>
+          </a:lstStyle>
+          <a:p>
+            <a:pPr algn="ctr"/>
+            <a:endParaRPr lang="en-US" sz="2600" dirty="0">
+              <a:solidFill>
+                <a:schemeClr val="tx1"/>
+              </a:solidFill>
+              <a:latin typeface="Times New Roman" panose="02020603050405020304" pitchFamily="18" charset="0"/>
+              <a:cs typeface="Times New Roman" panose="02020603050405020304" pitchFamily="18" charset="0"/>
+            </a:endParaRPr>
+          </a:p>
+        </p:txBody>
+      </p:sp>
+    </p:spTree>
+    <p:extLst>
+      <p:ext uri="{BB962C8B-B14F-4D97-AF65-F5344CB8AC3E}">
+        <p14:creationId xmlns:p14="http://schemas.microsoft.com/office/powerpoint/2010/main" val="2637767275"/>
       </p:ext>
     </p:extLst>
   </p:cSld>
@@ -9866,134 +6703,14 @@
               <a:buChar char="Ø"/>
             </a:pPr>
             <a:r>
-              <a:rPr lang="en-US" sz="2400" dirty="0">
+              <a:rPr lang="en-US" sz="2400" dirty="0" smtClean="0">
                 <a:solidFill>
                   <a:schemeClr val="tx1"/>
                 </a:solidFill>
                 <a:latin typeface="Arial" panose="020B0604020202020204" pitchFamily="34" charset="0"/>
                 <a:cs typeface="Arial" panose="020B0604020202020204" pitchFamily="34" charset="0"/>
               </a:rPr>
-              <a:t>Dân tộc </a:t>
-            </a:r>
-            <a:r>
-              <a:rPr lang="en-US" sz="2400" b="1" dirty="0">
-                <a:solidFill>
-                  <a:schemeClr val="tx1"/>
-                </a:solidFill>
-                <a:latin typeface="Arial" panose="020B0604020202020204" pitchFamily="34" charset="0"/>
-                <a:cs typeface="Arial" panose="020B0604020202020204" pitchFamily="34" charset="0"/>
-              </a:rPr>
-              <a:t>K’Ho</a:t>
-            </a:r>
-            <a:r>
-              <a:rPr lang="en-US" sz="2400" dirty="0">
-                <a:solidFill>
-                  <a:schemeClr val="tx1"/>
-                </a:solidFill>
-                <a:latin typeface="Arial" panose="020B0604020202020204" pitchFamily="34" charset="0"/>
-                <a:cs typeface="Arial" panose="020B0604020202020204" pitchFamily="34" charset="0"/>
-              </a:rPr>
-              <a:t>, còn gọi là </a:t>
-            </a:r>
-            <a:r>
-              <a:rPr lang="en-US" sz="2400" b="1" dirty="0">
-                <a:solidFill>
-                  <a:schemeClr val="tx1"/>
-                </a:solidFill>
-                <a:latin typeface="Arial" panose="020B0604020202020204" pitchFamily="34" charset="0"/>
-                <a:cs typeface="Arial" panose="020B0604020202020204" pitchFamily="34" charset="0"/>
-              </a:rPr>
-              <a:t>Cờ Ho</a:t>
-            </a:r>
-            <a:r>
-              <a:rPr lang="en-US" sz="2400" dirty="0">
-                <a:solidFill>
-                  <a:schemeClr val="tx1"/>
-                </a:solidFill>
-                <a:latin typeface="Arial" panose="020B0604020202020204" pitchFamily="34" charset="0"/>
-                <a:cs typeface="Arial" panose="020B0604020202020204" pitchFamily="34" charset="0"/>
-              </a:rPr>
-              <a:t>, </a:t>
-            </a:r>
-            <a:r>
-              <a:rPr lang="en-US" sz="2400" b="1" dirty="0">
-                <a:solidFill>
-                  <a:schemeClr val="tx1"/>
-                </a:solidFill>
-                <a:latin typeface="Arial" panose="020B0604020202020204" pitchFamily="34" charset="0"/>
-                <a:cs typeface="Arial" panose="020B0604020202020204" pitchFamily="34" charset="0"/>
-              </a:rPr>
-              <a:t>Kơ </a:t>
-            </a:r>
-            <a:r>
-              <a:rPr lang="en-US" sz="2400" b="1" dirty="0" smtClean="0">
-                <a:solidFill>
-                  <a:schemeClr val="tx1"/>
-                </a:solidFill>
-                <a:latin typeface="Arial" panose="020B0604020202020204" pitchFamily="34" charset="0"/>
-                <a:cs typeface="Arial" panose="020B0604020202020204" pitchFamily="34" charset="0"/>
-              </a:rPr>
-              <a:t>Ho</a:t>
-            </a:r>
-            <a:r>
-              <a:rPr lang="en-US" sz="2400" dirty="0" smtClean="0">
-                <a:solidFill>
-                  <a:schemeClr val="tx1"/>
-                </a:solidFill>
-                <a:latin typeface="Arial" panose="020B0604020202020204" pitchFamily="34" charset="0"/>
-                <a:cs typeface="Arial" panose="020B0604020202020204" pitchFamily="34" charset="0"/>
-              </a:rPr>
-              <a:t>, hoặc</a:t>
-            </a:r>
-            <a:r>
-              <a:rPr lang="en-US" sz="2400" dirty="0">
-                <a:solidFill>
-                  <a:schemeClr val="tx1"/>
-                </a:solidFill>
-                <a:latin typeface="Arial" panose="020B0604020202020204" pitchFamily="34" charset="0"/>
-                <a:cs typeface="Arial" panose="020B0604020202020204" pitchFamily="34" charset="0"/>
-              </a:rPr>
-              <a:t> </a:t>
-            </a:r>
-            <a:r>
-              <a:rPr lang="en-US" sz="2400" b="1" dirty="0">
-                <a:solidFill>
-                  <a:schemeClr val="tx1"/>
-                </a:solidFill>
-                <a:latin typeface="Arial" panose="020B0604020202020204" pitchFamily="34" charset="0"/>
-                <a:cs typeface="Arial" panose="020B0604020202020204" pitchFamily="34" charset="0"/>
-              </a:rPr>
-              <a:t>Kơho</a:t>
-            </a:r>
-            <a:r>
-              <a:rPr lang="en-US" sz="2400" dirty="0">
-                <a:solidFill>
-                  <a:schemeClr val="tx1"/>
-                </a:solidFill>
-                <a:latin typeface="Arial" panose="020B0604020202020204" pitchFamily="34" charset="0"/>
-                <a:cs typeface="Arial" panose="020B0604020202020204" pitchFamily="34" charset="0"/>
-              </a:rPr>
-              <a:t>. </a:t>
-            </a:r>
-            <a:r>
-              <a:rPr lang="en-US" sz="2400" b="1" dirty="0">
-                <a:solidFill>
-                  <a:schemeClr val="tx1"/>
-                </a:solidFill>
-                <a:latin typeface="Arial" panose="020B0604020202020204" pitchFamily="34" charset="0"/>
-                <a:cs typeface="Arial" panose="020B0604020202020204" pitchFamily="34" charset="0"/>
-              </a:rPr>
-              <a:t>K'Ho</a:t>
-            </a:r>
-            <a:r>
-              <a:rPr lang="en-US" sz="2400" dirty="0">
-                <a:solidFill>
-                  <a:schemeClr val="tx1"/>
-                </a:solidFill>
-                <a:latin typeface="Arial" panose="020B0604020202020204" pitchFamily="34" charset="0"/>
-                <a:cs typeface="Arial" panose="020B0604020202020204" pitchFamily="34" charset="0"/>
-              </a:rPr>
-              <a:t> theo chính tả tiếng Cơ Ho.</a:t>
+              <a:t>Giới thiệu đề tài</a:t>
             </a:r>
           </a:p>
           <a:p>
@@ -10008,34 +6725,14 @@
               <a:buChar char="Ø"/>
             </a:pPr>
             <a:r>
-              <a:rPr lang="en-US" sz="2400" dirty="0">
+              <a:rPr lang="en-US" sz="2400" dirty="0" smtClean="0">
                 <a:solidFill>
                   <a:schemeClr val="tx1"/>
                 </a:solidFill>
                 <a:latin typeface="Arial" panose="020B0604020202020204" pitchFamily="34" charset="0"/>
                 <a:cs typeface="Arial" panose="020B0604020202020204" pitchFamily="34" charset="0"/>
               </a:rPr>
-              <a:t>Dân tộc K’Ho</a:t>
-            </a:r>
-            <a:r>
-              <a:rPr lang="en-US" sz="2400" b="1" dirty="0">
-                <a:solidFill>
-                  <a:schemeClr val="tx1"/>
-                </a:solidFill>
-                <a:latin typeface="Arial" panose="020B0604020202020204" pitchFamily="34" charset="0"/>
-                <a:cs typeface="Arial" panose="020B0604020202020204" pitchFamily="34" charset="0"/>
-              </a:rPr>
-              <a:t> </a:t>
-            </a:r>
-            <a:r>
-              <a:rPr lang="en-US" sz="2400" dirty="0">
-                <a:solidFill>
-                  <a:schemeClr val="tx1"/>
-                </a:solidFill>
-                <a:latin typeface="Arial" panose="020B0604020202020204" pitchFamily="34" charset="0"/>
-                <a:cs typeface="Arial" panose="020B0604020202020204" pitchFamily="34" charset="0"/>
-              </a:rPr>
-              <a:t>là một dân tộc trong số 54 dân tộc tại Việt Nam, là một trong những cư dân bản địa tỉnh Lâm Đồng.</a:t>
+              <a:t>Mục tiêu đề tài</a:t>
             </a:r>
           </a:p>
           <a:p>
@@ -10050,15 +6747,66 @@
               <a:buChar char="Ø"/>
             </a:pPr>
             <a:r>
-              <a:rPr lang="en-US" sz="2400" dirty="0">
+              <a:rPr lang="en-US" sz="2400" dirty="0" smtClean="0">
                 <a:solidFill>
                   <a:schemeClr val="tx1"/>
                 </a:solidFill>
                 <a:latin typeface="Arial" panose="020B0604020202020204" pitchFamily="34" charset="0"/>
                 <a:cs typeface="Arial" panose="020B0604020202020204" pitchFamily="34" charset="0"/>
               </a:rPr>
-              <a:t>Hiện nay, việc giao tiếp với người K’Ho còn hạn chế, việc áp dụng khoa học công nghệ vào nghiên cứu ngôn ngữ của đồng bào thiểu số cũng như việc dạy và học ngôn ngữ các dân tộc thiểu số nói chung và dân tộc K’Ho nói riêng chưa được phổ biến.</a:t>
-            </a:r>
+              <a:t>Tổng quan đề tài</a:t>
+            </a:r>
+          </a:p>
+          <a:p>
+            <a:pPr marL="342900" indent="-342900" algn="just">
+              <a:spcBef>
+                <a:spcPts val="1200"/>
+              </a:spcBef>
+              <a:buClr>
+                <a:schemeClr val="tx1"/>
+              </a:buClr>
+              <a:buFont typeface="Wingdings" panose="05000000000000000000" pitchFamily="2" charset="2"/>
+              <a:buChar char="Ø"/>
+            </a:pPr>
+            <a:r>
+              <a:rPr lang="en-US" sz="2400" dirty="0" smtClean="0">
+                <a:solidFill>
+                  <a:schemeClr val="tx1"/>
+                </a:solidFill>
+                <a:latin typeface="Arial" panose="020B0604020202020204" pitchFamily="34" charset="0"/>
+                <a:cs typeface="Arial" panose="020B0604020202020204" pitchFamily="34" charset="0"/>
+              </a:rPr>
+              <a:t>Đề xuất phương án xây dựng, các công cụ xây dựng ứng dụng</a:t>
+            </a:r>
+          </a:p>
+          <a:p>
+            <a:pPr marL="342900" indent="-342900" algn="just">
+              <a:spcBef>
+                <a:spcPts val="1200"/>
+              </a:spcBef>
+              <a:buClr>
+                <a:schemeClr val="tx1"/>
+              </a:buClr>
+              <a:buFont typeface="Wingdings" panose="05000000000000000000" pitchFamily="2" charset="2"/>
+              <a:buChar char="Ø"/>
+            </a:pPr>
+            <a:r>
+              <a:rPr lang="en-US" sz="2400" dirty="0" smtClean="0">
+                <a:solidFill>
+                  <a:schemeClr val="tx1"/>
+                </a:solidFill>
+                <a:latin typeface="Arial" panose="020B0604020202020204" pitchFamily="34" charset="0"/>
+                <a:cs typeface="Arial" panose="020B0604020202020204" pitchFamily="34" charset="0"/>
+              </a:rPr>
+              <a:t>Giao diện ứng dụng</a:t>
+            </a:r>
+            <a:endParaRPr lang="en-US" sz="2400" dirty="0">
+              <a:solidFill>
+                <a:schemeClr val="tx1"/>
+              </a:solidFill>
+              <a:latin typeface="Arial" panose="020B0604020202020204" pitchFamily="34" charset="0"/>
+              <a:cs typeface="Arial" panose="020B0604020202020204" pitchFamily="34" charset="0"/>
+            </a:endParaRPr>
           </a:p>
         </p:txBody>
       </p:sp>
@@ -10113,7 +6861,7 @@
           <a:p>
             <a:pPr algn="ctr"/>
             <a:r>
-              <a:rPr lang="en-US" sz="3600">
+              <a:rPr lang="en-US" sz="3600" dirty="0">
                 <a:ln w="3175">
                   <a:solidFill>
                     <a:schemeClr val="accent6">
@@ -10129,7 +6877,26 @@
                 <a:latin typeface="Arial" panose="020B0604020202020204" pitchFamily="34" charset="0"/>
                 <a:cs typeface="Arial" panose="020B0604020202020204" pitchFamily="34" charset="0"/>
               </a:rPr>
-              <a:t>1. Giới thiệu đề tài</a:t>
+              <a:t>1. </a:t>
+            </a:r>
+            <a:r>
+              <a:rPr lang="en-US" sz="3600" dirty="0" smtClean="0">
+                <a:ln w="3175">
+                  <a:solidFill>
+                    <a:schemeClr val="accent6">
+                      <a:lumMod val="75000"/>
+                    </a:schemeClr>
+                  </a:solidFill>
+                </a:ln>
+                <a:solidFill>
+                  <a:schemeClr val="accent6">
+                    <a:lumMod val="75000"/>
+                  </a:schemeClr>
+                </a:solidFill>
+                <a:latin typeface="Arial" panose="020B0604020202020204" pitchFamily="34" charset="0"/>
+                <a:cs typeface="Arial" panose="020B0604020202020204" pitchFamily="34" charset="0"/>
+              </a:rPr>
+              <a:t>Tóm lược nội dung báo cáo đợt 1</a:t>
             </a:r>
             <a:endParaRPr lang="en-US" sz="3600" dirty="0">
               <a:ln w="3175">
@@ -10253,156 +7020,259 @@
       </p:sp>
       <p:sp>
         <p:nvSpPr>
-          <p:cNvPr id="8" name="TextBox 7"/>
-          <p:cNvSpPr txBox="1"/>
+          <p:cNvPr id="6" name="Title 1"/>
+          <p:cNvSpPr txBox="1">
+            <a:spLocks/>
+          </p:cNvSpPr>
           <p:nvPr/>
         </p:nvSpPr>
         <p:spPr>
           <a:xfrm>
-            <a:off x="437322" y="304800"/>
-            <a:ext cx="8382000" cy="1200329"/>
-          </a:xfrm>
-          <a:prstGeom prst="rect">
-            <a:avLst/>
-          </a:prstGeom>
-          <a:noFill/>
-        </p:spPr>
-        <p:txBody>
-          <a:bodyPr wrap="square" rtlCol="0">
-            <a:spAutoFit/>
-          </a:bodyPr>
-          <a:lstStyle>
-            <a:defPPr>
-              <a:defRPr lang="en-US"/>
-            </a:defPPr>
-            <a:lvl2pPr marL="0" lvl="1">
-              <a:spcBef>
-                <a:spcPts val="1000"/>
-              </a:spcBef>
-              <a:defRPr sz="2000">
-                <a:solidFill>
-                  <a:schemeClr val="tx1">
-                    <a:lumMod val="75000"/>
-                    <a:lumOff val="25000"/>
-                  </a:schemeClr>
-                </a:solidFill>
-                <a:latin typeface="Segoe UI Light" pitchFamily="34" charset="0"/>
-                <a:cs typeface="Segoe UI Light" pitchFamily="34" charset="0"/>
-              </a:defRPr>
-            </a:lvl2pPr>
-          </a:lstStyle>
-          <a:p>
-            <a:pPr>
-              <a:buClr>
-                <a:srgbClr val="00B404"/>
-              </a:buClr>
-            </a:pPr>
-            <a:r>
-              <a:rPr lang="en-US" sz="2400" dirty="0">
-                <a:latin typeface="Arial" panose="020B0604020202020204" pitchFamily="34" charset="0"/>
-                <a:cs typeface="Arial" panose="020B0604020202020204" pitchFamily="34" charset="0"/>
-              </a:rPr>
-              <a:t>Nên việc dạy và học ngôn ngữ này là việc thiết yếu.</a:t>
-            </a:r>
-          </a:p>
-          <a:p>
-            <a:pPr marL="342900" indent="-342900">
-              <a:buFont typeface="Symbol" panose="05050102010706020507" pitchFamily="18" charset="2"/>
-              <a:buChar char="Þ"/>
-            </a:pPr>
-            <a:r>
-              <a:rPr lang="en-US" sz="2400" dirty="0" smtClean="0">
-                <a:latin typeface="Arial" panose="020B0604020202020204" pitchFamily="34" charset="0"/>
-                <a:cs typeface="Arial" panose="020B0604020202020204" pitchFamily="34" charset="0"/>
-              </a:rPr>
-              <a:t>Vì </a:t>
-            </a:r>
-            <a:r>
-              <a:rPr lang="en-US" sz="2400" dirty="0">
-                <a:latin typeface="Arial" panose="020B0604020202020204" pitchFamily="34" charset="0"/>
-                <a:cs typeface="Arial" panose="020B0604020202020204" pitchFamily="34" charset="0"/>
-              </a:rPr>
-              <a:t>vậy nhóm em quyết định chọn đề tài</a:t>
-            </a:r>
-            <a:r>
-              <a:rPr lang="en-US" sz="2400" dirty="0" smtClean="0">
-                <a:latin typeface="Arial" panose="020B0604020202020204" pitchFamily="34" charset="0"/>
-                <a:cs typeface="Arial" panose="020B0604020202020204" pitchFamily="34" charset="0"/>
-              </a:rPr>
-              <a:t>:</a:t>
-            </a:r>
-          </a:p>
-          <a:p>
-            <a:pPr algn="ctr">
-              <a:buClr>
-                <a:srgbClr val="00B404"/>
-              </a:buClr>
-            </a:pPr>
-            <a:r>
-              <a:rPr lang="en-US" sz="2400" dirty="0" smtClean="0">
-                <a:latin typeface="Arial" panose="020B0604020202020204" pitchFamily="34" charset="0"/>
-                <a:cs typeface="Arial" panose="020B0604020202020204" pitchFamily="34" charset="0"/>
-              </a:rPr>
-              <a:t> </a:t>
-            </a:r>
-            <a:r>
-              <a:rPr lang="en-US" sz="2400" dirty="0">
-                <a:latin typeface="Arial" panose="020B0604020202020204" pitchFamily="34" charset="0"/>
-                <a:cs typeface="Arial" panose="020B0604020202020204" pitchFamily="34" charset="0"/>
-              </a:rPr>
-              <a:t>“</a:t>
-            </a:r>
-            <a:r>
-              <a:rPr lang="en-US" sz="2400" b="1" dirty="0">
-                <a:latin typeface="Arial" panose="020B0604020202020204" pitchFamily="34" charset="0"/>
-                <a:cs typeface="Arial" panose="020B0604020202020204" pitchFamily="34" charset="0"/>
-              </a:rPr>
-              <a:t>XÂY DỰNG ỨNG DỤNG HỌC K’HO</a:t>
-            </a:r>
-            <a:r>
-              <a:rPr lang="en-US" sz="2400" dirty="0">
-                <a:latin typeface="Arial" panose="020B0604020202020204" pitchFamily="34" charset="0"/>
-                <a:cs typeface="Arial" panose="020B0604020202020204" pitchFamily="34" charset="0"/>
-              </a:rPr>
-              <a:t>”.</a:t>
-            </a:r>
-          </a:p>
-        </p:txBody>
-      </p:sp>
-      <p:pic>
-        <p:nvPicPr>
-          <p:cNvPr id="9" name="Picture 8"/>
-          <p:cNvPicPr>
-            <a:picLocks noChangeAspect="1"/>
-          </p:cNvPicPr>
-          <p:nvPr/>
-        </p:nvPicPr>
-        <p:blipFill>
-          <a:blip r:embed="rId2" cstate="print">
-            <a:extLst>
-              <a:ext uri="{28A0092B-C50C-407E-A947-70E740481C1C}">
-                <a14:useLocalDpi xmlns:a14="http://schemas.microsoft.com/office/drawing/2010/main" val="0"/>
-              </a:ext>
-            </a:extLst>
-          </a:blip>
-          <a:stretch>
-            <a:fillRect/>
-          </a:stretch>
-        </p:blipFill>
-        <p:spPr>
-          <a:xfrm>
-            <a:off x="437322" y="1505129"/>
-            <a:ext cx="8249478" cy="4603750"/>
+            <a:off x="609600" y="1295400"/>
+            <a:ext cx="8077200" cy="4495800"/>
           </a:xfrm>
           <a:prstGeom prst="rect">
             <a:avLst/>
           </a:prstGeom>
         </p:spPr>
-      </p:pic>
+        <p:txBody>
+          <a:bodyPr vert="horz" lIns="91440" tIns="45720" rIns="91440" bIns="45720" rtlCol="0" anchor="ctr">
+            <a:normAutofit/>
+          </a:bodyPr>
+          <a:lstStyle>
+            <a:lvl1pPr algn="l" defTabSz="914400" rtl="0" eaLnBrk="1" latinLnBrk="0" hangingPunct="1">
+              <a:spcBef>
+                <a:spcPct val="0"/>
+              </a:spcBef>
+              <a:buNone/>
+              <a:defRPr sz="4400" kern="1200">
+                <a:solidFill>
+                  <a:schemeClr val="bg1"/>
+                </a:solidFill>
+                <a:latin typeface="Segoe UI Semilight" pitchFamily="34" charset="0"/>
+                <a:ea typeface="+mj-ea"/>
+                <a:cs typeface="Segoe UI Semilight" pitchFamily="34" charset="0"/>
+              </a:defRPr>
+            </a:lvl1pPr>
+          </a:lstStyle>
+          <a:p>
+            <a:pPr algn="just">
+              <a:spcBef>
+                <a:spcPts val="1200"/>
+              </a:spcBef>
+              <a:buClr>
+                <a:schemeClr val="tx1"/>
+              </a:buClr>
+            </a:pPr>
+            <a:r>
+              <a:rPr lang="en-US" sz="2400" dirty="0" smtClean="0">
+                <a:solidFill>
+                  <a:schemeClr val="tx1"/>
+                </a:solidFill>
+                <a:latin typeface="Arial" panose="020B0604020202020204" pitchFamily="34" charset="0"/>
+                <a:cs typeface="Arial" panose="020B0604020202020204" pitchFamily="34" charset="0"/>
+              </a:rPr>
+              <a:t>Các công cụ sử dụng và môi trường phát triển</a:t>
+            </a:r>
+          </a:p>
+          <a:p>
+            <a:pPr marL="342900" indent="-342900" algn="just">
+              <a:spcBef>
+                <a:spcPts val="1200"/>
+              </a:spcBef>
+              <a:buClr>
+                <a:schemeClr val="tx1"/>
+              </a:buClr>
+              <a:buFont typeface="Wingdings" panose="05000000000000000000" pitchFamily="2" charset="2"/>
+              <a:buChar char="Ø"/>
+            </a:pPr>
+            <a:r>
+              <a:rPr lang="en-US" sz="2400" dirty="0">
+                <a:solidFill>
+                  <a:schemeClr val="tx1"/>
+                </a:solidFill>
+                <a:latin typeface="Arial" panose="020B0604020202020204" pitchFamily="34" charset="0"/>
+                <a:cs typeface="Arial" panose="020B0604020202020204" pitchFamily="34" charset="0"/>
+              </a:rPr>
+              <a:t>Microsoft Visual Studio Professtional </a:t>
+            </a:r>
+            <a:r>
+              <a:rPr lang="en-US" sz="2400" dirty="0" smtClean="0">
+                <a:solidFill>
+                  <a:schemeClr val="tx1"/>
+                </a:solidFill>
+                <a:latin typeface="Arial" panose="020B0604020202020204" pitchFamily="34" charset="0"/>
+                <a:cs typeface="Arial" panose="020B0604020202020204" pitchFamily="34" charset="0"/>
+              </a:rPr>
+              <a:t>2013</a:t>
+            </a:r>
+            <a:endParaRPr lang="en-US" sz="2400" dirty="0">
+              <a:solidFill>
+                <a:schemeClr val="tx1"/>
+              </a:solidFill>
+              <a:latin typeface="Arial" panose="020B0604020202020204" pitchFamily="34" charset="0"/>
+              <a:cs typeface="Arial" panose="020B0604020202020204" pitchFamily="34" charset="0"/>
+            </a:endParaRPr>
+          </a:p>
+          <a:p>
+            <a:pPr marL="342900" indent="-342900" algn="just">
+              <a:spcBef>
+                <a:spcPts val="1200"/>
+              </a:spcBef>
+              <a:buClr>
+                <a:schemeClr val="tx1"/>
+              </a:buClr>
+              <a:buFont typeface="Wingdings" panose="05000000000000000000" pitchFamily="2" charset="2"/>
+              <a:buChar char="Ø"/>
+            </a:pPr>
+            <a:r>
+              <a:rPr lang="en-US" sz="2400" dirty="0">
+                <a:solidFill>
+                  <a:schemeClr val="tx1"/>
+                </a:solidFill>
+                <a:latin typeface="Arial" panose="020B0604020202020204" pitchFamily="34" charset="0"/>
+                <a:cs typeface="Arial" panose="020B0604020202020204" pitchFamily="34" charset="0"/>
+              </a:rPr>
+              <a:t>DevExpress 14.1</a:t>
+            </a:r>
+          </a:p>
+          <a:p>
+            <a:pPr marL="342900" indent="-342900" algn="just">
+              <a:spcBef>
+                <a:spcPts val="1200"/>
+              </a:spcBef>
+              <a:buClr>
+                <a:schemeClr val="tx1"/>
+              </a:buClr>
+              <a:buFont typeface="Wingdings" panose="05000000000000000000" pitchFamily="2" charset="2"/>
+              <a:buChar char="Ø"/>
+            </a:pPr>
+            <a:r>
+              <a:rPr lang="en-US" sz="2400" dirty="0">
+                <a:solidFill>
+                  <a:schemeClr val="tx1"/>
+                </a:solidFill>
+                <a:latin typeface="Arial" panose="020B0604020202020204" pitchFamily="34" charset="0"/>
+                <a:cs typeface="Arial" panose="020B0604020202020204" pitchFamily="34" charset="0"/>
+              </a:rPr>
+              <a:t>SQL Sever Management Studio 2012 </a:t>
+            </a:r>
+            <a:r>
+              <a:rPr lang="en-US" sz="2400" dirty="0" smtClean="0">
+                <a:solidFill>
+                  <a:schemeClr val="tx1"/>
+                </a:solidFill>
+                <a:latin typeface="Arial" panose="020B0604020202020204" pitchFamily="34" charset="0"/>
+                <a:cs typeface="Arial" panose="020B0604020202020204" pitchFamily="34" charset="0"/>
+              </a:rPr>
+              <a:t>Express</a:t>
+            </a:r>
+          </a:p>
+          <a:p>
+            <a:pPr algn="just">
+              <a:spcBef>
+                <a:spcPts val="1200"/>
+              </a:spcBef>
+              <a:buClr>
+                <a:schemeClr val="tx1"/>
+              </a:buClr>
+            </a:pPr>
+            <a:r>
+              <a:rPr lang="en-US" sz="2400" dirty="0" smtClean="0">
+                <a:solidFill>
+                  <a:schemeClr val="tx1"/>
+                </a:solidFill>
+                <a:latin typeface="Arial" panose="020B0604020202020204" pitchFamily="34" charset="0"/>
+                <a:cs typeface="Arial" panose="020B0604020202020204" pitchFamily="34" charset="0"/>
+              </a:rPr>
+              <a:t>Xây dựng ứng dụng</a:t>
+            </a:r>
+            <a:endParaRPr lang="en-US" sz="2400" dirty="0">
+              <a:solidFill>
+                <a:schemeClr val="tx1"/>
+              </a:solidFill>
+              <a:latin typeface="Arial" panose="020B0604020202020204" pitchFamily="34" charset="0"/>
+              <a:cs typeface="Arial" panose="020B0604020202020204" pitchFamily="34" charset="0"/>
+            </a:endParaRPr>
+          </a:p>
+        </p:txBody>
+      </p:sp>
+      <p:sp>
+        <p:nvSpPr>
+          <p:cNvPr id="7" name="Title 1">
+            <a:extLst>
+              <a:ext uri="{FF2B5EF4-FFF2-40B4-BE49-F238E27FC236}">
+                <a16:creationId xmlns="" xmlns:a16="http://schemas.microsoft.com/office/drawing/2014/main" id="{A26F03AE-A5EF-4A37-AD0A-4A124D961228}"/>
+              </a:ext>
+            </a:extLst>
+          </p:cNvPr>
+          <p:cNvSpPr txBox="1">
+            <a:spLocks/>
+          </p:cNvSpPr>
+          <p:nvPr/>
+        </p:nvSpPr>
+        <p:spPr>
+          <a:xfrm>
+            <a:off x="0" y="0"/>
+            <a:ext cx="9144000" cy="884238"/>
+          </a:xfrm>
+          <a:prstGeom prst="rect">
+            <a:avLst/>
+          </a:prstGeom>
+          <a:ln w="3175">
+            <a:solidFill>
+              <a:schemeClr val="tx1"/>
+            </a:solidFill>
+          </a:ln>
+        </p:spPr>
+        <p:txBody>
+          <a:bodyPr vert="horz" lIns="91440" tIns="45720" rIns="91440" bIns="45720" rtlCol="0" anchor="ctr">
+            <a:noAutofit/>
+          </a:bodyPr>
+          <a:lstStyle>
+            <a:lvl1pPr algn="l" defTabSz="914400" rtl="0" eaLnBrk="1" latinLnBrk="0" hangingPunct="1">
+              <a:spcBef>
+                <a:spcPct val="0"/>
+              </a:spcBef>
+              <a:buNone/>
+              <a:defRPr sz="4400" kern="1200">
+                <a:solidFill>
+                  <a:schemeClr val="bg1"/>
+                </a:solidFill>
+                <a:latin typeface="Segoe UI Semilight" pitchFamily="34" charset="0"/>
+                <a:ea typeface="+mj-ea"/>
+                <a:cs typeface="Segoe UI Semilight" pitchFamily="34" charset="0"/>
+              </a:defRPr>
+            </a:lvl1pPr>
+          </a:lstStyle>
+          <a:p>
+            <a:pPr algn="ctr"/>
+            <a:r>
+              <a:rPr lang="en-US" sz="3600" dirty="0">
+                <a:ln w="3175">
+                  <a:solidFill>
+                    <a:schemeClr val="accent6">
+                      <a:lumMod val="75000"/>
+                    </a:schemeClr>
+                  </a:solidFill>
+                </a:ln>
+                <a:solidFill>
+                  <a:schemeClr val="accent6">
+                    <a:lumMod val="75000"/>
+                  </a:schemeClr>
+                </a:solidFill>
+                <a:latin typeface="Arial" panose="020B0604020202020204" pitchFamily="34" charset="0"/>
+                <a:cs typeface="Arial" panose="020B0604020202020204" pitchFamily="34" charset="0"/>
+              </a:rPr>
+              <a:t>2. Phương pháp xây dựng chương trình</a:t>
+            </a:r>
+          </a:p>
+        </p:txBody>
+      </p:sp>
     </p:spTree>
     <p:extLst>
       <p:ext uri="{BB962C8B-B14F-4D97-AF65-F5344CB8AC3E}">
-        <p14:creationId xmlns:p14="http://schemas.microsoft.com/office/powerpoint/2010/main" val="1470590874"/>
+        <p14:creationId xmlns:p14="http://schemas.microsoft.com/office/powerpoint/2010/main" val="631743062"/>
       </p:ext>
     </p:extLst>
   </p:cSld>
@@ -10438,6 +7308,74 @@
       </p:grpSpPr>
       <p:sp>
         <p:nvSpPr>
+          <p:cNvPr id="8" name="Subtitle 7"/>
+          <p:cNvSpPr>
+            <a:spLocks noGrp="1"/>
+          </p:cNvSpPr>
+          <p:nvPr>
+            <p:ph type="subTitle" idx="1"/>
+          </p:nvPr>
+        </p:nvSpPr>
+        <p:spPr>
+          <a:xfrm>
+            <a:off x="609600" y="1600200"/>
+            <a:ext cx="8077200" cy="4038600"/>
+          </a:xfrm>
+        </p:spPr>
+        <p:txBody>
+          <a:bodyPr>
+            <a:normAutofit/>
+          </a:bodyPr>
+          <a:lstStyle/>
+          <a:p>
+            <a:r>
+              <a:rPr lang="en-US" sz="2400" dirty="0" smtClean="0">
+                <a:solidFill>
+                  <a:schemeClr val="tx1"/>
+                </a:solidFill>
+                <a:latin typeface="Arial" panose="020B0604020202020204" pitchFamily="34" charset="0"/>
+                <a:cs typeface="Arial" panose="020B0604020202020204" pitchFamily="34" charset="0"/>
+              </a:rPr>
+              <a:t>Microsoft Visual Studio Professtional 2013</a:t>
+            </a:r>
+          </a:p>
+          <a:p>
+            <a:pPr algn="l"/>
+            <a:endParaRPr lang="en-US" sz="2400" dirty="0" smtClean="0">
+              <a:solidFill>
+                <a:schemeClr val="tx1"/>
+              </a:solidFill>
+              <a:latin typeface="Arial" panose="020B0604020202020204" pitchFamily="34" charset="0"/>
+              <a:cs typeface="Arial" panose="020B0604020202020204" pitchFamily="34" charset="0"/>
+            </a:endParaRPr>
+          </a:p>
+          <a:p>
+            <a:pPr algn="l"/>
+            <a:r>
+              <a:rPr lang="en-US" sz="2400" dirty="0" smtClean="0">
+                <a:solidFill>
+                  <a:schemeClr val="tx1"/>
+                </a:solidFill>
+                <a:latin typeface="Arial" panose="020B0604020202020204" pitchFamily="34" charset="0"/>
+                <a:cs typeface="Arial" panose="020B0604020202020204" pitchFamily="34" charset="0"/>
+              </a:rPr>
+              <a:t>Microsoft Visual Studio là môi trường phát triển tích hợp chính (Integrated Development Environment (IDE)) được phát triển từ Microsoft. Đây là một loại phần mềm máy tính có công dụng giúp đỡ các lập trình viên trong việc phát triển phần mềm.</a:t>
+            </a:r>
+          </a:p>
+          <a:p>
+            <a:pPr algn="l"/>
+            <a:endParaRPr lang="en-US" sz="2400" dirty="0">
+              <a:solidFill>
+                <a:schemeClr val="tx1"/>
+              </a:solidFill>
+              <a:latin typeface="Arial" panose="020B0604020202020204" pitchFamily="34" charset="0"/>
+              <a:cs typeface="Arial" panose="020B0604020202020204" pitchFamily="34" charset="0"/>
+            </a:endParaRPr>
+          </a:p>
+        </p:txBody>
+      </p:sp>
+      <p:sp>
+        <p:nvSpPr>
           <p:cNvPr id="3" name="Date Placeholder 2"/>
           <p:cNvSpPr>
             <a:spLocks noGrp="1"/>
@@ -10510,8 +7448,8 @@
         </p:nvSpPr>
         <p:spPr>
           <a:xfrm>
-            <a:off x="609600" y="1066800"/>
-            <a:ext cx="8077200" cy="5105400"/>
+            <a:off x="609600" y="1295400"/>
+            <a:ext cx="8077200" cy="4495800"/>
           </a:xfrm>
           <a:prstGeom prst="rect">
             <a:avLst/>
@@ -10519,7 +7457,7 @@
         </p:spPr>
         <p:txBody>
           <a:bodyPr vert="horz" lIns="91440" tIns="45720" rIns="91440" bIns="45720" rtlCol="0" anchor="ctr">
-            <a:noAutofit/>
+            <a:normAutofit/>
           </a:bodyPr>
           <a:lstStyle>
             <a:lvl1pPr algn="l" defTabSz="914400" rtl="0" eaLnBrk="1" latinLnBrk="0" hangingPunct="1">
@@ -10538,55 +7476,17 @@
             </a:lvl1pPr>
           </a:lstStyle>
           <a:p>
-            <a:pPr marL="342900" lvl="0" indent="-342900" algn="just">
+            <a:pPr marL="342900" indent="-342900" algn="just">
+              <a:spcBef>
+                <a:spcPts val="1200"/>
+              </a:spcBef>
+              <a:buClr>
+                <a:schemeClr val="tx1"/>
+              </a:buClr>
               <a:buFont typeface="Wingdings" panose="05000000000000000000" pitchFamily="2" charset="2"/>
               <a:buChar char="Ø"/>
             </a:pPr>
-            <a:r>
-              <a:rPr lang="en-US" sz="2300" b="1" dirty="0">
-                <a:solidFill>
-                  <a:schemeClr val="tx1"/>
-                </a:solidFill>
-                <a:latin typeface="Arial" panose="020B0604020202020204" pitchFamily="34" charset="0"/>
-                <a:cs typeface="Arial" panose="020B0604020202020204" pitchFamily="34" charset="0"/>
-              </a:rPr>
-              <a:t>Mục tiêu chung: </a:t>
-            </a:r>
-          </a:p>
-          <a:p>
-            <a:pPr marL="463550" lvl="0" algn="just">
-              <a:buClr>
-                <a:srgbClr val="00B404"/>
-              </a:buClr>
-            </a:pPr>
-            <a:r>
-              <a:rPr lang="en-US" sz="2300" dirty="0">
-                <a:solidFill>
-                  <a:schemeClr val="tx1"/>
-                </a:solidFill>
-                <a:latin typeface="Arial" panose="020B0604020202020204" pitchFamily="34" charset="0"/>
-                <a:cs typeface="Arial" panose="020B0604020202020204" pitchFamily="34" charset="0"/>
-              </a:rPr>
-              <a:t>Đề xuất phương án thực hiện “Ứng dụng học tiếng K'Ho” khả thi, để từ đó tiến hành xây dựng thành công ứng dụng học </a:t>
-            </a:r>
-            <a:r>
-              <a:rPr lang="en-US" sz="2300">
-                <a:solidFill>
-                  <a:schemeClr val="tx1"/>
-                </a:solidFill>
-                <a:latin typeface="Arial" panose="020B0604020202020204" pitchFamily="34" charset="0"/>
-                <a:cs typeface="Arial" panose="020B0604020202020204" pitchFamily="34" charset="0"/>
-              </a:rPr>
-              <a:t>tiếng K’Ho.</a:t>
-            </a:r>
-          </a:p>
-          <a:p>
-            <a:pPr marL="463550" lvl="0" algn="just">
-              <a:buClr>
-                <a:srgbClr val="00B404"/>
-              </a:buClr>
-            </a:pPr>
-            <a:endParaRPr lang="en-US" sz="2300" dirty="0">
+            <a:endParaRPr lang="en-US" sz="2400" dirty="0">
               <a:solidFill>
                 <a:schemeClr val="tx1"/>
               </a:solidFill>
@@ -10594,121 +7494,14 @@
               <a:cs typeface="Arial" panose="020B0604020202020204" pitchFamily="34" charset="0"/>
             </a:endParaRPr>
           </a:p>
-          <a:p>
-            <a:pPr marL="342900" indent="-342900" algn="just">
-              <a:buFont typeface="Wingdings" panose="05000000000000000000" pitchFamily="2" charset="2"/>
-              <a:buChar char="Ø"/>
-            </a:pPr>
-            <a:r>
-              <a:rPr lang="en-US" sz="2300" b="1" dirty="0">
-                <a:solidFill>
-                  <a:schemeClr val="tx1"/>
-                </a:solidFill>
-                <a:latin typeface="Arial" panose="020B0604020202020204" pitchFamily="34" charset="0"/>
-                <a:cs typeface="Arial" panose="020B0604020202020204" pitchFamily="34" charset="0"/>
-              </a:rPr>
-              <a:t>Mục </a:t>
-            </a:r>
-            <a:r>
-              <a:rPr lang="en-US" sz="2300" b="1">
-                <a:solidFill>
-                  <a:schemeClr val="tx1"/>
-                </a:solidFill>
-                <a:latin typeface="Arial" panose="020B0604020202020204" pitchFamily="34" charset="0"/>
-                <a:cs typeface="Arial" panose="020B0604020202020204" pitchFamily="34" charset="0"/>
-              </a:rPr>
-              <a:t>tiêu cụ thể:</a:t>
-            </a:r>
-            <a:endParaRPr lang="en-US" sz="2300" b="1" dirty="0">
-              <a:solidFill>
-                <a:schemeClr val="tx1"/>
-              </a:solidFill>
-              <a:latin typeface="Arial" panose="020B0604020202020204" pitchFamily="34" charset="0"/>
-              <a:cs typeface="Arial" panose="020B0604020202020204" pitchFamily="34" charset="0"/>
-            </a:endParaRPr>
-          </a:p>
-          <a:p>
-            <a:pPr marL="625475" indent="-396875" algn="just">
-              <a:buFont typeface="Wingdings" panose="05000000000000000000" pitchFamily="2" charset="2"/>
-              <a:buChar char="§"/>
-            </a:pPr>
-            <a:r>
-              <a:rPr lang="en-US" sz="2300">
-                <a:solidFill>
-                  <a:schemeClr val="tx1"/>
-                </a:solidFill>
-                <a:latin typeface="Arial" panose="020B0604020202020204" pitchFamily="34" charset="0"/>
-                <a:cs typeface="Arial" panose="020B0604020202020204" pitchFamily="34" charset="0"/>
-              </a:rPr>
-              <a:t>Tìm </a:t>
-            </a:r>
-            <a:r>
-              <a:rPr lang="en-US" sz="2300" dirty="0">
-                <a:solidFill>
-                  <a:schemeClr val="tx1"/>
-                </a:solidFill>
-                <a:latin typeface="Arial" panose="020B0604020202020204" pitchFamily="34" charset="0"/>
-                <a:cs typeface="Arial" panose="020B0604020202020204" pitchFamily="34" charset="0"/>
-              </a:rPr>
-              <a:t>hiểu về mặt ngôn ngữ của tiếng K'Ho, tài liệu dạy tiếng K’Ho.</a:t>
-            </a:r>
-          </a:p>
-          <a:p>
-            <a:pPr marL="625475" indent="-396875" algn="just">
-              <a:buFont typeface="Wingdings" panose="05000000000000000000" pitchFamily="2" charset="2"/>
-              <a:buChar char="§"/>
-            </a:pPr>
-            <a:r>
-              <a:rPr lang="en-US" sz="2300" dirty="0">
-                <a:solidFill>
-                  <a:schemeClr val="tx1"/>
-                </a:solidFill>
-                <a:latin typeface="Arial" panose="020B0604020202020204" pitchFamily="34" charset="0"/>
-                <a:cs typeface="Arial" panose="020B0604020202020204" pitchFamily="34" charset="0"/>
-              </a:rPr>
-              <a:t>Tìm hiểu các ứng dụng về học ngôn ngữ: Giao diện và các chức năng.</a:t>
-            </a:r>
-          </a:p>
-          <a:p>
-            <a:pPr marL="625475" indent="-396875" algn="just">
-              <a:buFont typeface="Wingdings" panose="05000000000000000000" pitchFamily="2" charset="2"/>
-              <a:buChar char="§"/>
-            </a:pPr>
-            <a:r>
-              <a:rPr lang="en-US" sz="2300" dirty="0">
-                <a:solidFill>
-                  <a:schemeClr val="tx1"/>
-                </a:solidFill>
-                <a:latin typeface="Arial" panose="020B0604020202020204" pitchFamily="34" charset="0"/>
-                <a:cs typeface="Arial" panose="020B0604020202020204" pitchFamily="34" charset="0"/>
-              </a:rPr>
-              <a:t>Tìm hiểu tổng quan về phương pháp được áp dụng trong xây dựng ứng dụng về học ngôn ngữ, từ đó đề xuất phương án thực hiện đề tài khả thi và hiệu quả.</a:t>
-            </a:r>
-          </a:p>
-          <a:p>
-            <a:pPr marL="625475" indent="-396875" algn="just">
-              <a:buFont typeface="Wingdings" panose="05000000000000000000" pitchFamily="2" charset="2"/>
-              <a:buChar char="§"/>
-            </a:pPr>
-            <a:r>
-              <a:rPr lang="en-US" sz="2300" dirty="0">
-                <a:solidFill>
-                  <a:schemeClr val="tx1"/>
-                </a:solidFill>
-                <a:latin typeface="Arial" panose="020B0604020202020204" pitchFamily="34" charset="0"/>
-                <a:cs typeface="Arial" panose="020B0604020202020204" pitchFamily="34" charset="0"/>
-              </a:rPr>
-              <a:t>Xây dựng hệ thống học tiếng K’Ho.</a:t>
-            </a:r>
-          </a:p>
-        </p:txBody>
-      </p:sp>
-      <p:sp>
-        <p:nvSpPr>
-          <p:cNvPr id="8" name="Title 1">
+        </p:txBody>
+      </p:sp>
+      <p:sp>
+        <p:nvSpPr>
+          <p:cNvPr id="7" name="Title 1">
             <a:extLst>
               <a:ext uri="{FF2B5EF4-FFF2-40B4-BE49-F238E27FC236}">
-                <a16:creationId xmlns="" xmlns:a16="http://schemas.microsoft.com/office/drawing/2014/main" id="{6678819E-8E04-460E-A82B-ECE3893CFFD4}"/>
+                <a16:creationId xmlns="" xmlns:a16="http://schemas.microsoft.com/office/drawing/2014/main" id="{A26F03AE-A5EF-4A37-AD0A-4A124D961228}"/>
               </a:ext>
             </a:extLst>
           </p:cNvPr>
@@ -10754,7 +7547,7 @@
           <a:p>
             <a:pPr algn="ctr"/>
             <a:r>
-              <a:rPr lang="en-US" sz="3600">
+              <a:rPr lang="en-US" sz="3600" dirty="0">
                 <a:ln w="3175">
                   <a:solidFill>
                     <a:schemeClr val="accent6">
@@ -10770,31 +7563,53 @@
                 <a:latin typeface="Arial" panose="020B0604020202020204" pitchFamily="34" charset="0"/>
                 <a:cs typeface="Arial" panose="020B0604020202020204" pitchFamily="34" charset="0"/>
               </a:rPr>
-              <a:t>2. Mục tiêu đề tài</a:t>
-            </a:r>
-            <a:endParaRPr lang="en-US" sz="3600" dirty="0">
-              <a:ln w="3175">
+              <a:t>2</a:t>
+            </a:r>
+            <a:r>
+              <a:rPr lang="en-US" sz="3600" dirty="0" smtClean="0">
+                <a:ln w="3175">
+                  <a:solidFill>
+                    <a:schemeClr val="accent6">
+                      <a:lumMod val="75000"/>
+                    </a:schemeClr>
+                  </a:solidFill>
+                </a:ln>
                 <a:solidFill>
                   <a:schemeClr val="accent6">
                     <a:lumMod val="75000"/>
                   </a:schemeClr>
                 </a:solidFill>
-              </a:ln>
-              <a:solidFill>
-                <a:schemeClr val="accent6">
-                  <a:lumMod val="75000"/>
-                </a:schemeClr>
-              </a:solidFill>
-              <a:latin typeface="Arial" panose="020B0604020202020204" pitchFamily="34" charset="0"/>
-              <a:cs typeface="Arial" panose="020B0604020202020204" pitchFamily="34" charset="0"/>
-            </a:endParaRPr>
+                <a:latin typeface="Arial" panose="020B0604020202020204" pitchFamily="34" charset="0"/>
+                <a:cs typeface="Arial" panose="020B0604020202020204" pitchFamily="34" charset="0"/>
+              </a:rPr>
+              <a:t>. </a:t>
+            </a:r>
+            <a:r>
+              <a:rPr lang="en-US" sz="3600" dirty="0">
+                <a:ln w="3175">
+                  <a:solidFill>
+                    <a:schemeClr val="accent6">
+                      <a:lumMod val="75000"/>
+                    </a:schemeClr>
+                  </a:solidFill>
+                </a:ln>
+                <a:solidFill>
+                  <a:schemeClr val="accent6">
+                    <a:lumMod val="75000"/>
+                  </a:schemeClr>
+                </a:solidFill>
+                <a:latin typeface="Arial" panose="020B0604020202020204" pitchFamily="34" charset="0"/>
+                <a:cs typeface="Arial" panose="020B0604020202020204" pitchFamily="34" charset="0"/>
+              </a:rPr>
+              <a:t>Phương pháp xây dựng chương trình</a:t>
+            </a:r>
           </a:p>
         </p:txBody>
       </p:sp>
     </p:spTree>
     <p:extLst>
       <p:ext uri="{BB962C8B-B14F-4D97-AF65-F5344CB8AC3E}">
-        <p14:creationId xmlns:p14="http://schemas.microsoft.com/office/powerpoint/2010/main" val="325802879"/>
+        <p14:creationId xmlns:p14="http://schemas.microsoft.com/office/powerpoint/2010/main" val="3971505529"/>
       </p:ext>
     </p:extLst>
   </p:cSld>
@@ -10830,6 +7645,117 @@
       </p:grpSpPr>
       <p:sp>
         <p:nvSpPr>
+          <p:cNvPr id="8" name="Subtitle 7"/>
+          <p:cNvSpPr>
+            <a:spLocks noGrp="1"/>
+          </p:cNvSpPr>
+          <p:nvPr>
+            <p:ph type="subTitle" idx="1"/>
+          </p:nvPr>
+        </p:nvSpPr>
+        <p:spPr>
+          <a:xfrm>
+            <a:off x="609600" y="1449388"/>
+            <a:ext cx="8077200" cy="4189412"/>
+          </a:xfrm>
+        </p:spPr>
+        <p:txBody>
+          <a:bodyPr>
+            <a:normAutofit/>
+          </a:bodyPr>
+          <a:lstStyle/>
+          <a:p>
+            <a:r>
+              <a:rPr lang="en-US" sz="2400" dirty="0">
+                <a:solidFill>
+                  <a:schemeClr val="tx1"/>
+                </a:solidFill>
+                <a:latin typeface="Arial" panose="020B0604020202020204" pitchFamily="34" charset="0"/>
+                <a:cs typeface="Arial" panose="020B0604020202020204" pitchFamily="34" charset="0"/>
+              </a:rPr>
+              <a:t>DevExpress 14.1</a:t>
+            </a:r>
+          </a:p>
+          <a:p>
+            <a:pPr algn="l"/>
+            <a:endParaRPr lang="en-US" sz="2400" dirty="0" smtClean="0">
+              <a:solidFill>
+                <a:schemeClr val="tx1"/>
+              </a:solidFill>
+              <a:latin typeface="Arial" panose="020B0604020202020204" pitchFamily="34" charset="0"/>
+              <a:cs typeface="Arial" panose="020B0604020202020204" pitchFamily="34" charset="0"/>
+            </a:endParaRPr>
+          </a:p>
+          <a:p>
+            <a:pPr algn="l"/>
+            <a:r>
+              <a:rPr lang="en-US" sz="2400" dirty="0" smtClean="0">
+                <a:solidFill>
+                  <a:schemeClr val="tx1"/>
+                </a:solidFill>
+                <a:latin typeface="Arial" panose="020B0604020202020204" pitchFamily="34" charset="0"/>
+                <a:cs typeface="Arial" panose="020B0604020202020204" pitchFamily="34" charset="0"/>
+              </a:rPr>
+              <a:t>DevExpress </a:t>
+            </a:r>
+            <a:r>
+              <a:rPr lang="en-US" sz="2400" dirty="0">
+                <a:solidFill>
+                  <a:schemeClr val="tx1"/>
+                </a:solidFill>
+                <a:latin typeface="Arial" panose="020B0604020202020204" pitchFamily="34" charset="0"/>
+                <a:cs typeface="Arial" panose="020B0604020202020204" pitchFamily="34" charset="0"/>
+              </a:rPr>
+              <a:t>là một hệ thống thư viện lập trình hữu ích cho việc thiết kế, lập trình form một cách </a:t>
+            </a:r>
+            <a:r>
+              <a:rPr lang="en-US" sz="2400" dirty="0" smtClean="0">
+                <a:solidFill>
+                  <a:schemeClr val="tx1"/>
+                </a:solidFill>
+                <a:latin typeface="Arial" panose="020B0604020202020204" pitchFamily="34" charset="0"/>
+                <a:cs typeface="Arial" panose="020B0604020202020204" pitchFamily="34" charset="0"/>
+              </a:rPr>
+              <a:t>đơn </a:t>
+            </a:r>
+            <a:r>
+              <a:rPr lang="en-US" sz="2400" dirty="0">
+                <a:solidFill>
+                  <a:schemeClr val="tx1"/>
+                </a:solidFill>
+                <a:latin typeface="Arial" panose="020B0604020202020204" pitchFamily="34" charset="0"/>
+                <a:cs typeface="Arial" panose="020B0604020202020204" pitchFamily="34" charset="0"/>
+              </a:rPr>
+              <a:t>giản, chuyên </a:t>
+            </a:r>
+            <a:r>
+              <a:rPr lang="en-US" sz="2400" dirty="0" smtClean="0">
+                <a:solidFill>
+                  <a:schemeClr val="tx1"/>
+                </a:solidFill>
+                <a:latin typeface="Arial" panose="020B0604020202020204" pitchFamily="34" charset="0"/>
+                <a:cs typeface="Arial" panose="020B0604020202020204" pitchFamily="34" charset="0"/>
+              </a:rPr>
+              <a:t>nghiệp</a:t>
+            </a:r>
+          </a:p>
+          <a:p>
+            <a:pPr algn="l"/>
+            <a:r>
+              <a:rPr lang="en-US" sz="2400" dirty="0">
+                <a:solidFill>
+                  <a:schemeClr val="tx1"/>
+                </a:solidFill>
+                <a:latin typeface="Arial" panose="020B0604020202020204" pitchFamily="34" charset="0"/>
+                <a:cs typeface="Arial" panose="020B0604020202020204" pitchFamily="34" charset="0"/>
+              </a:rPr>
+              <a:t>Điểm đặc biệt ở DevExpress là nó hỗ trợ nhiều Skin khác nhau, các Skin này rất đẹp và nhìn rất chuyên nghiệp, lập trình viên có thể để người dùng chọn Skin ngay trong khi chạy chương trình</a:t>
+            </a:r>
+          </a:p>
+        </p:txBody>
+      </p:sp>
+      <p:sp>
+        <p:nvSpPr>
           <p:cNvPr id="3" name="Date Placeholder 2"/>
           <p:cNvSpPr>
             <a:spLocks noGrp="1"/>
@@ -10902,8 +7828,8 @@
         </p:nvSpPr>
         <p:spPr>
           <a:xfrm>
-            <a:off x="457200" y="1874838"/>
-            <a:ext cx="8229600" cy="2544762"/>
+            <a:off x="609600" y="1295400"/>
+            <a:ext cx="8077200" cy="4495800"/>
           </a:xfrm>
           <a:prstGeom prst="rect">
             <a:avLst/>
@@ -10911,7 +7837,7 @@
         </p:spPr>
         <p:txBody>
           <a:bodyPr vert="horz" lIns="91440" tIns="45720" rIns="91440" bIns="45720" rtlCol="0" anchor="ctr">
-            <a:noAutofit/>
+            <a:normAutofit/>
           </a:bodyPr>
           <a:lstStyle>
             <a:lvl1pPr algn="l" defTabSz="914400" rtl="0" eaLnBrk="1" latinLnBrk="0" hangingPunct="1">
@@ -10930,91 +7856,23 @@
             </a:lvl1pPr>
           </a:lstStyle>
           <a:p>
-            <a:pPr marL="463550" lvl="0">
-              <a:lnSpc>
-                <a:spcPct val="150000"/>
-              </a:lnSpc>
+            <a:pPr marL="342900" indent="-342900" algn="just">
+              <a:spcBef>
+                <a:spcPts val="1200"/>
+              </a:spcBef>
               <a:buClr>
-                <a:srgbClr val="00B404"/>
+                <a:schemeClr val="tx1"/>
               </a:buClr>
-            </a:pPr>
-            <a:r>
-              <a:rPr lang="en-US" sz="2400">
-                <a:solidFill>
-                  <a:schemeClr val="tx1"/>
-                </a:solidFill>
-                <a:latin typeface="Arial" panose="020B0604020202020204" pitchFamily="34" charset="0"/>
-                <a:cs typeface="Arial" panose="020B0604020202020204" pitchFamily="34" charset="0"/>
-              </a:rPr>
-              <a:t>Khảo sát tài </a:t>
-            </a:r>
-            <a:r>
-              <a:rPr lang="en-US" sz="2400" dirty="0">
-                <a:solidFill>
-                  <a:schemeClr val="tx1"/>
-                </a:solidFill>
-                <a:latin typeface="Arial" panose="020B0604020202020204" pitchFamily="34" charset="0"/>
-                <a:cs typeface="Arial" panose="020B0604020202020204" pitchFamily="34" charset="0"/>
-              </a:rPr>
-              <a:t>liệu dạy tiếng K’Ho:</a:t>
-            </a:r>
-          </a:p>
-          <a:p>
-            <a:pPr marL="795338" indent="-342900">
-              <a:lnSpc>
-                <a:spcPct val="150000"/>
-              </a:lnSpc>
               <a:buFont typeface="Wingdings" panose="05000000000000000000" pitchFamily="2" charset="2"/>
               <a:buChar char="Ø"/>
             </a:pPr>
-            <a:r>
-              <a:rPr lang="en-US" sz="2400" dirty="0">
-                <a:solidFill>
-                  <a:schemeClr val="tx1"/>
-                </a:solidFill>
-                <a:latin typeface="Arial" panose="020B0604020202020204" pitchFamily="34" charset="0"/>
-                <a:cs typeface="Arial" panose="020B0604020202020204" pitchFamily="34" charset="0"/>
-              </a:rPr>
-              <a:t>Trần Sỹ Thứ,  Dân tộc - dân cư Lâm Đồng, Việt Nam, 1999.</a:t>
-            </a:r>
-          </a:p>
-          <a:p>
-            <a:pPr marL="795338" indent="-342900">
-              <a:lnSpc>
-                <a:spcPct val="150000"/>
-              </a:lnSpc>
-              <a:buFont typeface="Wingdings" panose="05000000000000000000" pitchFamily="2" charset="2"/>
-              <a:buChar char="Ø"/>
-            </a:pPr>
-            <a:r>
-              <a:rPr lang="en-US" sz="2400" dirty="0">
-                <a:solidFill>
-                  <a:schemeClr val="tx1"/>
-                </a:solidFill>
-                <a:latin typeface="Arial" panose="020B0604020202020204" pitchFamily="34" charset="0"/>
-                <a:cs typeface="Arial" panose="020B0604020202020204" pitchFamily="34" charset="0"/>
-              </a:rPr>
-              <a:t>Sở Nội vụ - Sở Giáo dục và Đào tạo tỉnh Lâm Đồng, Tài liệu dạy và học tiếng K’Ho, Việt Nam, 2007.</a:t>
-            </a:r>
-          </a:p>
-          <a:p>
-            <a:pPr marL="795338" indent="-342900">
-              <a:lnSpc>
-                <a:spcPct val="150000"/>
-              </a:lnSpc>
-              <a:buFont typeface="Wingdings" panose="05000000000000000000" pitchFamily="2" charset="2"/>
-              <a:buChar char="Ø"/>
-            </a:pPr>
-            <a:r>
-              <a:rPr lang="en-US" sz="2400" dirty="0">
-                <a:solidFill>
-                  <a:schemeClr val="tx1"/>
-                </a:solidFill>
-                <a:latin typeface="Arial" panose="020B0604020202020204" pitchFamily="34" charset="0"/>
-                <a:cs typeface="Arial" panose="020B0604020202020204" pitchFamily="34" charset="0"/>
-              </a:rPr>
-              <a:t>Trần Văn Lệ, Từ điển K’Ho - Việt, Việt Nam, 2012.</a:t>
-            </a:r>
+            <a:endParaRPr lang="en-US" sz="2400" dirty="0">
+              <a:solidFill>
+                <a:schemeClr val="tx1"/>
+              </a:solidFill>
+              <a:latin typeface="Arial" panose="020B0604020202020204" pitchFamily="34" charset="0"/>
+              <a:cs typeface="Arial" panose="020B0604020202020204" pitchFamily="34" charset="0"/>
+            </a:endParaRPr>
           </a:p>
         </p:txBody>
       </p:sp>
@@ -11023,7 +7881,7 @@
           <p:cNvPr id="7" name="Title 1">
             <a:extLst>
               <a:ext uri="{FF2B5EF4-FFF2-40B4-BE49-F238E27FC236}">
-                <a16:creationId xmlns="" xmlns:a16="http://schemas.microsoft.com/office/drawing/2014/main" id="{68CE6783-9C0D-46BA-8D98-4A95830915D5}"/>
+                <a16:creationId xmlns="" xmlns:a16="http://schemas.microsoft.com/office/drawing/2014/main" id="{A26F03AE-A5EF-4A37-AD0A-4A124D961228}"/>
               </a:ext>
             </a:extLst>
           </p:cNvPr>
@@ -11069,7 +7927,7 @@
           <a:p>
             <a:pPr algn="ctr"/>
             <a:r>
-              <a:rPr lang="en-US" sz="3600">
+              <a:rPr lang="en-US" sz="3600" dirty="0">
                 <a:ln w="3175">
                   <a:solidFill>
                     <a:schemeClr val="accent6">
@@ -11085,31 +7943,53 @@
                 <a:latin typeface="Arial" panose="020B0604020202020204" pitchFamily="34" charset="0"/>
                 <a:cs typeface="Arial" panose="020B0604020202020204" pitchFamily="34" charset="0"/>
               </a:rPr>
-              <a:t>3. Tổng quan: Đặc trưng về dân tộc K’Ho</a:t>
-            </a:r>
-            <a:endParaRPr lang="en-US" sz="3600" dirty="0">
-              <a:ln w="3175">
+              <a:t>2</a:t>
+            </a:r>
+            <a:r>
+              <a:rPr lang="en-US" sz="3600" dirty="0" smtClean="0">
+                <a:ln w="3175">
+                  <a:solidFill>
+                    <a:schemeClr val="accent6">
+                      <a:lumMod val="75000"/>
+                    </a:schemeClr>
+                  </a:solidFill>
+                </a:ln>
                 <a:solidFill>
                   <a:schemeClr val="accent6">
                     <a:lumMod val="75000"/>
                   </a:schemeClr>
                 </a:solidFill>
-              </a:ln>
-              <a:solidFill>
-                <a:schemeClr val="accent6">
-                  <a:lumMod val="75000"/>
-                </a:schemeClr>
-              </a:solidFill>
-              <a:latin typeface="Arial" panose="020B0604020202020204" pitchFamily="34" charset="0"/>
-              <a:cs typeface="Arial" panose="020B0604020202020204" pitchFamily="34" charset="0"/>
-            </a:endParaRPr>
+                <a:latin typeface="Arial" panose="020B0604020202020204" pitchFamily="34" charset="0"/>
+                <a:cs typeface="Arial" panose="020B0604020202020204" pitchFamily="34" charset="0"/>
+              </a:rPr>
+              <a:t>. </a:t>
+            </a:r>
+            <a:r>
+              <a:rPr lang="en-US" sz="3600" dirty="0">
+                <a:ln w="3175">
+                  <a:solidFill>
+                    <a:schemeClr val="accent6">
+                      <a:lumMod val="75000"/>
+                    </a:schemeClr>
+                  </a:solidFill>
+                </a:ln>
+                <a:solidFill>
+                  <a:schemeClr val="accent6">
+                    <a:lumMod val="75000"/>
+                  </a:schemeClr>
+                </a:solidFill>
+                <a:latin typeface="Arial" panose="020B0604020202020204" pitchFamily="34" charset="0"/>
+                <a:cs typeface="Arial" panose="020B0604020202020204" pitchFamily="34" charset="0"/>
+              </a:rPr>
+              <a:t>Phương pháp xây dựng chương trình</a:t>
+            </a:r>
           </a:p>
         </p:txBody>
       </p:sp>
     </p:spTree>
     <p:extLst>
       <p:ext uri="{BB962C8B-B14F-4D97-AF65-F5344CB8AC3E}">
-        <p14:creationId xmlns:p14="http://schemas.microsoft.com/office/powerpoint/2010/main" val="1063513486"/>
+        <p14:creationId xmlns:p14="http://schemas.microsoft.com/office/powerpoint/2010/main" val="1093810007"/>
       </p:ext>
     </p:extLst>
   </p:cSld>
@@ -11145,6 +8025,74 @@
       </p:grpSpPr>
       <p:sp>
         <p:nvSpPr>
+          <p:cNvPr id="8" name="Subtitle 7"/>
+          <p:cNvSpPr>
+            <a:spLocks noGrp="1"/>
+          </p:cNvSpPr>
+          <p:nvPr>
+            <p:ph type="subTitle" idx="1"/>
+          </p:nvPr>
+        </p:nvSpPr>
+        <p:spPr>
+          <a:xfrm>
+            <a:off x="609600" y="1295400"/>
+            <a:ext cx="8001000" cy="4343400"/>
+          </a:xfrm>
+        </p:spPr>
+        <p:txBody>
+          <a:bodyPr>
+            <a:normAutofit/>
+          </a:bodyPr>
+          <a:lstStyle/>
+          <a:p>
+            <a:r>
+              <a:rPr lang="en-US" sz="2400" dirty="0">
+                <a:solidFill>
+                  <a:schemeClr val="tx1"/>
+                </a:solidFill>
+                <a:latin typeface="Arial" panose="020B0604020202020204" pitchFamily="34" charset="0"/>
+                <a:cs typeface="Arial" panose="020B0604020202020204" pitchFamily="34" charset="0"/>
+              </a:rPr>
+              <a:t>SQL Sever Management Studio 2012 Express</a:t>
+            </a:r>
+          </a:p>
+          <a:p>
+            <a:pPr algn="l"/>
+            <a:endParaRPr lang="en-US" sz="2400" dirty="0" smtClean="0">
+              <a:solidFill>
+                <a:schemeClr val="tx1"/>
+              </a:solidFill>
+              <a:latin typeface="Arial" panose="020B0604020202020204" pitchFamily="34" charset="0"/>
+              <a:cs typeface="Arial" panose="020B0604020202020204" pitchFamily="34" charset="0"/>
+            </a:endParaRPr>
+          </a:p>
+          <a:p>
+            <a:pPr algn="l"/>
+            <a:r>
+              <a:rPr lang="en-US" sz="2400" dirty="0" smtClean="0">
+                <a:solidFill>
+                  <a:schemeClr val="tx1"/>
+                </a:solidFill>
+                <a:latin typeface="Arial" panose="020B0604020202020204" pitchFamily="34" charset="0"/>
+                <a:cs typeface="Arial" panose="020B0604020202020204" pitchFamily="34" charset="0"/>
+              </a:rPr>
+              <a:t>SQL </a:t>
+            </a:r>
+            <a:r>
+              <a:rPr lang="en-US" sz="2400" dirty="0">
+                <a:solidFill>
+                  <a:schemeClr val="tx1"/>
+                </a:solidFill>
+                <a:latin typeface="Arial" panose="020B0604020202020204" pitchFamily="34" charset="0"/>
+                <a:cs typeface="Arial" panose="020B0604020202020204" pitchFamily="34" charset="0"/>
+              </a:rPr>
+              <a:t>Server là một hệ quản trị cơ sở dữ liệu quan hệ (RDBMS – Relational Database Management System) hoạt động theo mô hình khách chủ (client – server) và được phát triển bởi Microsoft.</a:t>
+            </a:r>
+          </a:p>
+        </p:txBody>
+      </p:sp>
+      <p:sp>
+        <p:nvSpPr>
           <p:cNvPr id="3" name="Date Placeholder 2"/>
           <p:cNvSpPr>
             <a:spLocks noGrp="1"/>
@@ -11217,8 +8165,8 @@
         </p:nvSpPr>
         <p:spPr>
           <a:xfrm>
-            <a:off x="228600" y="992188"/>
-            <a:ext cx="8686800" cy="2360612"/>
+            <a:off x="609600" y="1295400"/>
+            <a:ext cx="8077200" cy="4495800"/>
           </a:xfrm>
           <a:prstGeom prst="rect">
             <a:avLst/>
@@ -11226,7 +8174,7 @@
         </p:spPr>
         <p:txBody>
           <a:bodyPr vert="horz" lIns="91440" tIns="45720" rIns="91440" bIns="45720" rtlCol="0" anchor="ctr">
-            <a:noAutofit/>
+            <a:normAutofit/>
           </a:bodyPr>
           <a:lstStyle>
             <a:lvl1pPr algn="l" defTabSz="914400" rtl="0" eaLnBrk="1" latinLnBrk="0" hangingPunct="1">
@@ -11245,196 +8193,32 @@
             </a:lvl1pPr>
           </a:lstStyle>
           <a:p>
-            <a:pPr marL="463550" lvl="0">
+            <a:pPr marL="342900" indent="-342900" algn="just">
+              <a:spcBef>
+                <a:spcPts val="1200"/>
+              </a:spcBef>
               <a:buClr>
-                <a:srgbClr val="00B404"/>
+                <a:schemeClr val="tx1"/>
               </a:buClr>
-            </a:pPr>
-            <a:r>
-              <a:rPr lang="en-US" sz="2400">
-                <a:solidFill>
-                  <a:schemeClr val="tx1"/>
-                </a:solidFill>
-                <a:latin typeface="TNKeyUni-Arial" panose="020B0604020202020204" pitchFamily="34" charset="0"/>
-                <a:cs typeface="TNKeyUni-Arial" panose="020B0604020202020204" pitchFamily="34" charset="0"/>
-              </a:rPr>
-              <a:t>Tiếng K’Ho </a:t>
-            </a:r>
-            <a:r>
-              <a:rPr lang="en-US" sz="2400" dirty="0">
-                <a:solidFill>
-                  <a:schemeClr val="tx1"/>
-                </a:solidFill>
-                <a:latin typeface="TNKeyUni-Arial" panose="020B0604020202020204" pitchFamily="34" charset="0"/>
-                <a:cs typeface="TNKeyUni-Arial" panose="020B0604020202020204" pitchFamily="34" charset="0"/>
-              </a:rPr>
-              <a:t>thuộc ngữ hệ Nam Á, nhóm ngôn ngữ Môn – Khmer. Vào đầu thế kỷ 20, chữ K’Ho được xây dựng bằng hệ thống chữ Latin nhưng mặc dù đã được cải tiến nhiều lần, được dùng để dạy trong một số trường học, nhưng loại chữ này chưa phổ cập.</a:t>
-            </a:r>
-          </a:p>
-          <a:p>
-            <a:pPr marL="568325" indent="-342900">
               <a:buFont typeface="Wingdings" panose="05000000000000000000" pitchFamily="2" charset="2"/>
               <a:buChar char="Ø"/>
             </a:pPr>
-            <a:r>
-              <a:rPr lang="en-US" sz="2400">
-                <a:solidFill>
-                  <a:schemeClr val="tx1"/>
-                </a:solidFill>
-                <a:latin typeface="TNKeyUni-Arial" panose="020B0604020202020204" pitchFamily="34" charset="0"/>
-                <a:cs typeface="TNKeyUni-Arial" panose="020B0604020202020204" pitchFamily="34" charset="0"/>
-              </a:rPr>
-              <a:t>Nguyên </a:t>
-            </a:r>
-            <a:r>
-              <a:rPr lang="en-US" sz="2400" dirty="0">
-                <a:solidFill>
-                  <a:schemeClr val="tx1"/>
-                </a:solidFill>
-                <a:latin typeface="TNKeyUni-Arial" panose="020B0604020202020204" pitchFamily="34" charset="0"/>
-                <a:cs typeface="TNKeyUni-Arial" panose="020B0604020202020204" pitchFamily="34" charset="0"/>
-              </a:rPr>
-              <a:t>âm: </a:t>
-            </a:r>
-            <a:r>
-              <a:rPr lang="en-US" sz="2400" b="1" dirty="0">
-                <a:solidFill>
-                  <a:schemeClr val="tx1"/>
-                </a:solidFill>
-                <a:latin typeface="TNKeyUni-Arial" panose="020B0604020202020204" pitchFamily="34" charset="0"/>
-                <a:cs typeface="TNKeyUni-Arial" panose="020B0604020202020204" pitchFamily="34" charset="0"/>
-              </a:rPr>
-              <a:t>A E Ê I O Ô Ơ </a:t>
-            </a:r>
-            <a:r>
-              <a:rPr lang="en-US" sz="2400" b="1">
-                <a:solidFill>
-                  <a:schemeClr val="tx1"/>
-                </a:solidFill>
-                <a:latin typeface="TNKeyUni-Arial" panose="020B0604020202020204" pitchFamily="34" charset="0"/>
-                <a:cs typeface="TNKeyUni-Arial" panose="020B0604020202020204" pitchFamily="34" charset="0"/>
-              </a:rPr>
-              <a:t>U Ư</a:t>
-            </a:r>
-          </a:p>
-          <a:p>
-            <a:pPr marL="568325" indent="-342900">
-              <a:buFont typeface="Wingdings" panose="05000000000000000000" pitchFamily="2" charset="2"/>
-              <a:buChar char="Ø"/>
-            </a:pPr>
-            <a:r>
-              <a:rPr lang="en-US" sz="2400">
-                <a:solidFill>
-                  <a:schemeClr val="tx1"/>
-                </a:solidFill>
-                <a:latin typeface="TNKeyUni-Arial" panose="020B0604020202020204" pitchFamily="34" charset="0"/>
-                <a:cs typeface="TNKeyUni-Arial" panose="020B0604020202020204" pitchFamily="34" charset="0"/>
-              </a:rPr>
-              <a:t>Phụ âm đơn: </a:t>
-            </a:r>
-            <a:r>
-              <a:rPr lang="en-US" sz="2400" b="1">
-                <a:solidFill>
-                  <a:schemeClr val="tx1"/>
-                </a:solidFill>
-                <a:latin typeface="TNKeyUni-Arial" panose="020B0604020202020204" pitchFamily="34" charset="0"/>
-                <a:ea typeface="TNKeyUni-Souvenir" panose="02020500000000000000" pitchFamily="18" charset="0"/>
-                <a:cs typeface="TNKeyUni-Arial" panose="020B0604020202020204" pitchFamily="34" charset="0"/>
-              </a:rPr>
-              <a:t>B { C D Đ G H J K L M N N| P R S T W Y</a:t>
-            </a:r>
-            <a:endParaRPr lang="en-US" sz="2400" b="1">
+            <a:endParaRPr lang="en-US" sz="2400" dirty="0">
               <a:solidFill>
                 <a:schemeClr val="tx1"/>
               </a:solidFill>
-              <a:latin typeface="TNKeyUni-Arial" panose="020B0604020202020204" pitchFamily="34" charset="0"/>
-              <a:cs typeface="TNKeyUni-Arial" panose="020B0604020202020204" pitchFamily="34" charset="0"/>
+              <a:latin typeface="Arial" panose="020B0604020202020204" pitchFamily="34" charset="0"/>
+              <a:cs typeface="Arial" panose="020B0604020202020204" pitchFamily="34" charset="0"/>
             </a:endParaRPr>
           </a:p>
         </p:txBody>
       </p:sp>
       <p:sp>
         <p:nvSpPr>
-          <p:cNvPr id="8" name="Title 1"/>
-          <p:cNvSpPr txBox="1">
-            <a:spLocks/>
-          </p:cNvSpPr>
-          <p:nvPr/>
-        </p:nvSpPr>
-        <p:spPr>
-          <a:xfrm>
-            <a:off x="457199" y="2975113"/>
-            <a:ext cx="8382001" cy="563562"/>
-          </a:xfrm>
-          <a:prstGeom prst="rect">
-            <a:avLst/>
-          </a:prstGeom>
-        </p:spPr>
-        <p:txBody>
-          <a:bodyPr vert="horz" lIns="91440" tIns="45720" rIns="91440" bIns="45720" rtlCol="0" anchor="ctr">
-            <a:noAutofit/>
-          </a:bodyPr>
-          <a:lstStyle>
-            <a:lvl1pPr algn="l" defTabSz="914400" rtl="0" eaLnBrk="1" latinLnBrk="0" hangingPunct="1">
-              <a:spcBef>
-                <a:spcPct val="0"/>
-              </a:spcBef>
-              <a:buNone/>
-              <a:defRPr sz="4400" kern="1200">
-                <a:solidFill>
-                  <a:schemeClr val="bg1"/>
-                </a:solidFill>
-                <a:latin typeface="Segoe UI Semilight" pitchFamily="34" charset="0"/>
-                <a:ea typeface="+mj-ea"/>
-                <a:cs typeface="Segoe UI Semilight" pitchFamily="34" charset="0"/>
-              </a:defRPr>
-            </a:lvl1pPr>
-          </a:lstStyle>
-          <a:p>
-            <a:pPr marL="569913" indent="-342900">
-              <a:buFont typeface="Arial" panose="020B0604020202020204" pitchFamily="34" charset="0"/>
-              <a:buChar char="•"/>
-            </a:pPr>
-            <a:endParaRPr lang="en-US" sz="2400" b="1" dirty="0">
-              <a:solidFill>
-                <a:schemeClr val="tx1"/>
-              </a:solidFill>
-              <a:latin typeface="TNKeyUni-Arial" panose="020B0604020202020204" pitchFamily="34" charset="0"/>
-              <a:cs typeface="TNKeyUni-Arial" panose="020B0604020202020204" pitchFamily="34" charset="0"/>
-            </a:endParaRPr>
-          </a:p>
-        </p:txBody>
-      </p:sp>
-      <p:pic>
-        <p:nvPicPr>
-          <p:cNvPr id="9" name="Picture 8"/>
-          <p:cNvPicPr>
-            <a:picLocks noChangeAspect="1"/>
-          </p:cNvPicPr>
-          <p:nvPr/>
-        </p:nvPicPr>
-        <p:blipFill>
-          <a:blip r:embed="rId2"/>
-          <a:stretch>
-            <a:fillRect/>
-          </a:stretch>
-        </p:blipFill>
-        <p:spPr>
-          <a:xfrm>
-            <a:off x="457199" y="3499712"/>
-            <a:ext cx="8382001" cy="2709725"/>
-          </a:xfrm>
-          <a:prstGeom prst="rect">
-            <a:avLst/>
-          </a:prstGeom>
-        </p:spPr>
-      </p:pic>
-      <p:sp>
-        <p:nvSpPr>
-          <p:cNvPr id="10" name="Title 1">
+          <p:cNvPr id="7" name="Title 1">
             <a:extLst>
               <a:ext uri="{FF2B5EF4-FFF2-40B4-BE49-F238E27FC236}">
-                <a16:creationId xmlns="" xmlns:a16="http://schemas.microsoft.com/office/drawing/2014/main" id="{CE9FC90B-B7F5-4875-92B3-D93A56358423}"/>
+                <a16:creationId xmlns="" xmlns:a16="http://schemas.microsoft.com/office/drawing/2014/main" id="{A26F03AE-A5EF-4A37-AD0A-4A124D961228}"/>
               </a:ext>
             </a:extLst>
           </p:cNvPr>
@@ -11480,7 +8264,7 @@
           <a:p>
             <a:pPr algn="ctr"/>
             <a:r>
-              <a:rPr lang="en-US" sz="3600">
+              <a:rPr lang="en-US" sz="3600" dirty="0">
                 <a:ln w="3175">
                   <a:solidFill>
                     <a:schemeClr val="accent6">
@@ -11496,31 +8280,53 @@
                 <a:latin typeface="Arial" panose="020B0604020202020204" pitchFamily="34" charset="0"/>
                 <a:cs typeface="Arial" panose="020B0604020202020204" pitchFamily="34" charset="0"/>
               </a:rPr>
-              <a:t>3. Tổng quan: Đặc trưng về ngôn ngữ K’Ho</a:t>
-            </a:r>
-            <a:endParaRPr lang="en-US" sz="3600" dirty="0">
-              <a:ln w="3175">
+              <a:t>2</a:t>
+            </a:r>
+            <a:r>
+              <a:rPr lang="en-US" sz="3600" dirty="0" smtClean="0">
+                <a:ln w="3175">
+                  <a:solidFill>
+                    <a:schemeClr val="accent6">
+                      <a:lumMod val="75000"/>
+                    </a:schemeClr>
+                  </a:solidFill>
+                </a:ln>
                 <a:solidFill>
                   <a:schemeClr val="accent6">
                     <a:lumMod val="75000"/>
                   </a:schemeClr>
                 </a:solidFill>
-              </a:ln>
-              <a:solidFill>
-                <a:schemeClr val="accent6">
-                  <a:lumMod val="75000"/>
-                </a:schemeClr>
-              </a:solidFill>
-              <a:latin typeface="Arial" panose="020B0604020202020204" pitchFamily="34" charset="0"/>
-              <a:cs typeface="Arial" panose="020B0604020202020204" pitchFamily="34" charset="0"/>
-            </a:endParaRPr>
+                <a:latin typeface="Arial" panose="020B0604020202020204" pitchFamily="34" charset="0"/>
+                <a:cs typeface="Arial" panose="020B0604020202020204" pitchFamily="34" charset="0"/>
+              </a:rPr>
+              <a:t>. </a:t>
+            </a:r>
+            <a:r>
+              <a:rPr lang="en-US" sz="3600" dirty="0">
+                <a:ln w="3175">
+                  <a:solidFill>
+                    <a:schemeClr val="accent6">
+                      <a:lumMod val="75000"/>
+                    </a:schemeClr>
+                  </a:solidFill>
+                </a:ln>
+                <a:solidFill>
+                  <a:schemeClr val="accent6">
+                    <a:lumMod val="75000"/>
+                  </a:schemeClr>
+                </a:solidFill>
+                <a:latin typeface="Arial" panose="020B0604020202020204" pitchFamily="34" charset="0"/>
+                <a:cs typeface="Arial" panose="020B0604020202020204" pitchFamily="34" charset="0"/>
+              </a:rPr>
+              <a:t>Phương pháp xây dựng chương trình</a:t>
+            </a:r>
           </a:p>
         </p:txBody>
       </p:sp>
     </p:spTree>
     <p:extLst>
       <p:ext uri="{BB962C8B-B14F-4D97-AF65-F5344CB8AC3E}">
-        <p14:creationId xmlns:p14="http://schemas.microsoft.com/office/powerpoint/2010/main" val="474064343"/>
+        <p14:creationId xmlns:p14="http://schemas.microsoft.com/office/powerpoint/2010/main" val="2440414531"/>
       </p:ext>
     </p:extLst>
   </p:cSld>
@@ -11556,6 +8362,126 @@
       </p:grpSpPr>
       <p:sp>
         <p:nvSpPr>
+          <p:cNvPr id="8" name="Subtitle 7"/>
+          <p:cNvSpPr>
+            <a:spLocks noGrp="1"/>
+          </p:cNvSpPr>
+          <p:nvPr>
+            <p:ph type="subTitle" idx="1"/>
+          </p:nvPr>
+        </p:nvSpPr>
+        <p:spPr>
+          <a:xfrm>
+            <a:off x="609600" y="1295400"/>
+            <a:ext cx="8077200" cy="4343400"/>
+          </a:xfrm>
+        </p:spPr>
+        <p:txBody>
+          <a:bodyPr>
+            <a:normAutofit/>
+          </a:bodyPr>
+          <a:lstStyle/>
+          <a:p>
+            <a:r>
+              <a:rPr lang="en-US" sz="2400" dirty="0" smtClean="0">
+                <a:solidFill>
+                  <a:schemeClr val="tx1"/>
+                </a:solidFill>
+                <a:latin typeface="Arial" panose="020B0604020202020204" pitchFamily="34" charset="0"/>
+                <a:cs typeface="Arial" panose="020B0604020202020204" pitchFamily="34" charset="0"/>
+              </a:rPr>
+              <a:t>Xây dựng ứng dụng</a:t>
+            </a:r>
+          </a:p>
+          <a:p>
+            <a:r>
+              <a:rPr lang="en-US" sz="2400" b="1" dirty="0">
+                <a:solidFill>
+                  <a:schemeClr val="tx1"/>
+                </a:solidFill>
+                <a:latin typeface="Arial" panose="020B0604020202020204" pitchFamily="34" charset="0"/>
+                <a:cs typeface="Arial" panose="020B0604020202020204" pitchFamily="34" charset="0"/>
+              </a:rPr>
+              <a:t>Kỹ thuật </a:t>
+            </a:r>
+            <a:r>
+              <a:rPr lang="en-US" sz="2400" b="1" dirty="0" smtClean="0">
+                <a:solidFill>
+                  <a:schemeClr val="tx1"/>
+                </a:solidFill>
+                <a:latin typeface="Arial" panose="020B0604020202020204" pitchFamily="34" charset="0"/>
+                <a:cs typeface="Arial" panose="020B0604020202020204" pitchFamily="34" charset="0"/>
+              </a:rPr>
+              <a:t>thiết </a:t>
+            </a:r>
+            <a:r>
+              <a:rPr lang="en-US" sz="2400" b="1" dirty="0">
+                <a:solidFill>
+                  <a:schemeClr val="tx1"/>
+                </a:solidFill>
+                <a:latin typeface="Arial" panose="020B0604020202020204" pitchFamily="34" charset="0"/>
+                <a:cs typeface="Arial" panose="020B0604020202020204" pitchFamily="34" charset="0"/>
+              </a:rPr>
+              <a:t>kế mẫu: </a:t>
+            </a:r>
+            <a:r>
+              <a:rPr lang="en-US" sz="2400" b="1" dirty="0" smtClean="0">
+                <a:solidFill>
+                  <a:schemeClr val="tx1"/>
+                </a:solidFill>
+                <a:latin typeface="Arial" panose="020B0604020202020204" pitchFamily="34" charset="0"/>
+                <a:cs typeface="Arial" panose="020B0604020202020204" pitchFamily="34" charset="0"/>
+              </a:rPr>
+              <a:t>Singleton </a:t>
+            </a:r>
+            <a:r>
+              <a:rPr lang="en-US" sz="2400" b="1" dirty="0">
+                <a:solidFill>
+                  <a:schemeClr val="tx1"/>
+                </a:solidFill>
+                <a:latin typeface="Arial" panose="020B0604020202020204" pitchFamily="34" charset="0"/>
+                <a:cs typeface="Arial" panose="020B0604020202020204" pitchFamily="34" charset="0"/>
+              </a:rPr>
+              <a:t>C</a:t>
+            </a:r>
+            <a:r>
+              <a:rPr lang="en-US" sz="2400" b="1" dirty="0" smtClean="0">
+                <a:solidFill>
+                  <a:schemeClr val="tx1"/>
+                </a:solidFill>
+                <a:latin typeface="Arial" panose="020B0604020202020204" pitchFamily="34" charset="0"/>
+                <a:cs typeface="Arial" panose="020B0604020202020204" pitchFamily="34" charset="0"/>
+              </a:rPr>
+              <a:t>#.</a:t>
+            </a:r>
+          </a:p>
+          <a:p>
+            <a:pPr algn="l"/>
+            <a:r>
+              <a:rPr lang="en-US" sz="2400" b="1" dirty="0">
+                <a:solidFill>
+                  <a:schemeClr val="tx1"/>
+                </a:solidFill>
+                <a:latin typeface="Arial" panose="020B0604020202020204" pitchFamily="34" charset="0"/>
+                <a:cs typeface="Arial" panose="020B0604020202020204" pitchFamily="34" charset="0"/>
+              </a:rPr>
+              <a:t>Singleton</a:t>
+            </a:r>
+            <a:r>
+              <a:rPr lang="en-US" sz="2400" dirty="0">
+                <a:solidFill>
+                  <a:schemeClr val="tx1"/>
+                </a:solidFill>
+                <a:latin typeface="Arial" panose="020B0604020202020204" pitchFamily="34" charset="0"/>
+                <a:cs typeface="Arial" panose="020B0604020202020204" pitchFamily="34" charset="0"/>
+              </a:rPr>
+              <a:t> là một design pattern được sử dụng cũng phổ biến. Nó đưa ra cách thiết kế để đảm bảo rằng chỉ tạo ra không quá một thể hiện của một lớp và thể hiện này có thể được truy cập từ bất cứ đâu.</a:t>
+            </a:r>
+          </a:p>
+        </p:txBody>
+      </p:sp>
+      <p:sp>
+        <p:nvSpPr>
           <p:cNvPr id="3" name="Date Placeholder 2"/>
           <p:cNvSpPr>
             <a:spLocks noGrp="1"/>
@@ -11628,12 +8554,81 @@
         </p:nvSpPr>
         <p:spPr>
           <a:xfrm>
-            <a:off x="457200" y="457200"/>
-            <a:ext cx="8229600" cy="563562"/>
+            <a:off x="609600" y="1295400"/>
+            <a:ext cx="8077200" cy="4495800"/>
           </a:xfrm>
           <a:prstGeom prst="rect">
             <a:avLst/>
           </a:prstGeom>
+        </p:spPr>
+        <p:txBody>
+          <a:bodyPr vert="horz" lIns="91440" tIns="45720" rIns="91440" bIns="45720" rtlCol="0" anchor="ctr">
+            <a:normAutofit/>
+          </a:bodyPr>
+          <a:lstStyle>
+            <a:lvl1pPr algn="l" defTabSz="914400" rtl="0" eaLnBrk="1" latinLnBrk="0" hangingPunct="1">
+              <a:spcBef>
+                <a:spcPct val="0"/>
+              </a:spcBef>
+              <a:buNone/>
+              <a:defRPr sz="4400" kern="1200">
+                <a:solidFill>
+                  <a:schemeClr val="bg1"/>
+                </a:solidFill>
+                <a:latin typeface="Segoe UI Semilight" pitchFamily="34" charset="0"/>
+                <a:ea typeface="+mj-ea"/>
+                <a:cs typeface="Segoe UI Semilight" pitchFamily="34" charset="0"/>
+              </a:defRPr>
+            </a:lvl1pPr>
+          </a:lstStyle>
+          <a:p>
+            <a:pPr marL="342900" indent="-342900" algn="just">
+              <a:spcBef>
+                <a:spcPts val="1200"/>
+              </a:spcBef>
+              <a:buClr>
+                <a:schemeClr val="tx1"/>
+              </a:buClr>
+              <a:buFont typeface="Wingdings" panose="05000000000000000000" pitchFamily="2" charset="2"/>
+              <a:buChar char="Ø"/>
+            </a:pPr>
+            <a:endParaRPr lang="en-US" sz="2400" dirty="0">
+              <a:solidFill>
+                <a:schemeClr val="tx1"/>
+              </a:solidFill>
+              <a:latin typeface="Arial" panose="020B0604020202020204" pitchFamily="34" charset="0"/>
+              <a:cs typeface="Arial" panose="020B0604020202020204" pitchFamily="34" charset="0"/>
+            </a:endParaRPr>
+          </a:p>
+        </p:txBody>
+      </p:sp>
+      <p:sp>
+        <p:nvSpPr>
+          <p:cNvPr id="7" name="Title 1">
+            <a:extLst>
+              <a:ext uri="{FF2B5EF4-FFF2-40B4-BE49-F238E27FC236}">
+                <a16:creationId xmlns="" xmlns:a16="http://schemas.microsoft.com/office/drawing/2014/main" id="{A26F03AE-A5EF-4A37-AD0A-4A124D961228}"/>
+              </a:ext>
+            </a:extLst>
+          </p:cNvPr>
+          <p:cNvSpPr txBox="1">
+            <a:spLocks/>
+          </p:cNvSpPr>
+          <p:nvPr/>
+        </p:nvSpPr>
+        <p:spPr>
+          <a:xfrm>
+            <a:off x="0" y="0"/>
+            <a:ext cx="9144000" cy="884238"/>
+          </a:xfrm>
+          <a:prstGeom prst="rect">
+            <a:avLst/>
+          </a:prstGeom>
+          <a:ln w="3175">
+            <a:solidFill>
+              <a:schemeClr val="tx1"/>
+            </a:solidFill>
+          </a:ln>
         </p:spPr>
         <p:txBody>
           <a:bodyPr vert="horz" lIns="91440" tIns="45720" rIns="91440" bIns="45720" rtlCol="0" anchor="ctr">
@@ -11656,51 +8651,104 @@
             </a:lvl1pPr>
           </a:lstStyle>
           <a:p>
-            <a:pPr marL="342900" indent="-342900">
-              <a:buFont typeface="Wingdings" panose="05000000000000000000" pitchFamily="2" charset="2"/>
-              <a:buChar char="Ø"/>
-            </a:pPr>
-            <a:r>
-              <a:rPr lang="en-US" sz="2400" dirty="0">
-                <a:solidFill>
-                  <a:schemeClr val="tx1"/>
+            <a:pPr algn="ctr"/>
+            <a:r>
+              <a:rPr lang="en-US" sz="3600" dirty="0">
+                <a:ln w="3175">
+                  <a:solidFill>
+                    <a:schemeClr val="accent6">
+                      <a:lumMod val="75000"/>
+                    </a:schemeClr>
+                  </a:solidFill>
+                </a:ln>
+                <a:solidFill>
+                  <a:schemeClr val="accent6">
+                    <a:lumMod val="75000"/>
+                  </a:schemeClr>
                 </a:solidFill>
                 <a:latin typeface="Arial" panose="020B0604020202020204" pitchFamily="34" charset="0"/>
                 <a:cs typeface="Arial" panose="020B0604020202020204" pitchFamily="34" charset="0"/>
               </a:rPr>
-              <a:t>Phụ âm đôi</a:t>
+              <a:t>2</a:t>
+            </a:r>
+            <a:r>
+              <a:rPr lang="en-US" sz="3600" dirty="0" smtClean="0">
+                <a:ln w="3175">
+                  <a:solidFill>
+                    <a:schemeClr val="accent6">
+                      <a:lumMod val="75000"/>
+                    </a:schemeClr>
+                  </a:solidFill>
+                </a:ln>
+                <a:solidFill>
+                  <a:schemeClr val="accent6">
+                    <a:lumMod val="75000"/>
+                  </a:schemeClr>
+                </a:solidFill>
+                <a:latin typeface="Arial" panose="020B0604020202020204" pitchFamily="34" charset="0"/>
+                <a:cs typeface="Arial" panose="020B0604020202020204" pitchFamily="34" charset="0"/>
+              </a:rPr>
+              <a:t>. </a:t>
+            </a:r>
+            <a:r>
+              <a:rPr lang="en-US" sz="3600" dirty="0">
+                <a:ln w="3175">
+                  <a:solidFill>
+                    <a:schemeClr val="accent6">
+                      <a:lumMod val="75000"/>
+                    </a:schemeClr>
+                  </a:solidFill>
+                </a:ln>
+                <a:solidFill>
+                  <a:schemeClr val="accent6">
+                    <a:lumMod val="75000"/>
+                  </a:schemeClr>
+                </a:solidFill>
+                <a:latin typeface="Arial" panose="020B0604020202020204" pitchFamily="34" charset="0"/>
+                <a:cs typeface="Arial" panose="020B0604020202020204" pitchFamily="34" charset="0"/>
+              </a:rPr>
+              <a:t>Phương pháp xây dựng chương trình</a:t>
             </a:r>
           </a:p>
         </p:txBody>
       </p:sp>
       <p:pic>
         <p:nvPicPr>
-          <p:cNvPr id="8" name="Picture 7"/>
-          <p:cNvPicPr>
-            <a:picLocks noChangeAspect="1"/>
-          </p:cNvPicPr>
+          <p:cNvPr id="10" name="Picture 9" descr="Singleton C#"/>
+          <p:cNvPicPr/>
           <p:nvPr/>
         </p:nvPicPr>
         <p:blipFill>
-          <a:blip r:embed="rId2"/>
+          <a:blip r:embed="rId2">
+            <a:extLst>
+              <a:ext uri="{28A0092B-C50C-407E-A947-70E740481C1C}">
+                <a14:useLocalDpi xmlns:a14="http://schemas.microsoft.com/office/drawing/2010/main" val="0"/>
+              </a:ext>
+            </a:extLst>
+          </a:blip>
+          <a:srcRect/>
           <a:stretch>
             <a:fillRect/>
           </a:stretch>
         </p:blipFill>
-        <p:spPr>
+        <p:spPr bwMode="auto">
           <a:xfrm>
-            <a:off x="163285" y="1325562"/>
-            <a:ext cx="8759259" cy="4541838"/>
+            <a:off x="2690812" y="3681413"/>
+            <a:ext cx="3914775" cy="2392362"/>
           </a:xfrm>
           <a:prstGeom prst="rect">
             <a:avLst/>
           </a:prstGeom>
+          <a:noFill/>
+          <a:ln>
+            <a:noFill/>
+          </a:ln>
         </p:spPr>
       </p:pic>
     </p:spTree>
     <p:extLst>
       <p:ext uri="{BB962C8B-B14F-4D97-AF65-F5344CB8AC3E}">
-        <p14:creationId xmlns:p14="http://schemas.microsoft.com/office/powerpoint/2010/main" val="4004808642"/>
+        <p14:creationId xmlns:p14="http://schemas.microsoft.com/office/powerpoint/2010/main" val="2663991579"/>
       </p:ext>
     </p:extLst>
   </p:cSld>
@@ -11736,6 +8784,204 @@
       </p:grpSpPr>
       <p:sp>
         <p:nvSpPr>
+          <p:cNvPr id="8" name="Subtitle 7"/>
+          <p:cNvSpPr>
+            <a:spLocks noGrp="1"/>
+          </p:cNvSpPr>
+          <p:nvPr>
+            <p:ph type="subTitle" idx="1"/>
+          </p:nvPr>
+        </p:nvSpPr>
+        <p:spPr>
+          <a:xfrm>
+            <a:off x="609600" y="1295400"/>
+            <a:ext cx="8077200" cy="4343400"/>
+          </a:xfrm>
+        </p:spPr>
+        <p:txBody>
+          <a:bodyPr>
+            <a:noAutofit/>
+          </a:bodyPr>
+          <a:lstStyle/>
+          <a:p>
+            <a:r>
+              <a:rPr lang="en-US" sz="2400" dirty="0" smtClean="0">
+                <a:solidFill>
+                  <a:schemeClr val="tx1"/>
+                </a:solidFill>
+                <a:latin typeface="Arial" panose="020B0604020202020204" pitchFamily="34" charset="0"/>
+                <a:cs typeface="Arial" panose="020B0604020202020204" pitchFamily="34" charset="0"/>
+              </a:rPr>
+              <a:t>Xây dựng ứng dụng</a:t>
+            </a:r>
+          </a:p>
+          <a:p>
+            <a:r>
+              <a:rPr lang="en-US" sz="2400" b="1" dirty="0">
+                <a:solidFill>
+                  <a:schemeClr val="tx1"/>
+                </a:solidFill>
+                <a:latin typeface="Arial" panose="020B0604020202020204" pitchFamily="34" charset="0"/>
+                <a:cs typeface="Arial" panose="020B0604020202020204" pitchFamily="34" charset="0"/>
+              </a:rPr>
+              <a:t>Kỹ </a:t>
+            </a:r>
+            <a:r>
+              <a:rPr lang="en-US" sz="2400" b="1" dirty="0" smtClean="0">
+                <a:solidFill>
+                  <a:schemeClr val="tx1"/>
+                </a:solidFill>
+                <a:latin typeface="Arial" panose="020B0604020202020204" pitchFamily="34" charset="0"/>
+                <a:cs typeface="Arial" panose="020B0604020202020204" pitchFamily="34" charset="0"/>
+              </a:rPr>
+              <a:t>thuật thiết </a:t>
+            </a:r>
+            <a:r>
+              <a:rPr lang="en-US" sz="2400" b="1" dirty="0">
+                <a:solidFill>
+                  <a:schemeClr val="tx1"/>
+                </a:solidFill>
+                <a:latin typeface="Arial" panose="020B0604020202020204" pitchFamily="34" charset="0"/>
+                <a:cs typeface="Arial" panose="020B0604020202020204" pitchFamily="34" charset="0"/>
+              </a:rPr>
+              <a:t>kế mẫu: </a:t>
+            </a:r>
+            <a:r>
+              <a:rPr lang="en-US" sz="2400" b="1" dirty="0" smtClean="0">
+                <a:solidFill>
+                  <a:schemeClr val="tx1"/>
+                </a:solidFill>
+                <a:latin typeface="Arial" panose="020B0604020202020204" pitchFamily="34" charset="0"/>
+                <a:cs typeface="Arial" panose="020B0604020202020204" pitchFamily="34" charset="0"/>
+              </a:rPr>
+              <a:t>Singleton </a:t>
+            </a:r>
+            <a:r>
+              <a:rPr lang="en-US" sz="2400" b="1" dirty="0">
+                <a:solidFill>
+                  <a:schemeClr val="tx1"/>
+                </a:solidFill>
+                <a:latin typeface="Arial" panose="020B0604020202020204" pitchFamily="34" charset="0"/>
+                <a:cs typeface="Arial" panose="020B0604020202020204" pitchFamily="34" charset="0"/>
+              </a:rPr>
+              <a:t>C</a:t>
+            </a:r>
+            <a:r>
+              <a:rPr lang="en-US" sz="2400" b="1" dirty="0" smtClean="0">
+                <a:solidFill>
+                  <a:schemeClr val="tx1"/>
+                </a:solidFill>
+                <a:latin typeface="Arial" panose="020B0604020202020204" pitchFamily="34" charset="0"/>
+                <a:cs typeface="Arial" panose="020B0604020202020204" pitchFamily="34" charset="0"/>
+              </a:rPr>
+              <a:t>#.</a:t>
+            </a:r>
+          </a:p>
+          <a:p>
+            <a:pPr algn="l"/>
+            <a:r>
+              <a:rPr lang="en-US" sz="2000" dirty="0">
+                <a:solidFill>
+                  <a:schemeClr val="tx1"/>
+                </a:solidFill>
+                <a:latin typeface="Arial" panose="020B0604020202020204" pitchFamily="34" charset="0"/>
+                <a:cs typeface="Arial" panose="020B0604020202020204" pitchFamily="34" charset="0"/>
+              </a:rPr>
+              <a:t>Các thành </a:t>
+            </a:r>
+            <a:r>
+              <a:rPr lang="en-US" sz="2000" dirty="0" smtClean="0">
+                <a:solidFill>
+                  <a:schemeClr val="tx1"/>
+                </a:solidFill>
+                <a:latin typeface="Arial" panose="020B0604020202020204" pitchFamily="34" charset="0"/>
+                <a:cs typeface="Arial" panose="020B0604020202020204" pitchFamily="34" charset="0"/>
+              </a:rPr>
+              <a:t>phần </a:t>
+            </a:r>
+            <a:r>
+              <a:rPr lang="en-US" sz="2000" dirty="0">
+                <a:solidFill>
+                  <a:schemeClr val="tx1"/>
+                </a:solidFill>
+                <a:latin typeface="Arial" panose="020B0604020202020204" pitchFamily="34" charset="0"/>
+                <a:cs typeface="Arial" panose="020B0604020202020204" pitchFamily="34" charset="0"/>
+              </a:rPr>
+              <a:t>tham gia trong </a:t>
+            </a:r>
+            <a:r>
+              <a:rPr lang="en-US" sz="2000" dirty="0" smtClean="0">
+                <a:solidFill>
+                  <a:schemeClr val="tx1"/>
+                </a:solidFill>
+                <a:latin typeface="Arial" panose="020B0604020202020204" pitchFamily="34" charset="0"/>
+                <a:cs typeface="Arial" panose="020B0604020202020204" pitchFamily="34" charset="0"/>
+              </a:rPr>
+              <a:t>Singleton</a:t>
+            </a:r>
+          </a:p>
+          <a:p>
+            <a:pPr algn="l" fontAlgn="base"/>
+            <a:r>
+              <a:rPr lang="en-US" sz="2000" dirty="0">
+                <a:solidFill>
+                  <a:schemeClr val="tx1"/>
+                </a:solidFill>
+                <a:latin typeface="Arial" panose="020B0604020202020204" pitchFamily="34" charset="0"/>
+                <a:cs typeface="Arial" panose="020B0604020202020204" pitchFamily="34" charset="0"/>
+              </a:rPr>
+              <a:t>Nhóm đảm bảo chỉ tạo được một thể hiện: Hàm khởi tạo là private hoặc protected để không tạo được thể hiện từ bên ngoài. Biến instance là private và static để đảm bảo chỉ có 1 thể hiện. Thuộc tính Instance cung cấp giao diện để truy xuất đến thể hiện duy nhất.</a:t>
+            </a:r>
+          </a:p>
+          <a:p>
+            <a:pPr algn="l" fontAlgn="base"/>
+            <a:r>
+              <a:rPr lang="en-US" sz="2000" dirty="0">
+                <a:solidFill>
+                  <a:schemeClr val="tx1"/>
+                </a:solidFill>
+                <a:latin typeface="Arial" panose="020B0604020202020204" pitchFamily="34" charset="0"/>
+                <a:cs typeface="Arial" panose="020B0604020202020204" pitchFamily="34" charset="0"/>
+              </a:rPr>
+              <a:t>Nhóm nghiệp vụ: chứa các thuộc tính và phương thức nghiệp vụ đặc thù của lớp.</a:t>
+            </a:r>
+          </a:p>
+          <a:p>
+            <a:pPr algn="l" fontAlgn="base"/>
+            <a:r>
+              <a:rPr lang="en-US" sz="2000" b="1" dirty="0">
+                <a:solidFill>
+                  <a:schemeClr val="tx1"/>
+                </a:solidFill>
+                <a:latin typeface="Arial" panose="020B0604020202020204" pitchFamily="34" charset="0"/>
+                <a:cs typeface="Arial" panose="020B0604020202020204" pitchFamily="34" charset="0"/>
+              </a:rPr>
+              <a:t>Singleton</a:t>
+            </a:r>
+            <a:r>
+              <a:rPr lang="en-US" sz="2000" dirty="0">
+                <a:solidFill>
+                  <a:schemeClr val="tx1"/>
+                </a:solidFill>
+                <a:latin typeface="Arial" panose="020B0604020202020204" pitchFamily="34" charset="0"/>
+                <a:cs typeface="Arial" panose="020B0604020202020204" pitchFamily="34" charset="0"/>
+              </a:rPr>
+              <a:t> sử dụng tính đóng gói, bao bọc (encapsulate) của lập trình hướng đối tượng để che dấu, bảo vệ biến _instance (chỉ khởi tạo và gán duy nhất 1 lần) đồng thời che dấu phương thức khởi tạo với bên ngoài.</a:t>
+            </a:r>
+          </a:p>
+          <a:p>
+            <a:endParaRPr lang="en-US" sz="2400" b="1" dirty="0" smtClean="0">
+              <a:solidFill>
+                <a:schemeClr val="tx1"/>
+              </a:solidFill>
+              <a:latin typeface="Arial" panose="020B0604020202020204" pitchFamily="34" charset="0"/>
+              <a:cs typeface="Arial" panose="020B0604020202020204" pitchFamily="34" charset="0"/>
+            </a:endParaRPr>
+          </a:p>
+        </p:txBody>
+      </p:sp>
+      <p:sp>
+        <p:nvSpPr>
           <p:cNvPr id="3" name="Date Placeholder 2"/>
           <p:cNvSpPr>
             <a:spLocks noGrp="1"/>
@@ -11808,12 +9054,81 @@
         </p:nvSpPr>
         <p:spPr>
           <a:xfrm>
-            <a:off x="457200" y="304800"/>
-            <a:ext cx="8229600" cy="563562"/>
+            <a:off x="609600" y="1295400"/>
+            <a:ext cx="8077200" cy="4495800"/>
           </a:xfrm>
           <a:prstGeom prst="rect">
             <a:avLst/>
           </a:prstGeom>
+        </p:spPr>
+        <p:txBody>
+          <a:bodyPr vert="horz" lIns="91440" tIns="45720" rIns="91440" bIns="45720" rtlCol="0" anchor="ctr">
+            <a:normAutofit/>
+          </a:bodyPr>
+          <a:lstStyle>
+            <a:lvl1pPr algn="l" defTabSz="914400" rtl="0" eaLnBrk="1" latinLnBrk="0" hangingPunct="1">
+              <a:spcBef>
+                <a:spcPct val="0"/>
+              </a:spcBef>
+              <a:buNone/>
+              <a:defRPr sz="4400" kern="1200">
+                <a:solidFill>
+                  <a:schemeClr val="bg1"/>
+                </a:solidFill>
+                <a:latin typeface="Segoe UI Semilight" pitchFamily="34" charset="0"/>
+                <a:ea typeface="+mj-ea"/>
+                <a:cs typeface="Segoe UI Semilight" pitchFamily="34" charset="0"/>
+              </a:defRPr>
+            </a:lvl1pPr>
+          </a:lstStyle>
+          <a:p>
+            <a:pPr marL="342900" indent="-342900" algn="just">
+              <a:spcBef>
+                <a:spcPts val="1200"/>
+              </a:spcBef>
+              <a:buClr>
+                <a:schemeClr val="tx1"/>
+              </a:buClr>
+              <a:buFont typeface="Wingdings" panose="05000000000000000000" pitchFamily="2" charset="2"/>
+              <a:buChar char="Ø"/>
+            </a:pPr>
+            <a:endParaRPr lang="en-US" sz="2400" dirty="0">
+              <a:solidFill>
+                <a:schemeClr val="tx1"/>
+              </a:solidFill>
+              <a:latin typeface="Arial" panose="020B0604020202020204" pitchFamily="34" charset="0"/>
+              <a:cs typeface="Arial" panose="020B0604020202020204" pitchFamily="34" charset="0"/>
+            </a:endParaRPr>
+          </a:p>
+        </p:txBody>
+      </p:sp>
+      <p:sp>
+        <p:nvSpPr>
+          <p:cNvPr id="7" name="Title 1">
+            <a:extLst>
+              <a:ext uri="{FF2B5EF4-FFF2-40B4-BE49-F238E27FC236}">
+                <a16:creationId xmlns="" xmlns:a16="http://schemas.microsoft.com/office/drawing/2014/main" id="{A26F03AE-A5EF-4A37-AD0A-4A124D961228}"/>
+              </a:ext>
+            </a:extLst>
+          </p:cNvPr>
+          <p:cNvSpPr txBox="1">
+            <a:spLocks/>
+          </p:cNvSpPr>
+          <p:nvPr/>
+        </p:nvSpPr>
+        <p:spPr>
+          <a:xfrm>
+            <a:off x="0" y="0"/>
+            <a:ext cx="9144000" cy="884238"/>
+          </a:xfrm>
+          <a:prstGeom prst="rect">
+            <a:avLst/>
+          </a:prstGeom>
+          <a:ln w="3175">
+            <a:solidFill>
+              <a:schemeClr val="tx1"/>
+            </a:solidFill>
+          </a:ln>
         </p:spPr>
         <p:txBody>
           <a:bodyPr vert="horz" lIns="91440" tIns="45720" rIns="91440" bIns="45720" rtlCol="0" anchor="ctr">
@@ -11836,178 +9151,63 @@
             </a:lvl1pPr>
           </a:lstStyle>
           <a:p>
-            <a:pPr marL="342900" indent="-342900">
-              <a:buFont typeface="Wingdings" panose="05000000000000000000" pitchFamily="2" charset="2"/>
-              <a:buChar char="Ø"/>
-            </a:pPr>
-            <a:r>
-              <a:rPr lang="en-US" sz="2400" dirty="0">
-                <a:solidFill>
-                  <a:schemeClr val="tx1"/>
+            <a:pPr algn="ctr"/>
+            <a:r>
+              <a:rPr lang="en-US" sz="3600" dirty="0">
+                <a:ln w="3175">
+                  <a:solidFill>
+                    <a:schemeClr val="accent6">
+                      <a:lumMod val="75000"/>
+                    </a:schemeClr>
+                  </a:solidFill>
+                </a:ln>
+                <a:solidFill>
+                  <a:schemeClr val="accent6">
+                    <a:lumMod val="75000"/>
+                  </a:schemeClr>
                 </a:solidFill>
                 <a:latin typeface="Arial" panose="020B0604020202020204" pitchFamily="34" charset="0"/>
                 <a:cs typeface="Arial" panose="020B0604020202020204" pitchFamily="34" charset="0"/>
               </a:rPr>
-              <a:t>Phụ âm ba</a:t>
-            </a:r>
-          </a:p>
-        </p:txBody>
-      </p:sp>
-      <p:pic>
-        <p:nvPicPr>
-          <p:cNvPr id="9" name="Picture 8"/>
-          <p:cNvPicPr>
-            <a:picLocks noChangeAspect="1"/>
-          </p:cNvPicPr>
-          <p:nvPr/>
-        </p:nvPicPr>
-        <p:blipFill>
-          <a:blip r:embed="rId2"/>
-          <a:stretch>
-            <a:fillRect/>
-          </a:stretch>
-        </p:blipFill>
-        <p:spPr>
-          <a:xfrm>
-            <a:off x="463826" y="868362"/>
-            <a:ext cx="8229600" cy="2438400"/>
-          </a:xfrm>
-          <a:prstGeom prst="rect">
-            <a:avLst/>
-          </a:prstGeom>
-        </p:spPr>
-      </p:pic>
-      <p:sp>
-        <p:nvSpPr>
-          <p:cNvPr id="10" name="Title 1"/>
-          <p:cNvSpPr txBox="1">
-            <a:spLocks/>
-          </p:cNvSpPr>
-          <p:nvPr/>
-        </p:nvSpPr>
-        <p:spPr>
-          <a:xfrm>
-            <a:off x="457200" y="3582194"/>
-            <a:ext cx="8229600" cy="1980406"/>
-          </a:xfrm>
-          <a:prstGeom prst="rect">
-            <a:avLst/>
-          </a:prstGeom>
-        </p:spPr>
-        <p:txBody>
-          <a:bodyPr vert="horz" lIns="91440" tIns="45720" rIns="91440" bIns="45720" rtlCol="0" anchor="ctr">
-            <a:noAutofit/>
-          </a:bodyPr>
-          <a:lstStyle>
-            <a:lvl1pPr algn="l" defTabSz="914400" rtl="0" eaLnBrk="1" latinLnBrk="0" hangingPunct="1">
-              <a:spcBef>
-                <a:spcPct val="0"/>
-              </a:spcBef>
-              <a:buNone/>
-              <a:defRPr sz="4400" kern="1200">
-                <a:solidFill>
-                  <a:schemeClr val="bg1"/>
-                </a:solidFill>
-                <a:latin typeface="Segoe UI Semilight" pitchFamily="34" charset="0"/>
-                <a:ea typeface="+mj-ea"/>
-                <a:cs typeface="Segoe UI Semilight" pitchFamily="34" charset="0"/>
-              </a:defRPr>
-            </a:lvl1pPr>
-          </a:lstStyle>
-          <a:p>
-            <a:pPr marL="342900" indent="-342900">
-              <a:buFont typeface="Wingdings" panose="05000000000000000000" pitchFamily="2" charset="2"/>
-              <a:buChar char="Ø"/>
-            </a:pPr>
-            <a:r>
-              <a:rPr lang="en-US" sz="2400">
-                <a:solidFill>
-                  <a:schemeClr val="tx1"/>
+              <a:t>2</a:t>
+            </a:r>
+            <a:r>
+              <a:rPr lang="en-US" sz="3600" dirty="0" smtClean="0">
+                <a:ln w="3175">
+                  <a:solidFill>
+                    <a:schemeClr val="accent6">
+                      <a:lumMod val="75000"/>
+                    </a:schemeClr>
+                  </a:solidFill>
+                </a:ln>
+                <a:solidFill>
+                  <a:schemeClr val="accent6">
+                    <a:lumMod val="75000"/>
+                  </a:schemeClr>
                 </a:solidFill>
                 <a:latin typeface="Arial" panose="020B0604020202020204" pitchFamily="34" charset="0"/>
                 <a:cs typeface="Arial" panose="020B0604020202020204" pitchFamily="34" charset="0"/>
               </a:rPr>
-              <a:t>Thanh </a:t>
-            </a:r>
-            <a:r>
-              <a:rPr lang="en-US" sz="2400" dirty="0">
-                <a:solidFill>
-                  <a:schemeClr val="tx1"/>
+              <a:t>. </a:t>
+            </a:r>
+            <a:r>
+              <a:rPr lang="en-US" sz="3600" dirty="0">
+                <a:ln w="3175">
+                  <a:solidFill>
+                    <a:schemeClr val="accent6">
+                      <a:lumMod val="75000"/>
+                    </a:schemeClr>
+                  </a:solidFill>
+                </a:ln>
+                <a:solidFill>
+                  <a:schemeClr val="accent6">
+                    <a:lumMod val="75000"/>
+                  </a:schemeClr>
                 </a:solidFill>
                 <a:latin typeface="Arial" panose="020B0604020202020204" pitchFamily="34" charset="0"/>
                 <a:cs typeface="Arial" panose="020B0604020202020204" pitchFamily="34" charset="0"/>
               </a:rPr>
-              <a:t>điệu (dấu </a:t>
-            </a:r>
-            <a:r>
-              <a:rPr lang="en-US" sz="2400">
-                <a:solidFill>
-                  <a:schemeClr val="tx1"/>
-                </a:solidFill>
-                <a:latin typeface="Arial" panose="020B0604020202020204" pitchFamily="34" charset="0"/>
-                <a:cs typeface="Arial" panose="020B0604020202020204" pitchFamily="34" charset="0"/>
-              </a:rPr>
-              <a:t>giọng)</a:t>
-            </a:r>
-            <a:endParaRPr lang="en-US" sz="2400" dirty="0">
-              <a:solidFill>
-                <a:schemeClr val="tx1"/>
-              </a:solidFill>
-              <a:latin typeface="Arial" panose="020B0604020202020204" pitchFamily="34" charset="0"/>
-              <a:cs typeface="Arial" panose="020B0604020202020204" pitchFamily="34" charset="0"/>
-            </a:endParaRPr>
-          </a:p>
-          <a:p>
-            <a:pPr marL="900113" indent="-360363">
-              <a:buFont typeface="Arial" panose="020B0604020202020204" pitchFamily="34" charset="0"/>
-              <a:buChar char="•"/>
-            </a:pPr>
-            <a:r>
-              <a:rPr lang="en-US" sz="2400" dirty="0">
-                <a:solidFill>
-                  <a:schemeClr val="tx1"/>
-                </a:solidFill>
-                <a:latin typeface="TNKeyUni-Arial" panose="020B0604020202020204" pitchFamily="34" charset="0"/>
-                <a:cs typeface="TNKeyUni-Arial" panose="020B0604020202020204" pitchFamily="34" charset="0"/>
-              </a:rPr>
-              <a:t>Thanh cao (ngang): không ghi dấu. Ví dụ: do (đây).</a:t>
-            </a:r>
-          </a:p>
-          <a:p>
-            <a:pPr marL="900113" indent="-360363">
-              <a:buFont typeface="Arial" panose="020B0604020202020204" pitchFamily="34" charset="0"/>
-              <a:buChar char="•"/>
-            </a:pPr>
-            <a:r>
-              <a:rPr lang="en-US" sz="2400" dirty="0">
-                <a:solidFill>
-                  <a:schemeClr val="tx1"/>
-                </a:solidFill>
-                <a:latin typeface="TNKeyUni-Arial" panose="020B0604020202020204" pitchFamily="34" charset="0"/>
-                <a:cs typeface="TNKeyUni-Arial" panose="020B0604020202020204" pitchFamily="34" charset="0"/>
-              </a:rPr>
-              <a:t>Thanh thấp: ghi dấu huyền (</a:t>
-            </a:r>
-            <a:r>
-              <a:rPr lang="en-US" sz="2400" dirty="0">
-                <a:solidFill>
-                  <a:schemeClr val="tx1"/>
-                </a:solidFill>
-                <a:latin typeface="TNKeyUni-Arial" panose="020B0604020202020204" pitchFamily="34" charset="0"/>
-                <a:ea typeface="TNKeyUni-Souvenir" panose="02020500000000000000" pitchFamily="18" charset="0"/>
-                <a:cs typeface="TNKeyUni-Arial" panose="020B0604020202020204" pitchFamily="34" charset="0"/>
-              </a:rPr>
-              <a:t>n\</a:t>
-            </a:r>
-            <a:r>
-              <a:rPr lang="en-US" sz="2400" dirty="0">
-                <a:solidFill>
-                  <a:schemeClr val="tx1"/>
-                </a:solidFill>
-                <a:latin typeface="TNKeyUni-Arial" panose="020B0604020202020204" pitchFamily="34" charset="0"/>
-                <a:cs typeface="TNKeyUni-Arial" panose="020B0604020202020204" pitchFamily="34" charset="0"/>
-              </a:rPr>
-              <a:t>). Ví dụ: dà (nước).</a:t>
+              <a:t>Phương pháp xây dựng chương trình</a:t>
             </a:r>
           </a:p>
         </p:txBody>
@@ -12015,7 +9215,7 @@
     </p:spTree>
     <p:extLst>
       <p:ext uri="{BB962C8B-B14F-4D97-AF65-F5344CB8AC3E}">
-        <p14:creationId xmlns:p14="http://schemas.microsoft.com/office/powerpoint/2010/main" val="3504580789"/>
+        <p14:creationId xmlns:p14="http://schemas.microsoft.com/office/powerpoint/2010/main" val="2341763548"/>
       </p:ext>
     </p:extLst>
   </p:cSld>

--- a/THESIS/DACN_UD_Hoc_KHo_CTK37_BaoCao_D2.pptx
+++ b/THESIS/DACN_UD_Hoc_KHo_CTK37_BaoCao_D2.pptx
@@ -5,7 +5,7 @@
     <p:sldMasterId id="2147483648" r:id="rId1"/>
   </p:sldMasterIdLst>
   <p:notesMasterIdLst>
-    <p:notesMasterId r:id="rId20"/>
+    <p:notesMasterId r:id="rId19"/>
   </p:notesMasterIdLst>
   <p:sldIdLst>
     <p:sldId id="256" r:id="rId2"/>
@@ -17,15 +17,14 @@
     <p:sldId id="330" r:id="rId8"/>
     <p:sldId id="331" r:id="rId9"/>
     <p:sldId id="332" r:id="rId10"/>
-    <p:sldId id="333" r:id="rId11"/>
-    <p:sldId id="309" r:id="rId12"/>
-    <p:sldId id="310" r:id="rId13"/>
-    <p:sldId id="323" r:id="rId14"/>
-    <p:sldId id="311" r:id="rId15"/>
-    <p:sldId id="316" r:id="rId16"/>
-    <p:sldId id="312" r:id="rId17"/>
-    <p:sldId id="326" r:id="rId18"/>
-    <p:sldId id="320" r:id="rId19"/>
+    <p:sldId id="309" r:id="rId11"/>
+    <p:sldId id="310" r:id="rId12"/>
+    <p:sldId id="323" r:id="rId13"/>
+    <p:sldId id="311" r:id="rId14"/>
+    <p:sldId id="316" r:id="rId15"/>
+    <p:sldId id="312" r:id="rId16"/>
+    <p:sldId id="326" r:id="rId17"/>
+    <p:sldId id="320" r:id="rId18"/>
   </p:sldIdLst>
   <p:sldSz cx="9144000" cy="6858000" type="screen4x3"/>
   <p:notesSz cx="6858000" cy="9144000"/>
@@ -3968,7 +3967,7 @@
           <p:cNvPr id="10" name="Picture 9">
             <a:extLst>
               <a:ext uri="{FF2B5EF4-FFF2-40B4-BE49-F238E27FC236}">
-                <a16:creationId xmlns="" xmlns:a16="http://schemas.microsoft.com/office/drawing/2014/main" id="{8D2D12AD-440E-467D-AB43-0C3F2A1664D6}"/>
+                <a16:creationId xmlns:a16="http://schemas.microsoft.com/office/drawing/2014/main" xmlns="" id="{8D2D12AD-440E-467D-AB43-0C3F2A1664D6}"/>
               </a:ext>
             </a:extLst>
           </p:cNvPr>
@@ -4059,38 +4058,6 @@
       </p:grpSpPr>
       <p:sp>
         <p:nvSpPr>
-          <p:cNvPr id="8" name="Subtitle 7"/>
-          <p:cNvSpPr>
-            <a:spLocks noGrp="1"/>
-          </p:cNvSpPr>
-          <p:nvPr>
-            <p:ph type="subTitle" idx="1"/>
-          </p:nvPr>
-        </p:nvSpPr>
-        <p:spPr>
-          <a:xfrm>
-            <a:off x="609600" y="1295400"/>
-            <a:ext cx="8077200" cy="4343400"/>
-          </a:xfrm>
-        </p:spPr>
-        <p:txBody>
-          <a:bodyPr>
-            <a:noAutofit/>
-          </a:bodyPr>
-          <a:lstStyle/>
-          <a:p>
-            <a:endParaRPr lang="en-US" sz="2400" b="1" dirty="0" smtClean="0">
-              <a:solidFill>
-                <a:schemeClr val="tx1"/>
-              </a:solidFill>
-              <a:latin typeface="Arial" panose="020B0604020202020204" pitchFamily="34" charset="0"/>
-              <a:cs typeface="Arial" panose="020B0604020202020204" pitchFamily="34" charset="0"/>
-            </a:endParaRPr>
-          </a:p>
-        </p:txBody>
-      </p:sp>
-      <p:sp>
-        <p:nvSpPr>
           <p:cNvPr id="3" name="Date Placeholder 2"/>
           <p:cNvSpPr>
             <a:spLocks noGrp="1"/>
@@ -4155,68 +4122,49 @@
       </p:sp>
       <p:sp>
         <p:nvSpPr>
-          <p:cNvPr id="6" name="Title 1"/>
-          <p:cNvSpPr txBox="1">
-            <a:spLocks/>
-          </p:cNvSpPr>
+          <p:cNvPr id="9" name="TextBox 8"/>
+          <p:cNvSpPr txBox="1"/>
           <p:nvPr/>
         </p:nvSpPr>
         <p:spPr>
           <a:xfrm>
-            <a:off x="609600" y="1295400"/>
-            <a:ext cx="8077200" cy="4495800"/>
+            <a:off x="632791" y="1154232"/>
+            <a:ext cx="5562600" cy="430887"/>
           </a:xfrm>
           <a:prstGeom prst="rect">
             <a:avLst/>
           </a:prstGeom>
+          <a:noFill/>
         </p:spPr>
         <p:txBody>
-          <a:bodyPr vert="horz" lIns="91440" tIns="45720" rIns="91440" bIns="45720" rtlCol="0" anchor="ctr">
-            <a:normAutofit/>
+          <a:bodyPr wrap="square" rtlCol="0">
+            <a:spAutoFit/>
           </a:bodyPr>
-          <a:lstStyle>
-            <a:lvl1pPr algn="l" defTabSz="914400" rtl="0" eaLnBrk="1" latinLnBrk="0" hangingPunct="1">
-              <a:spcBef>
-                <a:spcPct val="0"/>
-              </a:spcBef>
-              <a:buNone/>
-              <a:defRPr sz="4400" kern="1200">
-                <a:solidFill>
-                  <a:schemeClr val="bg1"/>
-                </a:solidFill>
-                <a:latin typeface="Segoe UI Semilight" pitchFamily="34" charset="0"/>
-                <a:ea typeface="+mj-ea"/>
-                <a:cs typeface="Segoe UI Semilight" pitchFamily="34" charset="0"/>
-              </a:defRPr>
-            </a:lvl1pPr>
-          </a:lstStyle>
-          <a:p>
-            <a:pPr marL="342900" indent="-342900" algn="just">
+          <a:lstStyle/>
+          <a:p>
+            <a:pPr marL="342900" indent="-342900">
               <a:spcBef>
                 <a:spcPts val="1200"/>
               </a:spcBef>
-              <a:buClr>
-                <a:schemeClr val="tx1"/>
-              </a:buClr>
               <a:buFont typeface="Wingdings" panose="05000000000000000000" pitchFamily="2" charset="2"/>
               <a:buChar char="Ø"/>
             </a:pPr>
-            <a:endParaRPr lang="en-US" sz="2400" dirty="0">
-              <a:solidFill>
-                <a:schemeClr val="tx1"/>
-              </a:solidFill>
-              <a:latin typeface="Arial" panose="020B0604020202020204" pitchFamily="34" charset="0"/>
-              <a:cs typeface="Arial" panose="020B0604020202020204" pitchFamily="34" charset="0"/>
-            </a:endParaRPr>
-          </a:p>
-        </p:txBody>
-      </p:sp>
-      <p:sp>
-        <p:nvSpPr>
-          <p:cNvPr id="7" name="Title 1">
+            <a:r>
+              <a:rPr lang="en-US" sz="2200" dirty="0">
+                <a:latin typeface="Arial" panose="020B0604020202020204" pitchFamily="34" charset="0"/>
+                <a:cs typeface="Arial" panose="020B0604020202020204" pitchFamily="34" charset="0"/>
+              </a:rPr>
+              <a:t>Giao diện chính</a:t>
+            </a:r>
+          </a:p>
+        </p:txBody>
+      </p:sp>
+      <p:sp>
+        <p:nvSpPr>
+          <p:cNvPr id="10" name="Title 1">
             <a:extLst>
               <a:ext uri="{FF2B5EF4-FFF2-40B4-BE49-F238E27FC236}">
-                <a16:creationId xmlns="" xmlns:a16="http://schemas.microsoft.com/office/drawing/2014/main" id="{A26F03AE-A5EF-4A37-AD0A-4A124D961228}"/>
+                <a16:creationId xmlns:a16="http://schemas.microsoft.com/office/drawing/2014/main" xmlns="" id="{7368D8FC-019C-4E0A-9E64-2A1D10A99CC1}"/>
               </a:ext>
             </a:extLst>
           </p:cNvPr>
@@ -4262,7 +4210,7 @@
           <a:p>
             <a:pPr algn="ctr"/>
             <a:r>
-              <a:rPr lang="en-US" sz="3600" dirty="0">
+              <a:rPr lang="en-US" sz="2800" dirty="0">
                 <a:ln w="3175">
                   <a:solidFill>
                     <a:schemeClr val="accent6">
@@ -4278,10 +4226,10 @@
                 <a:latin typeface="Arial" panose="020B0604020202020204" pitchFamily="34" charset="0"/>
                 <a:cs typeface="Arial" panose="020B0604020202020204" pitchFamily="34" charset="0"/>
               </a:rPr>
-              <a:t>2</a:t>
-            </a:r>
-            <a:r>
-              <a:rPr lang="en-US" sz="3600" dirty="0" smtClean="0">
+              <a:t>3</a:t>
+            </a:r>
+            <a:r>
+              <a:rPr lang="en-US" sz="2800" dirty="0" smtClean="0">
                 <a:ln w="3175">
                   <a:solidFill>
                     <a:schemeClr val="accent6">
@@ -4300,7 +4248,7 @@
               <a:t>. </a:t>
             </a:r>
             <a:r>
-              <a:rPr lang="en-US" sz="3600" dirty="0">
+              <a:rPr lang="en-US" sz="2800" dirty="0" smtClean="0">
                 <a:ln w="3175">
                   <a:solidFill>
                     <a:schemeClr val="accent6">
@@ -4316,203 +4264,10 @@
                 <a:latin typeface="Arial" panose="020B0604020202020204" pitchFamily="34" charset="0"/>
                 <a:cs typeface="Arial" panose="020B0604020202020204" pitchFamily="34" charset="0"/>
               </a:rPr>
-              <a:t>Phương pháp xây dựng chương trình</a:t>
-            </a:r>
-          </a:p>
-        </p:txBody>
-      </p:sp>
-    </p:spTree>
-    <p:extLst>
-      <p:ext uri="{BB962C8B-B14F-4D97-AF65-F5344CB8AC3E}">
-        <p14:creationId xmlns:p14="http://schemas.microsoft.com/office/powerpoint/2010/main" val="3691618027"/>
-      </p:ext>
-    </p:extLst>
-  </p:cSld>
-  <p:clrMapOvr>
-    <a:masterClrMapping/>
-  </p:clrMapOvr>
-  <p:timing>
-    <p:tnLst>
-      <p:par>
-        <p:cTn id="1" dur="indefinite" restart="never" nodeType="tmRoot"/>
-      </p:par>
-    </p:tnLst>
-  </p:timing>
-</p:sld>
-</file>
-
-<file path=ppt/slides/slide11.xml><?xml version="1.0" encoding="utf-8"?>
-<p:sld xmlns:a="http://schemas.openxmlformats.org/drawingml/2006/main" xmlns:r="http://schemas.openxmlformats.org/officeDocument/2006/relationships" xmlns:p="http://schemas.openxmlformats.org/presentationml/2006/main">
-  <p:cSld>
-    <p:spTree>
-      <p:nvGrpSpPr>
-        <p:cNvPr id="1" name=""/>
-        <p:cNvGrpSpPr/>
-        <p:nvPr/>
-      </p:nvGrpSpPr>
-      <p:grpSpPr>
-        <a:xfrm>
-          <a:off x="0" y="0"/>
-          <a:ext cx="0" cy="0"/>
-          <a:chOff x="0" y="0"/>
-          <a:chExt cx="0" cy="0"/>
-        </a:xfrm>
-      </p:grpSpPr>
-      <p:sp>
-        <p:nvSpPr>
-          <p:cNvPr id="3" name="Date Placeholder 2"/>
-          <p:cNvSpPr>
-            <a:spLocks noGrp="1"/>
-          </p:cNvSpPr>
-          <p:nvPr>
-            <p:ph type="dt" sz="half" idx="10"/>
-          </p:nvPr>
-        </p:nvSpPr>
-        <p:spPr/>
-        <p:txBody>
-          <a:bodyPr/>
-          <a:lstStyle/>
-          <a:p>
-            <a:r>
-              <a:rPr lang="en-US"/>
-              <a:t>10/13/2017</a:t>
-            </a:r>
-          </a:p>
-        </p:txBody>
-      </p:sp>
-      <p:sp>
-        <p:nvSpPr>
-          <p:cNvPr id="4" name="Footer Placeholder 3"/>
-          <p:cNvSpPr>
-            <a:spLocks noGrp="1"/>
-          </p:cNvSpPr>
-          <p:nvPr>
-            <p:ph type="ftr" sz="quarter" idx="11"/>
-          </p:nvPr>
-        </p:nvSpPr>
-        <p:spPr/>
-        <p:txBody>
-          <a:bodyPr/>
-          <a:lstStyle/>
-          <a:p>
-            <a:endParaRPr lang="en-US"/>
-          </a:p>
-        </p:txBody>
-      </p:sp>
-      <p:sp>
-        <p:nvSpPr>
-          <p:cNvPr id="5" name="Slide Number Placeholder 4"/>
-          <p:cNvSpPr>
-            <a:spLocks noGrp="1"/>
-          </p:cNvSpPr>
-          <p:nvPr>
-            <p:ph type="sldNum" sz="quarter" idx="12"/>
-          </p:nvPr>
-        </p:nvSpPr>
-        <p:spPr/>
-        <p:txBody>
-          <a:bodyPr/>
-          <a:lstStyle/>
-          <a:p>
-            <a:fld id="{FF387971-9C3B-49A6-8D58-3AFB2456A1FB}" type="slidenum">
-              <a:rPr lang="en-US" smtClean="0"/>
-              <a:t>11</a:t>
-            </a:fld>
-            <a:endParaRPr lang="en-US"/>
-          </a:p>
-        </p:txBody>
-      </p:sp>
-      <p:sp>
-        <p:nvSpPr>
-          <p:cNvPr id="9" name="TextBox 8"/>
-          <p:cNvSpPr txBox="1"/>
-          <p:nvPr/>
-        </p:nvSpPr>
-        <p:spPr>
-          <a:xfrm>
-            <a:off x="632791" y="1154232"/>
-            <a:ext cx="5562600" cy="430887"/>
-          </a:xfrm>
-          <a:prstGeom prst="rect">
-            <a:avLst/>
-          </a:prstGeom>
-          <a:noFill/>
-        </p:spPr>
-        <p:txBody>
-          <a:bodyPr wrap="square" rtlCol="0">
-            <a:spAutoFit/>
-          </a:bodyPr>
-          <a:lstStyle/>
-          <a:p>
-            <a:pPr marL="342900" indent="-342900">
-              <a:spcBef>
-                <a:spcPts val="1200"/>
-              </a:spcBef>
-              <a:buFont typeface="Wingdings" panose="05000000000000000000" pitchFamily="2" charset="2"/>
-              <a:buChar char="Ø"/>
-            </a:pPr>
-            <a:r>
-              <a:rPr lang="en-US" sz="2200" dirty="0">
-                <a:latin typeface="Arial" panose="020B0604020202020204" pitchFamily="34" charset="0"/>
-                <a:cs typeface="Arial" panose="020B0604020202020204" pitchFamily="34" charset="0"/>
-              </a:rPr>
-              <a:t>Giao diện chính</a:t>
-            </a:r>
-          </a:p>
-        </p:txBody>
-      </p:sp>
-      <p:sp>
-        <p:nvSpPr>
-          <p:cNvPr id="10" name="Title 1">
-            <a:extLst>
-              <a:ext uri="{FF2B5EF4-FFF2-40B4-BE49-F238E27FC236}">
-                <a16:creationId xmlns="" xmlns:a16="http://schemas.microsoft.com/office/drawing/2014/main" id="{7368D8FC-019C-4E0A-9E64-2A1D10A99CC1}"/>
-              </a:ext>
-            </a:extLst>
-          </p:cNvPr>
-          <p:cNvSpPr txBox="1">
-            <a:spLocks/>
-          </p:cNvSpPr>
-          <p:nvPr/>
-        </p:nvSpPr>
-        <p:spPr>
-          <a:xfrm>
-            <a:off x="0" y="0"/>
-            <a:ext cx="9144000" cy="884238"/>
-          </a:xfrm>
-          <a:prstGeom prst="rect">
-            <a:avLst/>
-          </a:prstGeom>
-          <a:ln w="3175">
-            <a:solidFill>
-              <a:schemeClr val="tx1"/>
-            </a:solidFill>
-          </a:ln>
-        </p:spPr>
-        <p:txBody>
-          <a:bodyPr vert="horz" lIns="91440" tIns="45720" rIns="91440" bIns="45720" rtlCol="0" anchor="ctr">
-            <a:noAutofit/>
-          </a:bodyPr>
-          <a:lstStyle>
-            <a:lvl1pPr algn="l" defTabSz="914400" rtl="0" eaLnBrk="1" latinLnBrk="0" hangingPunct="1">
-              <a:spcBef>
-                <a:spcPct val="0"/>
-              </a:spcBef>
-              <a:buNone/>
-              <a:defRPr sz="4400" kern="1200">
-                <a:solidFill>
-                  <a:schemeClr val="bg1"/>
-                </a:solidFill>
-                <a:latin typeface="Segoe UI Semilight" pitchFamily="34" charset="0"/>
-                <a:ea typeface="+mj-ea"/>
-                <a:cs typeface="Segoe UI Semilight" pitchFamily="34" charset="0"/>
-              </a:defRPr>
-            </a:lvl1pPr>
-          </a:lstStyle>
-          <a:p>
-            <a:pPr algn="ctr"/>
-            <a:r>
-              <a:rPr lang="en-US" sz="2800">
+              <a:t>Demo ứng dụng</a:t>
+            </a:r>
+            <a:r>
+              <a:rPr lang="en-US" sz="2800" dirty="0" smtClean="0">
                 <a:ln w="3175">
                   <a:solidFill>
                     <a:schemeClr val="accent6">
@@ -4528,7 +4283,7 @@
                 <a:latin typeface="Arial" panose="020B0604020202020204" pitchFamily="34" charset="0"/>
                 <a:cs typeface="Arial" panose="020B0604020202020204" pitchFamily="34" charset="0"/>
               </a:rPr>
-              <a:t>5. Đề xuất giao diện ứng dụng</a:t>
+              <a:t>.</a:t>
             </a:r>
             <a:endParaRPr lang="en-US" sz="2800" dirty="0">
               <a:ln w="3175">
@@ -4593,7 +4348,7 @@
 </p:sld>
 </file>
 
-<file path=ppt/slides/slide12.xml><?xml version="1.0" encoding="utf-8"?>
+<file path=ppt/slides/slide11.xml><?xml version="1.0" encoding="utf-8"?>
 <p:sld xmlns:a="http://schemas.openxmlformats.org/drawingml/2006/main" xmlns:r="http://schemas.openxmlformats.org/officeDocument/2006/relationships" xmlns:p="http://schemas.openxmlformats.org/presentationml/2006/main">
   <p:cSld>
     <p:spTree>
@@ -4668,7 +4423,7 @@
           <a:p>
             <a:fld id="{FF387971-9C3B-49A6-8D58-3AFB2456A1FB}" type="slidenum">
               <a:rPr lang="en-US" smtClean="0"/>
-              <a:t>12</a:t>
+              <a:t>11</a:t>
             </a:fld>
             <a:endParaRPr lang="en-US"/>
           </a:p>
@@ -4757,7 +4512,7 @@
 </p:sld>
 </file>
 
-<file path=ppt/slides/slide13.xml><?xml version="1.0" encoding="utf-8"?>
+<file path=ppt/slides/slide12.xml><?xml version="1.0" encoding="utf-8"?>
 <p:sld xmlns:a="http://schemas.openxmlformats.org/drawingml/2006/main" xmlns:r="http://schemas.openxmlformats.org/officeDocument/2006/relationships" xmlns:p="http://schemas.openxmlformats.org/presentationml/2006/main">
   <p:cSld>
     <p:spTree>
@@ -4832,7 +4587,7 @@
           <a:p>
             <a:fld id="{FF387971-9C3B-49A6-8D58-3AFB2456A1FB}" type="slidenum">
               <a:rPr lang="en-US" smtClean="0"/>
-              <a:t>13</a:t>
+              <a:t>12</a:t>
             </a:fld>
             <a:endParaRPr lang="en-US"/>
           </a:p>
@@ -4921,7 +4676,7 @@
 </p:sld>
 </file>
 
-<file path=ppt/slides/slide14.xml><?xml version="1.0" encoding="utf-8"?>
+<file path=ppt/slides/slide13.xml><?xml version="1.0" encoding="utf-8"?>
 <p:sld xmlns:a="http://schemas.openxmlformats.org/drawingml/2006/main" xmlns:r="http://schemas.openxmlformats.org/officeDocument/2006/relationships" xmlns:p="http://schemas.openxmlformats.org/presentationml/2006/main">
   <p:cSld>
     <p:spTree>
@@ -4996,7 +4751,7 @@
           <a:p>
             <a:fld id="{FF387971-9C3B-49A6-8D58-3AFB2456A1FB}" type="slidenum">
               <a:rPr lang="en-US" smtClean="0"/>
-              <a:t>14</a:t>
+              <a:t>13</a:t>
             </a:fld>
             <a:endParaRPr lang="en-US"/>
           </a:p>
@@ -5085,7 +4840,7 @@
 </p:sld>
 </file>
 
-<file path=ppt/slides/slide15.xml><?xml version="1.0" encoding="utf-8"?>
+<file path=ppt/slides/slide14.xml><?xml version="1.0" encoding="utf-8"?>
 <p:sld xmlns:a="http://schemas.openxmlformats.org/drawingml/2006/main" xmlns:r="http://schemas.openxmlformats.org/officeDocument/2006/relationships" xmlns:p="http://schemas.openxmlformats.org/presentationml/2006/main">
   <p:cSld>
     <p:spTree>
@@ -5160,7 +4915,7 @@
           <a:p>
             <a:fld id="{FF387971-9C3B-49A6-8D58-3AFB2456A1FB}" type="slidenum">
               <a:rPr lang="en-US" smtClean="0"/>
-              <a:t>15</a:t>
+              <a:t>14</a:t>
             </a:fld>
             <a:endParaRPr lang="en-US"/>
           </a:p>
@@ -5249,7 +5004,7 @@
 </p:sld>
 </file>
 
-<file path=ppt/slides/slide16.xml><?xml version="1.0" encoding="utf-8"?>
+<file path=ppt/slides/slide15.xml><?xml version="1.0" encoding="utf-8"?>
 <p:sld xmlns:a="http://schemas.openxmlformats.org/drawingml/2006/main" xmlns:r="http://schemas.openxmlformats.org/officeDocument/2006/relationships" xmlns:p="http://schemas.openxmlformats.org/presentationml/2006/main">
   <p:cSld>
     <p:spTree>
@@ -5324,7 +5079,7 @@
           <a:p>
             <a:fld id="{FF387971-9C3B-49A6-8D58-3AFB2456A1FB}" type="slidenum">
               <a:rPr lang="en-US" smtClean="0"/>
-              <a:t>16</a:t>
+              <a:t>15</a:t>
             </a:fld>
             <a:endParaRPr lang="en-US"/>
           </a:p>
@@ -5413,7 +5168,7 @@
 </p:sld>
 </file>
 
-<file path=ppt/slides/slide17.xml><?xml version="1.0" encoding="utf-8"?>
+<file path=ppt/slides/slide16.xml><?xml version="1.0" encoding="utf-8"?>
 <p:sld xmlns:a="http://schemas.openxmlformats.org/drawingml/2006/main" xmlns:r="http://schemas.openxmlformats.org/officeDocument/2006/relationships" xmlns:p="http://schemas.openxmlformats.org/presentationml/2006/main">
   <p:cSld>
     <p:spTree>
@@ -5435,7 +5190,7 @@
           <p:cNvPr id="3" name="Date Placeholder 2">
             <a:extLst>
               <a:ext uri="{FF2B5EF4-FFF2-40B4-BE49-F238E27FC236}">
-                <a16:creationId xmlns="" xmlns:a16="http://schemas.microsoft.com/office/drawing/2014/main" id="{009A8110-A8EA-4452-ADAF-F7BBF2530252}"/>
+                <a16:creationId xmlns:a16="http://schemas.microsoft.com/office/drawing/2014/main" xmlns="" id="{009A8110-A8EA-4452-ADAF-F7BBF2530252}"/>
               </a:ext>
             </a:extLst>
           </p:cNvPr>
@@ -5463,7 +5218,7 @@
           <p:cNvPr id="4" name="Footer Placeholder 3">
             <a:extLst>
               <a:ext uri="{FF2B5EF4-FFF2-40B4-BE49-F238E27FC236}">
-                <a16:creationId xmlns="" xmlns:a16="http://schemas.microsoft.com/office/drawing/2014/main" id="{3E6C7E9B-899F-4E15-B204-26C330C2B3D4}"/>
+                <a16:creationId xmlns:a16="http://schemas.microsoft.com/office/drawing/2014/main" xmlns="" id="{3E6C7E9B-899F-4E15-B204-26C330C2B3D4}"/>
               </a:ext>
             </a:extLst>
           </p:cNvPr>
@@ -5488,7 +5243,7 @@
           <p:cNvPr id="5" name="Slide Number Placeholder 4">
             <a:extLst>
               <a:ext uri="{FF2B5EF4-FFF2-40B4-BE49-F238E27FC236}">
-                <a16:creationId xmlns="" xmlns:a16="http://schemas.microsoft.com/office/drawing/2014/main" id="{D2811794-EE24-40AE-8BD1-4899758D7765}"/>
+                <a16:creationId xmlns:a16="http://schemas.microsoft.com/office/drawing/2014/main" xmlns="" id="{D2811794-EE24-40AE-8BD1-4899758D7765}"/>
               </a:ext>
             </a:extLst>
           </p:cNvPr>
@@ -5506,7 +5261,7 @@
           <a:p>
             <a:fld id="{FF387971-9C3B-49A6-8D58-3AFB2456A1FB}" type="slidenum">
               <a:rPr lang="en-US" smtClean="0"/>
-              <a:t>17</a:t>
+              <a:t>16</a:t>
             </a:fld>
             <a:endParaRPr lang="en-US"/>
           </a:p>
@@ -5517,7 +5272,7 @@
           <p:cNvPr id="6" name="Table 5">
             <a:extLst>
               <a:ext uri="{FF2B5EF4-FFF2-40B4-BE49-F238E27FC236}">
-                <a16:creationId xmlns="" xmlns:a16="http://schemas.microsoft.com/office/drawing/2014/main" id="{46FE9E2A-514D-4555-8337-9ADA14F598AD}"/>
+                <a16:creationId xmlns:a16="http://schemas.microsoft.com/office/drawing/2014/main" xmlns="" id="{46FE9E2A-514D-4555-8337-9ADA14F598AD}"/>
               </a:ext>
             </a:extLst>
           </p:cNvPr>
@@ -5546,21 +5301,21 @@
                 <a:gridCol w="1720906">
                   <a:extLst>
                     <a:ext uri="{9D8B030D-6E8A-4147-A177-3AD203B41FA5}">
-                      <a16:colId xmlns="" xmlns:a16="http://schemas.microsoft.com/office/drawing/2014/main" val="2708479153"/>
+                      <a16:colId xmlns:a16="http://schemas.microsoft.com/office/drawing/2014/main" xmlns="" val="2708479153"/>
                     </a:ext>
                   </a:extLst>
                 </a:gridCol>
                 <a:gridCol w="1720906">
                   <a:extLst>
                     <a:ext uri="{9D8B030D-6E8A-4147-A177-3AD203B41FA5}">
-                      <a16:colId xmlns="" xmlns:a16="http://schemas.microsoft.com/office/drawing/2014/main" val="760569897"/>
+                      <a16:colId xmlns:a16="http://schemas.microsoft.com/office/drawing/2014/main" xmlns="" val="760569897"/>
                     </a:ext>
                   </a:extLst>
                 </a:gridCol>
                 <a:gridCol w="5397387">
                   <a:extLst>
                     <a:ext uri="{9D8B030D-6E8A-4147-A177-3AD203B41FA5}">
-                      <a16:colId xmlns="" xmlns:a16="http://schemas.microsoft.com/office/drawing/2014/main" val="3000805044"/>
+                      <a16:colId xmlns:a16="http://schemas.microsoft.com/office/drawing/2014/main" xmlns="" val="3000805044"/>
                     </a:ext>
                   </a:extLst>
                 </a:gridCol>
@@ -5689,7 +5444,7 @@
                 </a:tc>
                 <a:extLst>
                   <a:ext uri="{0D108BD9-81ED-4DB2-BD59-A6C34878D82A}">
-                    <a16:rowId xmlns="" xmlns:a16="http://schemas.microsoft.com/office/drawing/2014/main" val="3344276007"/>
+                    <a16:rowId xmlns:a16="http://schemas.microsoft.com/office/drawing/2014/main" xmlns="" val="3344276007"/>
                   </a:ext>
                 </a:extLst>
               </a:tr>
@@ -5827,7 +5582,7 @@
                 </a:tc>
                 <a:extLst>
                   <a:ext uri="{0D108BD9-81ED-4DB2-BD59-A6C34878D82A}">
-                    <a16:rowId xmlns="" xmlns:a16="http://schemas.microsoft.com/office/drawing/2014/main" val="2056027273"/>
+                    <a16:rowId xmlns:a16="http://schemas.microsoft.com/office/drawing/2014/main" xmlns="" val="2056027273"/>
                   </a:ext>
                 </a:extLst>
               </a:tr>
@@ -5840,7 +5595,7 @@
           <p:cNvPr id="7" name="Title 1">
             <a:extLst>
               <a:ext uri="{FF2B5EF4-FFF2-40B4-BE49-F238E27FC236}">
-                <a16:creationId xmlns="" xmlns:a16="http://schemas.microsoft.com/office/drawing/2014/main" id="{764A5D39-BEF1-4B3C-8BCF-13BB4D78BFB7}"/>
+                <a16:creationId xmlns:a16="http://schemas.microsoft.com/office/drawing/2014/main" xmlns="" id="{764A5D39-BEF1-4B3C-8BCF-13BB4D78BFB7}"/>
               </a:ext>
             </a:extLst>
           </p:cNvPr>
@@ -5886,7 +5641,7 @@
           <a:p>
             <a:pPr algn="ctr"/>
             <a:r>
-              <a:rPr lang="en-US" sz="2800">
+              <a:rPr lang="en-US" sz="2800" dirty="0">
                 <a:ln w="3175">
                   <a:solidFill>
                     <a:schemeClr val="accent6">
@@ -5902,24 +5657,46 @@
                 <a:latin typeface="Arial" panose="020B0604020202020204" pitchFamily="34" charset="0"/>
                 <a:cs typeface="Arial" panose="020B0604020202020204" pitchFamily="34" charset="0"/>
               </a:rPr>
-              <a:t>6. Kế hoạch thực hiền đồ án trong thời gian tới</a:t>
-            </a:r>
-            <a:endParaRPr lang="en-US" sz="2800" dirty="0">
-              <a:ln w="3175">
+              <a:t>4</a:t>
+            </a:r>
+            <a:r>
+              <a:rPr lang="en-US" sz="2800" dirty="0" smtClean="0">
+                <a:ln w="3175">
+                  <a:solidFill>
+                    <a:schemeClr val="accent6">
+                      <a:lumMod val="75000"/>
+                    </a:schemeClr>
+                  </a:solidFill>
+                </a:ln>
                 <a:solidFill>
                   <a:schemeClr val="accent6">
                     <a:lumMod val="75000"/>
                   </a:schemeClr>
                 </a:solidFill>
-              </a:ln>
-              <a:solidFill>
-                <a:schemeClr val="accent6">
-                  <a:lumMod val="75000"/>
-                </a:schemeClr>
-              </a:solidFill>
-              <a:latin typeface="Arial" panose="020B0604020202020204" pitchFamily="34" charset="0"/>
-              <a:cs typeface="Arial" panose="020B0604020202020204" pitchFamily="34" charset="0"/>
-            </a:endParaRPr>
+                <a:latin typeface="Arial" panose="020B0604020202020204" pitchFamily="34" charset="0"/>
+                <a:cs typeface="Arial" panose="020B0604020202020204" pitchFamily="34" charset="0"/>
+              </a:rPr>
+              <a:t>. </a:t>
+            </a:r>
+            <a:r>
+              <a:rPr lang="en-US" sz="2800" dirty="0">
+                <a:ln w="3175">
+                  <a:solidFill>
+                    <a:schemeClr val="accent6">
+                      <a:lumMod val="75000"/>
+                    </a:schemeClr>
+                  </a:solidFill>
+                </a:ln>
+                <a:solidFill>
+                  <a:schemeClr val="accent6">
+                    <a:lumMod val="75000"/>
+                  </a:schemeClr>
+                </a:solidFill>
+                <a:latin typeface="Arial" panose="020B0604020202020204" pitchFamily="34" charset="0"/>
+                <a:cs typeface="Arial" panose="020B0604020202020204" pitchFamily="34" charset="0"/>
+              </a:rPr>
+              <a:t>Kế hoạch thực hiền đồ án trong thời gian tới</a:t>
+            </a:r>
           </a:p>
         </p:txBody>
       </p:sp>
@@ -5943,7 +5720,7 @@
 </p:sld>
 </file>
 
-<file path=ppt/slides/slide18.xml><?xml version="1.0" encoding="utf-8"?>
+<file path=ppt/slides/slide17.xml><?xml version="1.0" encoding="utf-8"?>
 <p:sld xmlns:a="http://schemas.openxmlformats.org/drawingml/2006/main" xmlns:r="http://schemas.openxmlformats.org/officeDocument/2006/relationships" xmlns:p="http://schemas.openxmlformats.org/presentationml/2006/main">
   <p:cSld>
     <p:spTree>
@@ -6018,7 +5795,7 @@
           <a:p>
             <a:fld id="{FF387971-9C3B-49A6-8D58-3AFB2456A1FB}" type="slidenum">
               <a:rPr lang="en-US" smtClean="0"/>
-              <a:t>18</a:t>
+              <a:t>17</a:t>
             </a:fld>
             <a:endParaRPr lang="en-US"/>
           </a:p>
@@ -6353,144 +6130,50 @@
               <a:buAutoNum type="arabicPeriod"/>
             </a:pPr>
             <a:r>
-              <a:rPr lang="en-US" sz="2400" dirty="0">
+              <a:rPr lang="en-US" sz="2400" dirty="0" smtClean="0">
                 <a:solidFill>
                   <a:schemeClr val="tx1"/>
                 </a:solidFill>
                 <a:latin typeface="Arial" panose="020B0604020202020204" pitchFamily="34" charset="0"/>
                 <a:cs typeface="Arial" panose="020B0604020202020204" pitchFamily="34" charset="0"/>
               </a:rPr>
-              <a:t>Tổng quan đề tài:</a:t>
-            </a:r>
-          </a:p>
-          <a:p>
-            <a:pPr marL="914400" lvl="0" indent="-457200">
-              <a:spcBef>
-                <a:spcPts val="1200"/>
-              </a:spcBef>
-              <a:buFont typeface="Arial" panose="020B0604020202020204" pitchFamily="34" charset="0"/>
-              <a:buChar char="•"/>
-            </a:pPr>
-            <a:r>
-              <a:rPr lang="en-US" sz="2400" dirty="0">
+              <a:t>Demo ứng dụng</a:t>
+            </a:r>
+            <a:r>
+              <a:rPr lang="en-US" sz="2400" dirty="0" smtClean="0">
                 <a:solidFill>
                   <a:schemeClr val="tx1"/>
                 </a:solidFill>
                 <a:latin typeface="Arial" panose="020B0604020202020204" pitchFamily="34" charset="0"/>
                 <a:cs typeface="Arial" panose="020B0604020202020204" pitchFamily="34" charset="0"/>
               </a:rPr>
-              <a:t>Đặc trưng về dân tộc K’Ho.</a:t>
-            </a:r>
-          </a:p>
-          <a:p>
-            <a:pPr marL="914400" lvl="0" indent="-457200">
-              <a:spcBef>
-                <a:spcPts val="1200"/>
-              </a:spcBef>
-              <a:buFont typeface="Arial" panose="020B0604020202020204" pitchFamily="34" charset="0"/>
-              <a:buChar char="•"/>
-            </a:pPr>
-            <a:r>
-              <a:rPr lang="en-US" sz="2400" dirty="0">
-                <a:solidFill>
-                  <a:schemeClr val="tx1"/>
-                </a:solidFill>
-                <a:latin typeface="Arial" panose="020B0604020202020204" pitchFamily="34" charset="0"/>
-                <a:cs typeface="Arial" panose="020B0604020202020204" pitchFamily="34" charset="0"/>
-              </a:rPr>
-              <a:t>Đặc trưng về ngôn ngữ K’Ho.</a:t>
-            </a:r>
-          </a:p>
-          <a:p>
-            <a:pPr marL="914400" lvl="0" indent="-457200">
-              <a:spcBef>
-                <a:spcPts val="1200"/>
-              </a:spcBef>
-              <a:buFont typeface="Arial" panose="020B0604020202020204" pitchFamily="34" charset="0"/>
-              <a:buChar char="•"/>
-            </a:pPr>
-            <a:r>
-              <a:rPr lang="en-US" sz="2400" dirty="0">
-                <a:solidFill>
-                  <a:schemeClr val="tx1"/>
-                </a:solidFill>
-                <a:latin typeface="Arial" panose="020B0604020202020204" pitchFamily="34" charset="0"/>
-                <a:cs typeface="Arial" panose="020B0604020202020204" pitchFamily="34" charset="0"/>
-              </a:rPr>
-              <a:t>Tổng quan về các ứng dụng học ngôn ngữ.</a:t>
-            </a:r>
-          </a:p>
-          <a:p>
-            <a:pPr lvl="0">
-              <a:spcBef>
-                <a:spcPts val="1200"/>
-              </a:spcBef>
-              <a:tabLst>
-                <a:tab pos="463550" algn="l"/>
-              </a:tabLst>
-            </a:pPr>
-            <a:r>
-              <a:rPr lang="en-US" sz="2400" dirty="0">
-                <a:solidFill>
-                  <a:schemeClr val="tx1"/>
-                </a:solidFill>
-                <a:latin typeface="Arial" panose="020B0604020202020204" pitchFamily="34" charset="0"/>
-                <a:cs typeface="Arial" panose="020B0604020202020204" pitchFamily="34" charset="0"/>
-              </a:rPr>
-              <a:t>4.	Đề xuất phương án xây dựng, các công </a:t>
-            </a:r>
-            <a:r>
-              <a:rPr lang="en-US" sz="2400" dirty="0" smtClean="0">
-                <a:solidFill>
-                  <a:schemeClr val="tx1"/>
-                </a:solidFill>
-                <a:latin typeface="Arial" panose="020B0604020202020204" pitchFamily="34" charset="0"/>
-                <a:cs typeface="Arial" panose="020B0604020202020204" pitchFamily="34" charset="0"/>
-              </a:rPr>
-              <a:t>cụ </a:t>
-            </a:r>
-            <a:r>
-              <a:rPr lang="en-US" sz="2400" dirty="0">
-                <a:solidFill>
-                  <a:schemeClr val="tx1"/>
-                </a:solidFill>
-                <a:latin typeface="Arial" panose="020B0604020202020204" pitchFamily="34" charset="0"/>
-                <a:cs typeface="Arial" panose="020B0604020202020204" pitchFamily="34" charset="0"/>
-              </a:rPr>
-              <a:t>xây dựng ứng dụng.</a:t>
-            </a:r>
+              <a:t>.</a:t>
+            </a:r>
+            <a:endParaRPr lang="en-US" sz="2400" dirty="0">
+              <a:solidFill>
+                <a:schemeClr val="tx1"/>
+              </a:solidFill>
+              <a:latin typeface="Arial" panose="020B0604020202020204" pitchFamily="34" charset="0"/>
+              <a:cs typeface="Arial" panose="020B0604020202020204" pitchFamily="34" charset="0"/>
+            </a:endParaRPr>
           </a:p>
           <a:p>
             <a:pPr marL="457200" indent="-457200">
               <a:spcBef>
                 <a:spcPts val="1200"/>
               </a:spcBef>
-              <a:buAutoNum type="arabicPeriod" startAt="5"/>
-              <a:tabLst>
-                <a:tab pos="463550" algn="l"/>
-              </a:tabLst>
+              <a:buAutoNum type="arabicPeriod"/>
             </a:pPr>
             <a:r>
-              <a:rPr lang="en-US" sz="2400" dirty="0">
+              <a:rPr lang="en-US" sz="2400" dirty="0" smtClean="0">
                 <a:solidFill>
                   <a:schemeClr val="tx1"/>
                 </a:solidFill>
                 <a:latin typeface="Arial" panose="020B0604020202020204" pitchFamily="34" charset="0"/>
                 <a:cs typeface="Arial" panose="020B0604020202020204" pitchFamily="34" charset="0"/>
               </a:rPr>
-              <a:t>Giao diện ứng dụng.</a:t>
-            </a:r>
-          </a:p>
-          <a:p>
-            <a:pPr marL="457200" indent="-457200">
-              <a:spcBef>
-                <a:spcPts val="1200"/>
-              </a:spcBef>
-              <a:buAutoNum type="arabicPeriod" startAt="5"/>
-              <a:tabLst>
-                <a:tab pos="463550" algn="l"/>
-              </a:tabLst>
-            </a:pPr>
+              <a:t>Kế </a:t>
+            </a:r>
             <a:r>
               <a:rPr lang="en-US" sz="2400" dirty="0">
                 <a:solidFill>
@@ -6499,7 +6182,7 @@
                 <a:latin typeface="Arial" panose="020B0604020202020204" pitchFamily="34" charset="0"/>
                 <a:cs typeface="Arial" panose="020B0604020202020204" pitchFamily="34" charset="0"/>
               </a:rPr>
-              <a:t>Kế hoạch thực hiện đồ án trong thời gian tới.</a:t>
+              <a:t>hoạch thực hiện đồ án trong thời gian tới.</a:t>
             </a:r>
           </a:p>
         </p:txBody>
@@ -6815,7 +6498,7 @@
           <p:cNvPr id="7" name="Title 1">
             <a:extLst>
               <a:ext uri="{FF2B5EF4-FFF2-40B4-BE49-F238E27FC236}">
-                <a16:creationId xmlns="" xmlns:a16="http://schemas.microsoft.com/office/drawing/2014/main" id="{A26F03AE-A5EF-4A37-AD0A-4A124D961228}"/>
+                <a16:creationId xmlns:a16="http://schemas.microsoft.com/office/drawing/2014/main" xmlns="" id="{A26F03AE-A5EF-4A37-AD0A-4A124D961228}"/>
               </a:ext>
             </a:extLst>
           </p:cNvPr>
@@ -7202,7 +6885,7 @@
           <p:cNvPr id="7" name="Title 1">
             <a:extLst>
               <a:ext uri="{FF2B5EF4-FFF2-40B4-BE49-F238E27FC236}">
-                <a16:creationId xmlns="" xmlns:a16="http://schemas.microsoft.com/office/drawing/2014/main" id="{A26F03AE-A5EF-4A37-AD0A-4A124D961228}"/>
+                <a16:creationId xmlns:a16="http://schemas.microsoft.com/office/drawing/2014/main" xmlns="" id="{A26F03AE-A5EF-4A37-AD0A-4A124D961228}"/>
               </a:ext>
             </a:extLst>
           </p:cNvPr>
@@ -7501,7 +7184,7 @@
           <p:cNvPr id="7" name="Title 1">
             <a:extLst>
               <a:ext uri="{FF2B5EF4-FFF2-40B4-BE49-F238E27FC236}">
-                <a16:creationId xmlns="" xmlns:a16="http://schemas.microsoft.com/office/drawing/2014/main" id="{A26F03AE-A5EF-4A37-AD0A-4A124D961228}"/>
+                <a16:creationId xmlns:a16="http://schemas.microsoft.com/office/drawing/2014/main" xmlns="" id="{A26F03AE-A5EF-4A37-AD0A-4A124D961228}"/>
               </a:ext>
             </a:extLst>
           </p:cNvPr>
@@ -7881,7 +7564,7 @@
           <p:cNvPr id="7" name="Title 1">
             <a:extLst>
               <a:ext uri="{FF2B5EF4-FFF2-40B4-BE49-F238E27FC236}">
-                <a16:creationId xmlns="" xmlns:a16="http://schemas.microsoft.com/office/drawing/2014/main" id="{A26F03AE-A5EF-4A37-AD0A-4A124D961228}"/>
+                <a16:creationId xmlns:a16="http://schemas.microsoft.com/office/drawing/2014/main" xmlns="" id="{A26F03AE-A5EF-4A37-AD0A-4A124D961228}"/>
               </a:ext>
             </a:extLst>
           </p:cNvPr>
@@ -8218,7 +7901,7 @@
           <p:cNvPr id="7" name="Title 1">
             <a:extLst>
               <a:ext uri="{FF2B5EF4-FFF2-40B4-BE49-F238E27FC236}">
-                <a16:creationId xmlns="" xmlns:a16="http://schemas.microsoft.com/office/drawing/2014/main" id="{A26F03AE-A5EF-4A37-AD0A-4A124D961228}"/>
+                <a16:creationId xmlns:a16="http://schemas.microsoft.com/office/drawing/2014/main" xmlns="" id="{A26F03AE-A5EF-4A37-AD0A-4A124D961228}"/>
               </a:ext>
             </a:extLst>
           </p:cNvPr>
@@ -8607,7 +8290,7 @@
           <p:cNvPr id="7" name="Title 1">
             <a:extLst>
               <a:ext uri="{FF2B5EF4-FFF2-40B4-BE49-F238E27FC236}">
-                <a16:creationId xmlns="" xmlns:a16="http://schemas.microsoft.com/office/drawing/2014/main" id="{A26F03AE-A5EF-4A37-AD0A-4A124D961228}"/>
+                <a16:creationId xmlns:a16="http://schemas.microsoft.com/office/drawing/2014/main" xmlns="" id="{A26F03AE-A5EF-4A37-AD0A-4A124D961228}"/>
               </a:ext>
             </a:extLst>
           </p:cNvPr>
@@ -9107,7 +8790,7 @@
           <p:cNvPr id="7" name="Title 1">
             <a:extLst>
               <a:ext uri="{FF2B5EF4-FFF2-40B4-BE49-F238E27FC236}">
-                <a16:creationId xmlns="" xmlns:a16="http://schemas.microsoft.com/office/drawing/2014/main" id="{A26F03AE-A5EF-4A37-AD0A-4A124D961228}"/>
+                <a16:creationId xmlns:a16="http://schemas.microsoft.com/office/drawing/2014/main" xmlns="" id="{A26F03AE-A5EF-4A37-AD0A-4A124D961228}"/>
               </a:ext>
             </a:extLst>
           </p:cNvPr>

--- a/THESIS/DACN_UD_Hoc_KHo_CTK37_BaoCao_D2.pptx
+++ b/THESIS/DACN_UD_Hoc_KHo_CTK37_BaoCao_D2.pptx
@@ -228,7 +228,7 @@
           <a:p>
             <a:fld id="{5F3C816B-6264-4CFF-B007-776089C8006A}" type="datetimeFigureOut">
               <a:rPr lang="en-US" smtClean="0"/>
-              <a:t>11/10/2017</a:t>
+              <a:t>11/11/2017</a:t>
             </a:fld>
             <a:endParaRPr lang="en-US"/>
           </a:p>
@@ -4245,45 +4245,7 @@
                 <a:latin typeface="Arial" panose="020B0604020202020204" pitchFamily="34" charset="0"/>
                 <a:cs typeface="Arial" panose="020B0604020202020204" pitchFamily="34" charset="0"/>
               </a:rPr>
-              <a:t>. </a:t>
-            </a:r>
-            <a:r>
-              <a:rPr lang="en-US" sz="2800" dirty="0" smtClean="0">
-                <a:ln w="3175">
-                  <a:solidFill>
-                    <a:schemeClr val="accent6">
-                      <a:lumMod val="75000"/>
-                    </a:schemeClr>
-                  </a:solidFill>
-                </a:ln>
-                <a:solidFill>
-                  <a:schemeClr val="accent6">
-                    <a:lumMod val="75000"/>
-                  </a:schemeClr>
-                </a:solidFill>
-                <a:latin typeface="Arial" panose="020B0604020202020204" pitchFamily="34" charset="0"/>
-                <a:cs typeface="Arial" panose="020B0604020202020204" pitchFamily="34" charset="0"/>
-              </a:rPr>
-              <a:t>Demo ứng dụng</a:t>
-            </a:r>
-            <a:r>
-              <a:rPr lang="en-US" sz="2800" dirty="0" smtClean="0">
-                <a:ln w="3175">
-                  <a:solidFill>
-                    <a:schemeClr val="accent6">
-                      <a:lumMod val="75000"/>
-                    </a:schemeClr>
-                  </a:solidFill>
-                </a:ln>
-                <a:solidFill>
-                  <a:schemeClr val="accent6">
-                    <a:lumMod val="75000"/>
-                  </a:schemeClr>
-                </a:solidFill>
-                <a:latin typeface="Arial" panose="020B0604020202020204" pitchFamily="34" charset="0"/>
-                <a:cs typeface="Arial" panose="020B0604020202020204" pitchFamily="34" charset="0"/>
-              </a:rPr>
-              <a:t>.</a:t>
+              <a:t>. Demo ứng dụng.</a:t>
             </a:r>
             <a:endParaRPr lang="en-US" sz="2800" dirty="0">
               <a:ln w="3175">
@@ -4470,7 +4432,7 @@
       </p:sp>
       <p:pic>
         <p:nvPicPr>
-          <p:cNvPr id="2" name="Picture 1"/>
+          <p:cNvPr id="6" name="Picture 5"/>
           <p:cNvPicPr>
             <a:picLocks noChangeAspect="1"/>
           </p:cNvPicPr>
@@ -4484,8 +4446,8 @@
         </p:blipFill>
         <p:spPr>
           <a:xfrm>
-            <a:off x="382264" y="1143000"/>
-            <a:ext cx="8374798" cy="4708525"/>
+            <a:off x="419001" y="934581"/>
+            <a:ext cx="8342990" cy="4551819"/>
           </a:xfrm>
           <a:prstGeom prst="rect">
             <a:avLst/>
@@ -5282,14 +5244,14 @@
           <p:nvPr>
             <p:extLst>
               <p:ext uri="{D42A27DB-BD31-4B8C-83A1-F6EECF244321}">
-                <p14:modId xmlns:p14="http://schemas.microsoft.com/office/powerpoint/2010/main" val="542003790"/>
+                <p14:modId xmlns:p14="http://schemas.microsoft.com/office/powerpoint/2010/main" val="4242174119"/>
               </p:ext>
             </p:extLst>
           </p:nvPr>
         </p:nvGraphicFramePr>
         <p:xfrm>
           <a:off x="152400" y="1634331"/>
-          <a:ext cx="8839199" cy="1274064"/>
+          <a:ext cx="8839199" cy="2668143"/>
         </p:xfrm>
         <a:graphic>
           <a:graphicData uri="http://schemas.openxmlformats.org/drawingml/2006/table">
@@ -5390,6 +5352,96 @@
                     <a:bodyPr/>
                     <a:lstStyle/>
                     <a:p>
+                      <a:pPr marL="342900" marR="0" lvl="0" indent="-342900" algn="l" defTabSz="914400" rtl="0" eaLnBrk="1" fontAlgn="auto" latinLnBrk="0" hangingPunct="1">
+                        <a:lnSpc>
+                          <a:spcPct val="115000"/>
+                        </a:lnSpc>
+                        <a:spcBef>
+                          <a:spcPts val="0"/>
+                        </a:spcBef>
+                        <a:spcAft>
+                          <a:spcPts val="0"/>
+                        </a:spcAft>
+                        <a:buClrTx/>
+                        <a:buSzTx/>
+                        <a:buFontTx/>
+                        <a:buChar char="-"/>
+                        <a:tabLst/>
+                        <a:defRPr/>
+                      </a:pPr>
+                      <a:r>
+                        <a:rPr lang="en-US" sz="2200" b="1" baseline="0" dirty="0" smtClean="0">
+                          <a:solidFill>
+                            <a:schemeClr val="bg1"/>
+                          </a:solidFill>
+                          <a:effectLst/>
+                          <a:latin typeface="Times New Roman" panose="02020603050405020304" pitchFamily="18" charset="0"/>
+                          <a:cs typeface="Times New Roman" panose="02020603050405020304" pitchFamily="18" charset="0"/>
+                        </a:rPr>
+                        <a:t>Hoàn thiện các chức năng của ứng dụng:</a:t>
+                      </a:r>
+                    </a:p>
+                    <a:p>
+                      <a:pPr marL="457200" marR="0" lvl="1" indent="0" algn="l" defTabSz="914400" rtl="0" eaLnBrk="1" fontAlgn="auto" latinLnBrk="0" hangingPunct="1">
+                        <a:lnSpc>
+                          <a:spcPct val="115000"/>
+                        </a:lnSpc>
+                        <a:spcBef>
+                          <a:spcPts val="0"/>
+                        </a:spcBef>
+                        <a:spcAft>
+                          <a:spcPts val="0"/>
+                        </a:spcAft>
+                        <a:buClrTx/>
+                        <a:buSzTx/>
+                        <a:buFont typeface="Wingdings" panose="05000000000000000000" pitchFamily="2" charset="2"/>
+                        <a:buNone/>
+                        <a:tabLst/>
+                        <a:defRPr/>
+                      </a:pPr>
+                      <a:r>
+                        <a:rPr lang="en-US" sz="2200" b="1" baseline="0" dirty="0" smtClean="0">
+                          <a:solidFill>
+                            <a:schemeClr val="bg1"/>
+                          </a:solidFill>
+                          <a:effectLst/>
+                          <a:latin typeface="Times New Roman" panose="02020603050405020304" pitchFamily="18" charset="0"/>
+                          <a:cs typeface="Times New Roman" panose="02020603050405020304" pitchFamily="18" charset="0"/>
+                        </a:rPr>
+                        <a:t>+ Đủ 40 bài: bài khóa, từ vựng, ngữ pháp, đàm thoại, luyện tập,…</a:t>
+                      </a:r>
+                    </a:p>
+                    <a:p>
+                      <a:pPr marL="457200" marR="0" lvl="1" indent="0" algn="l" defTabSz="914400" rtl="0" eaLnBrk="1" fontAlgn="auto" latinLnBrk="0" hangingPunct="1">
+                        <a:lnSpc>
+                          <a:spcPct val="115000"/>
+                        </a:lnSpc>
+                        <a:spcBef>
+                          <a:spcPts val="0"/>
+                        </a:spcBef>
+                        <a:spcAft>
+                          <a:spcPts val="0"/>
+                        </a:spcAft>
+                        <a:buClrTx/>
+                        <a:buSzTx/>
+                        <a:buFont typeface="Wingdings" panose="05000000000000000000" pitchFamily="2" charset="2"/>
+                        <a:buNone/>
+                        <a:tabLst/>
+                        <a:defRPr/>
+                      </a:pPr>
+                      <a:r>
+                        <a:rPr lang="en-US" sz="2200" b="1" baseline="0" dirty="0" smtClean="0">
+                          <a:solidFill>
+                            <a:schemeClr val="bg1"/>
+                          </a:solidFill>
+                          <a:effectLst/>
+                          <a:latin typeface="Times New Roman" panose="02020603050405020304" pitchFamily="18" charset="0"/>
+                          <a:cs typeface="Times New Roman" panose="02020603050405020304" pitchFamily="18" charset="0"/>
+                        </a:rPr>
+                        <a:t>+ Âm thanh.</a:t>
+                      </a:r>
+                    </a:p>
+                    <a:p>
                       <a:pPr marL="0" marR="0" lvl="0" indent="0" algn="l" defTabSz="914400" rtl="0" eaLnBrk="1" fontAlgn="auto" latinLnBrk="0" hangingPunct="1">
                         <a:lnSpc>
                           <a:spcPct val="115000"/>
@@ -5416,7 +5468,18 @@
                           <a:latin typeface="Times New Roman" panose="02020603050405020304" pitchFamily="18" charset="0"/>
                           <a:cs typeface="Times New Roman" panose="02020603050405020304" pitchFamily="18" charset="0"/>
                         </a:rPr>
-                        <a:t>- Hoàn </a:t>
+                        <a:t>- </a:t>
+                      </a:r>
+                      <a:r>
+                        <a:rPr lang="en-US" sz="2200" b="1" dirty="0" smtClean="0">
+                          <a:solidFill>
+                            <a:schemeClr val="bg1"/>
+                          </a:solidFill>
+                          <a:effectLst/>
+                          <a:latin typeface="Times New Roman" panose="02020603050405020304" pitchFamily="18" charset="0"/>
+                          <a:cs typeface="Times New Roman" panose="02020603050405020304" pitchFamily="18" charset="0"/>
+                        </a:rPr>
+                        <a:t>Hoàn </a:t>
                       </a:r>
                       <a:r>
                         <a:rPr lang="en-US" sz="2200" b="1" dirty="0">
@@ -6137,17 +6200,7 @@
                 <a:latin typeface="Arial" panose="020B0604020202020204" pitchFamily="34" charset="0"/>
                 <a:cs typeface="Arial" panose="020B0604020202020204" pitchFamily="34" charset="0"/>
               </a:rPr>
-              <a:t>Demo ứng dụng</a:t>
-            </a:r>
-            <a:r>
-              <a:rPr lang="en-US" sz="2400" dirty="0" smtClean="0">
-                <a:solidFill>
-                  <a:schemeClr val="tx1"/>
-                </a:solidFill>
-                <a:latin typeface="Arial" panose="020B0604020202020204" pitchFamily="34" charset="0"/>
-                <a:cs typeface="Arial" panose="020B0604020202020204" pitchFamily="34" charset="0"/>
-              </a:rPr>
-              <a:t>.</a:t>
+              <a:t>Demo ứng dụng.</a:t>
             </a:r>
             <a:endParaRPr lang="en-US" sz="2400" dirty="0">
               <a:solidFill>
@@ -6755,8 +6808,55 @@
                 <a:latin typeface="Arial" panose="020B0604020202020204" pitchFamily="34" charset="0"/>
                 <a:cs typeface="Arial" panose="020B0604020202020204" pitchFamily="34" charset="0"/>
               </a:rPr>
-              <a:t>Các công cụ sử dụng và môi trường phát triển</a:t>
-            </a:r>
+              <a:t>Các công cụ sử dụng và môi trường phát </a:t>
+            </a:r>
+            <a:r>
+              <a:rPr lang="en-US" sz="2400" dirty="0">
+                <a:solidFill>
+                  <a:schemeClr val="tx1"/>
+                </a:solidFill>
+                <a:latin typeface="Arial" panose="020B0604020202020204" pitchFamily="34" charset="0"/>
+                <a:cs typeface="Arial" panose="020B0604020202020204" pitchFamily="34" charset="0"/>
+              </a:rPr>
+              <a:t>triển </a:t>
+            </a:r>
+            <a:r>
+              <a:rPr lang="en-US" sz="2400" dirty="0" smtClean="0">
+                <a:solidFill>
+                  <a:schemeClr val="tx1"/>
+                </a:solidFill>
+                <a:latin typeface="Arial" panose="020B0604020202020204" pitchFamily="34" charset="0"/>
+                <a:cs typeface="Arial" panose="020B0604020202020204" pitchFamily="34" charset="0"/>
+              </a:rPr>
+              <a:t>ứng </a:t>
+            </a:r>
+            <a:r>
+              <a:rPr lang="en-US" sz="2400" dirty="0">
+                <a:solidFill>
+                  <a:schemeClr val="tx1"/>
+                </a:solidFill>
+                <a:latin typeface="Arial" panose="020B0604020202020204" pitchFamily="34" charset="0"/>
+                <a:cs typeface="Arial" panose="020B0604020202020204" pitchFamily="34" charset="0"/>
+              </a:rPr>
+              <a:t>dụng</a:t>
+            </a:r>
+          </a:p>
+          <a:p>
+            <a:pPr algn="just">
+              <a:spcBef>
+                <a:spcPts val="1200"/>
+              </a:spcBef>
+              <a:buClr>
+                <a:schemeClr val="tx1"/>
+              </a:buClr>
+            </a:pPr>
+            <a:endParaRPr lang="en-US" sz="2400" dirty="0" smtClean="0">
+              <a:solidFill>
+                <a:schemeClr val="tx1"/>
+              </a:solidFill>
+              <a:latin typeface="Arial" panose="020B0604020202020204" pitchFamily="34" charset="0"/>
+              <a:cs typeface="Arial" panose="020B0604020202020204" pitchFamily="34" charset="0"/>
+            </a:endParaRPr>
           </a:p>
           <a:p>
             <a:pPr marL="342900" indent="-342900" algn="just">
@@ -6850,27 +6950,7 @@
               </a:rPr>
               <a:t>Express</a:t>
             </a:r>
-          </a:p>
-          <a:p>
-            <a:pPr algn="just">
-              <a:spcBef>
-                <a:spcPts val="1200"/>
-              </a:spcBef>
-              <a:buClr>
-                <a:schemeClr val="tx1"/>
-              </a:buClr>
-            </a:pPr>
-            <a:r>
-              <a:rPr lang="en-US" sz="2400" dirty="0" smtClean="0">
-                <a:solidFill>
-                  <a:schemeClr val="tx1"/>
-                </a:solidFill>
-                <a:latin typeface="Arial" panose="020B0604020202020204" pitchFamily="34" charset="0"/>
-                <a:cs typeface="Arial" panose="020B0604020202020204" pitchFamily="34" charset="0"/>
-              </a:rPr>
-              <a:t>Xây dựng ứng dụng</a:t>
-            </a:r>
-            <a:endParaRPr lang="en-US" sz="2400" dirty="0">
+            <a:endParaRPr lang="en-US" sz="2400" dirty="0" smtClean="0">
               <a:solidFill>
                 <a:schemeClr val="tx1"/>
               </a:solidFill>
@@ -8066,17 +8146,15 @@
           <a:lstStyle/>
           <a:p>
             <a:r>
-              <a:rPr lang="en-US" sz="2400" dirty="0" smtClean="0">
+              <a:rPr lang="en-US" sz="2400" b="1" dirty="0" smtClean="0">
                 <a:solidFill>
                   <a:schemeClr val="tx1"/>
                 </a:solidFill>
                 <a:latin typeface="Arial" panose="020B0604020202020204" pitchFamily="34" charset="0"/>
                 <a:cs typeface="Arial" panose="020B0604020202020204" pitchFamily="34" charset="0"/>
               </a:rPr>
-              <a:t>Xây dựng ứng dụng</a:t>
-            </a:r>
-          </a:p>
-          <a:p>
+              <a:t>Kỹ </a:t>
+            </a:r>
             <a:r>
               <a:rPr lang="en-US" sz="2400" b="1" dirty="0">
                 <a:solidFill>
@@ -8085,7 +8163,7 @@
                 <a:latin typeface="Arial" panose="020B0604020202020204" pitchFamily="34" charset="0"/>
                 <a:cs typeface="Arial" panose="020B0604020202020204" pitchFamily="34" charset="0"/>
               </a:rPr>
-              <a:t>Kỹ thuật </a:t>
+              <a:t>thuật </a:t>
             </a:r>
             <a:r>
               <a:rPr lang="en-US" sz="2400" b="1" dirty="0" smtClean="0">
@@ -8355,6 +8433,44 @@
               <a:t>2</a:t>
             </a:r>
             <a:r>
+              <a:rPr lang="en-US" sz="3600" dirty="0">
+                <a:ln w="3175">
+                  <a:solidFill>
+                    <a:schemeClr val="accent6">
+                      <a:lumMod val="75000"/>
+                    </a:schemeClr>
+                  </a:solidFill>
+                </a:ln>
+                <a:solidFill>
+                  <a:schemeClr val="accent6">
+                    <a:lumMod val="75000"/>
+                  </a:schemeClr>
+                </a:solidFill>
+                <a:latin typeface="Arial" panose="020B0604020202020204" pitchFamily="34" charset="0"/>
+                <a:cs typeface="Arial" panose="020B0604020202020204" pitchFamily="34" charset="0"/>
+              </a:rPr>
+              <a:t>. </a:t>
+            </a:r>
+            <a:r>
+              <a:rPr lang="en-US" sz="3600" dirty="0">
+                <a:ln w="3175">
+                  <a:solidFill>
+                    <a:schemeClr val="accent6">
+                      <a:lumMod val="75000"/>
+                    </a:schemeClr>
+                  </a:solidFill>
+                </a:ln>
+                <a:solidFill>
+                  <a:schemeClr val="accent6">
+                    <a:lumMod val="75000"/>
+                  </a:schemeClr>
+                </a:solidFill>
+                <a:latin typeface="Arial" panose="020B0604020202020204" pitchFamily="34" charset="0"/>
+                <a:cs typeface="Arial" panose="020B0604020202020204" pitchFamily="34" charset="0"/>
+              </a:rPr>
+              <a:t>Kỹ thuật thiết kế </a:t>
+            </a:r>
+            <a:r>
               <a:rPr lang="en-US" sz="3600" dirty="0" smtClean="0">
                 <a:ln w="3175">
                   <a:solidFill>
@@ -8371,27 +8487,24 @@
                 <a:latin typeface="Arial" panose="020B0604020202020204" pitchFamily="34" charset="0"/>
                 <a:cs typeface="Arial" panose="020B0604020202020204" pitchFamily="34" charset="0"/>
               </a:rPr>
-              <a:t>. </a:t>
-            </a:r>
-            <a:r>
-              <a:rPr lang="en-US" sz="3600" dirty="0">
-                <a:ln w="3175">
-                  <a:solidFill>
-                    <a:schemeClr val="accent6">
-                      <a:lumMod val="75000"/>
-                    </a:schemeClr>
-                  </a:solidFill>
-                </a:ln>
+              <a:t>mẫu</a:t>
+            </a:r>
+            <a:endParaRPr lang="en-US" sz="3600" dirty="0">
+              <a:ln w="3175">
                 <a:solidFill>
                   <a:schemeClr val="accent6">
                     <a:lumMod val="75000"/>
                   </a:schemeClr>
                 </a:solidFill>
-                <a:latin typeface="Arial" panose="020B0604020202020204" pitchFamily="34" charset="0"/>
-                <a:cs typeface="Arial" panose="020B0604020202020204" pitchFamily="34" charset="0"/>
-              </a:rPr>
-              <a:t>Phương pháp xây dựng chương trình</a:t>
-            </a:r>
+              </a:ln>
+              <a:solidFill>
+                <a:schemeClr val="accent6">
+                  <a:lumMod val="75000"/>
+                </a:schemeClr>
+              </a:solidFill>
+              <a:latin typeface="Arial" panose="020B0604020202020204" pitchFamily="34" charset="0"/>
+              <a:cs typeface="Arial" panose="020B0604020202020204" pitchFamily="34" charset="0"/>
+            </a:endParaRPr>
           </a:p>
         </p:txBody>
       </p:sp>
@@ -8604,7 +8717,10 @@
             </a:r>
           </a:p>
           <a:p>
-            <a:pPr algn="l" fontAlgn="base"/>
+            <a:pPr marL="342900" indent="-342900" algn="l" fontAlgn="base">
+              <a:buFont typeface="Arial" panose="020B0604020202020204" pitchFamily="34" charset="0"/>
+              <a:buChar char="•"/>
+            </a:pPr>
             <a:r>
               <a:rPr lang="en-US" sz="2000" dirty="0">
                 <a:solidFill>
@@ -8617,7 +8733,10 @@
             </a:r>
           </a:p>
           <a:p>
-            <a:pPr algn="l" fontAlgn="base"/>
+            <a:pPr marL="342900" indent="-342900" algn="l" fontAlgn="base">
+              <a:buFont typeface="Arial" panose="020B0604020202020204" pitchFamily="34" charset="0"/>
+              <a:buChar char="•"/>
+            </a:pPr>
             <a:r>
               <a:rPr lang="en-US" sz="2000" dirty="0">
                 <a:solidFill>
@@ -8649,7 +8768,27 @@
                 <a:latin typeface="Arial" panose="020B0604020202020204" pitchFamily="34" charset="0"/>
                 <a:cs typeface="Arial" panose="020B0604020202020204" pitchFamily="34" charset="0"/>
               </a:rPr>
-              <a:t> sử dụng tính đóng gói, bao bọc (encapsulate) của lập trình hướng đối tượng để che dấu, bảo vệ biến _instance (chỉ khởi tạo và gán duy nhất 1 lần) đồng thời che dấu phương thức khởi tạo với bên ngoài.</a:t>
+              <a:t> sử dụng tính đóng gói, bao bọc </a:t>
+            </a:r>
+            <a:r>
+              <a:rPr lang="en-US" sz="2000" dirty="0" smtClean="0">
+                <a:solidFill>
+                  <a:schemeClr val="tx1"/>
+                </a:solidFill>
+                <a:latin typeface="Arial" panose="020B0604020202020204" pitchFamily="34" charset="0"/>
+                <a:cs typeface="Arial" panose="020B0604020202020204" pitchFamily="34" charset="0"/>
+              </a:rPr>
+              <a:t>của </a:t>
+            </a:r>
+            <a:r>
+              <a:rPr lang="en-US" sz="2000" dirty="0">
+                <a:solidFill>
+                  <a:schemeClr val="tx1"/>
+                </a:solidFill>
+                <a:latin typeface="Arial" panose="020B0604020202020204" pitchFamily="34" charset="0"/>
+                <a:cs typeface="Arial" panose="020B0604020202020204" pitchFamily="34" charset="0"/>
+              </a:rPr>
+              <a:t>lập trình hướng đối tượng để che dấu, bảo vệ biến _instance (chỉ khởi tạo và gán duy nhất 1 lần) đồng thời che dấu phương thức khởi tạo với bên ngoài.</a:t>
             </a:r>
           </a:p>
           <a:p>
